--- a/lectures/presentations/advanced_command_line_tutorial.pptx
+++ b/lectures/presentations/advanced_command_line_tutorial.pptx
@@ -5,7 +5,7 @@
     <p:sldMasterId id="2147483648" r:id="rId1"/>
   </p:sldMasterIdLst>
   <p:notesMasterIdLst>
-    <p:notesMasterId r:id="rId37"/>
+    <p:notesMasterId r:id="rId41"/>
   </p:notesMasterIdLst>
   <p:sldIdLst>
     <p:sldId id="257" r:id="rId2"/>
@@ -13,15 +13,15 @@
     <p:sldId id="275" r:id="rId4"/>
     <p:sldId id="276" r:id="rId5"/>
     <p:sldId id="277" r:id="rId6"/>
-    <p:sldId id="278" r:id="rId7"/>
-    <p:sldId id="279" r:id="rId8"/>
-    <p:sldId id="280" r:id="rId9"/>
-    <p:sldId id="269" r:id="rId10"/>
-    <p:sldId id="270" r:id="rId11"/>
-    <p:sldId id="271" r:id="rId12"/>
-    <p:sldId id="272" r:id="rId13"/>
-    <p:sldId id="273" r:id="rId14"/>
-    <p:sldId id="274" r:id="rId15"/>
+    <p:sldId id="293" r:id="rId7"/>
+    <p:sldId id="294" r:id="rId8"/>
+    <p:sldId id="278" r:id="rId9"/>
+    <p:sldId id="279" r:id="rId10"/>
+    <p:sldId id="280" r:id="rId11"/>
+    <p:sldId id="269" r:id="rId12"/>
+    <p:sldId id="270" r:id="rId13"/>
+    <p:sldId id="271" r:id="rId14"/>
+    <p:sldId id="292" r:id="rId15"/>
     <p:sldId id="281" r:id="rId16"/>
     <p:sldId id="282" r:id="rId17"/>
     <p:sldId id="283" r:id="rId18"/>
@@ -33,16 +33,20 @@
     <p:sldId id="289" r:id="rId24"/>
     <p:sldId id="290" r:id="rId25"/>
     <p:sldId id="291" r:id="rId26"/>
-    <p:sldId id="261" r:id="rId27"/>
-    <p:sldId id="259" r:id="rId28"/>
-    <p:sldId id="262" r:id="rId29"/>
-    <p:sldId id="263" r:id="rId30"/>
-    <p:sldId id="264" r:id="rId31"/>
-    <p:sldId id="265" r:id="rId32"/>
-    <p:sldId id="266" r:id="rId33"/>
-    <p:sldId id="267" r:id="rId34"/>
-    <p:sldId id="268" r:id="rId35"/>
-    <p:sldId id="260" r:id="rId36"/>
+    <p:sldId id="297" r:id="rId27"/>
+    <p:sldId id="298" r:id="rId28"/>
+    <p:sldId id="296" r:id="rId29"/>
+    <p:sldId id="261" r:id="rId30"/>
+    <p:sldId id="259" r:id="rId31"/>
+    <p:sldId id="262" r:id="rId32"/>
+    <p:sldId id="263" r:id="rId33"/>
+    <p:sldId id="264" r:id="rId34"/>
+    <p:sldId id="265" r:id="rId35"/>
+    <p:sldId id="266" r:id="rId36"/>
+    <p:sldId id="267" r:id="rId37"/>
+    <p:sldId id="268" r:id="rId38"/>
+    <p:sldId id="260" r:id="rId39"/>
+    <p:sldId id="295" r:id="rId40"/>
   </p:sldIdLst>
   <p:sldSz cx="12192000" cy="6858000"/>
   <p:notesSz cx="6858000" cy="9144000"/>
@@ -141,6 +145,11 @@
       </a:defRPr>
     </a:lvl9pPr>
   </p:defaultTextStyle>
+  <p:extLst>
+    <p:ext uri="{EFAFB233-063F-42B5-8137-9DF3F51BA10A}">
+      <p15:sldGuideLst xmlns:p15="http://schemas.microsoft.com/office/powerpoint/2012/main"/>
+    </p:ext>
+  </p:extLst>
 </p:presentation>
 </file>
 
@@ -226,7 +235,7 @@
           <a:p>
             <a:fld id="{B53B1810-B934-4BA9-818E-38DA22663669}" type="datetimeFigureOut">
               <a:rPr lang="en-US" smtClean="0"/>
-              <a:t>12/6/2019</a:t>
+              <a:t>1/6/2020</a:t>
             </a:fld>
             <a:endParaRPr lang="en-US"/>
           </a:p>
@@ -578,6 +587,110 @@
 </p:notes>
 </file>
 
+<file path=ppt/notesSlides/notesSlide2.xml><?xml version="1.0" encoding="utf-8"?>
+<p:notes xmlns:a="http://schemas.openxmlformats.org/drawingml/2006/main" xmlns:r="http://schemas.openxmlformats.org/officeDocument/2006/relationships" xmlns:p="http://schemas.openxmlformats.org/presentationml/2006/main">
+  <p:cSld>
+    <p:spTree>
+      <p:nvGrpSpPr>
+        <p:cNvPr id="1" name=""/>
+        <p:cNvGrpSpPr/>
+        <p:nvPr/>
+      </p:nvGrpSpPr>
+      <p:grpSpPr>
+        <a:xfrm>
+          <a:off x="0" y="0"/>
+          <a:ext cx="0" cy="0"/>
+          <a:chOff x="0" y="0"/>
+          <a:chExt cx="0" cy="0"/>
+        </a:xfrm>
+      </p:grpSpPr>
+      <p:sp>
+        <p:nvSpPr>
+          <p:cNvPr id="2" name="Slide Image Placeholder 1"/>
+          <p:cNvSpPr>
+            <a:spLocks noGrp="1" noRot="1" noChangeAspect="1"/>
+          </p:cNvSpPr>
+          <p:nvPr>
+            <p:ph type="sldImg"/>
+          </p:nvPr>
+        </p:nvSpPr>
+        <p:spPr/>
+      </p:sp>
+      <p:sp>
+        <p:nvSpPr>
+          <p:cNvPr id="3" name="Notes Placeholder 2"/>
+          <p:cNvSpPr>
+            <a:spLocks noGrp="1"/>
+          </p:cNvSpPr>
+          <p:nvPr>
+            <p:ph type="body" idx="1"/>
+          </p:nvPr>
+        </p:nvSpPr>
+        <p:spPr/>
+        <p:txBody>
+          <a:bodyPr/>
+          <a:lstStyle/>
+          <a:p>
+            <a:r>
+              <a:rPr lang="en-US" dirty="0" err="1" smtClean="0"/>
+              <a:t>Slurm</a:t>
+            </a:r>
+            <a:r>
+              <a:rPr lang="en-US" dirty="0" smtClean="0"/>
+              <a:t>= </a:t>
+            </a:r>
+            <a:r>
+              <a:rPr lang="en-US" sz="1200" b="0" i="0" kern="1200" dirty="0" smtClean="0">
+                <a:solidFill>
+                  <a:schemeClr val="tx1"/>
+                </a:solidFill>
+                <a:effectLst/>
+                <a:latin typeface="+mn-lt"/>
+                <a:ea typeface="+mn-ea"/>
+                <a:cs typeface="+mn-cs"/>
+              </a:rPr>
+              <a:t>Simple Linux Utility for Resource Management </a:t>
+            </a:r>
+            <a:endParaRPr lang="en-US" dirty="0"/>
+          </a:p>
+        </p:txBody>
+      </p:sp>
+      <p:sp>
+        <p:nvSpPr>
+          <p:cNvPr id="4" name="Slide Number Placeholder 3"/>
+          <p:cNvSpPr>
+            <a:spLocks noGrp="1"/>
+          </p:cNvSpPr>
+          <p:nvPr>
+            <p:ph type="sldNum" sz="quarter" idx="10"/>
+          </p:nvPr>
+        </p:nvSpPr>
+        <p:spPr/>
+        <p:txBody>
+          <a:bodyPr/>
+          <a:lstStyle/>
+          <a:p>
+            <a:fld id="{44A24711-76ED-447B-9DF1-D8BA240E5B4C}" type="slidenum">
+              <a:rPr lang="en-US" smtClean="0"/>
+              <a:t>28</a:t>
+            </a:fld>
+            <a:endParaRPr lang="en-US"/>
+          </a:p>
+        </p:txBody>
+      </p:sp>
+    </p:spTree>
+    <p:extLst>
+      <p:ext uri="{BB962C8B-B14F-4D97-AF65-F5344CB8AC3E}">
+        <p14:creationId xmlns:p14="http://schemas.microsoft.com/office/powerpoint/2010/main" val="92360357"/>
+      </p:ext>
+    </p:extLst>
+  </p:cSld>
+  <p:clrMapOvr>
+    <a:masterClrMapping/>
+  </p:clrMapOvr>
+</p:notes>
+</file>
+
 <file path=ppt/slideLayouts/slideLayout1.xml><?xml version="1.0" encoding="utf-8"?>
 <p:sldLayout xmlns:a="http://schemas.openxmlformats.org/drawingml/2006/main" xmlns:r="http://schemas.openxmlformats.org/officeDocument/2006/relationships" xmlns:p="http://schemas.openxmlformats.org/presentationml/2006/main" type="title" preserve="1">
   <p:cSld name="Title Slide">
@@ -709,7 +822,7 @@
           <a:p>
             <a:fld id="{AD7E496B-2690-4F52-8F9B-7F150E9B577E}" type="datetimeFigureOut">
               <a:rPr lang="en-US" smtClean="0"/>
-              <a:t>12/6/2019</a:t>
+              <a:t>1/6/2020</a:t>
             </a:fld>
             <a:endParaRPr lang="en-US"/>
           </a:p>
@@ -879,7 +992,7 @@
           <a:p>
             <a:fld id="{AD7E496B-2690-4F52-8F9B-7F150E9B577E}" type="datetimeFigureOut">
               <a:rPr lang="en-US" smtClean="0"/>
-              <a:t>12/6/2019</a:t>
+              <a:t>1/6/2020</a:t>
             </a:fld>
             <a:endParaRPr lang="en-US"/>
           </a:p>
@@ -1059,7 +1172,7 @@
           <a:p>
             <a:fld id="{AD7E496B-2690-4F52-8F9B-7F150E9B577E}" type="datetimeFigureOut">
               <a:rPr lang="en-US" smtClean="0"/>
-              <a:t>12/6/2019</a:t>
+              <a:t>1/6/2020</a:t>
             </a:fld>
             <a:endParaRPr lang="en-US"/>
           </a:p>
@@ -1229,7 +1342,7 @@
           <a:p>
             <a:fld id="{AD7E496B-2690-4F52-8F9B-7F150E9B577E}" type="datetimeFigureOut">
               <a:rPr lang="en-US" smtClean="0"/>
-              <a:t>12/6/2019</a:t>
+              <a:t>1/6/2020</a:t>
             </a:fld>
             <a:endParaRPr lang="en-US"/>
           </a:p>
@@ -1475,7 +1588,7 @@
           <a:p>
             <a:fld id="{AD7E496B-2690-4F52-8F9B-7F150E9B577E}" type="datetimeFigureOut">
               <a:rPr lang="en-US" smtClean="0"/>
-              <a:t>12/6/2019</a:t>
+              <a:t>1/6/2020</a:t>
             </a:fld>
             <a:endParaRPr lang="en-US"/>
           </a:p>
@@ -1707,7 +1820,7 @@
           <a:p>
             <a:fld id="{AD7E496B-2690-4F52-8F9B-7F150E9B577E}" type="datetimeFigureOut">
               <a:rPr lang="en-US" smtClean="0"/>
-              <a:t>12/6/2019</a:t>
+              <a:t>1/6/2020</a:t>
             </a:fld>
             <a:endParaRPr lang="en-US"/>
           </a:p>
@@ -2074,7 +2187,7 @@
           <a:p>
             <a:fld id="{AD7E496B-2690-4F52-8F9B-7F150E9B577E}" type="datetimeFigureOut">
               <a:rPr lang="en-US" smtClean="0"/>
-              <a:t>12/6/2019</a:t>
+              <a:t>1/6/2020</a:t>
             </a:fld>
             <a:endParaRPr lang="en-US"/>
           </a:p>
@@ -2192,7 +2305,7 @@
           <a:p>
             <a:fld id="{AD7E496B-2690-4F52-8F9B-7F150E9B577E}" type="datetimeFigureOut">
               <a:rPr lang="en-US" smtClean="0"/>
-              <a:t>12/6/2019</a:t>
+              <a:t>1/6/2020</a:t>
             </a:fld>
             <a:endParaRPr lang="en-US"/>
           </a:p>
@@ -2287,7 +2400,7 @@
           <a:p>
             <a:fld id="{AD7E496B-2690-4F52-8F9B-7F150E9B577E}" type="datetimeFigureOut">
               <a:rPr lang="en-US" smtClean="0"/>
-              <a:t>12/6/2019</a:t>
+              <a:t>1/6/2020</a:t>
             </a:fld>
             <a:endParaRPr lang="en-US"/>
           </a:p>
@@ -2564,7 +2677,7 @@
           <a:p>
             <a:fld id="{AD7E496B-2690-4F52-8F9B-7F150E9B577E}" type="datetimeFigureOut">
               <a:rPr lang="en-US" smtClean="0"/>
-              <a:t>12/6/2019</a:t>
+              <a:t>1/6/2020</a:t>
             </a:fld>
             <a:endParaRPr lang="en-US"/>
           </a:p>
@@ -2817,7 +2930,7 @@
           <a:p>
             <a:fld id="{AD7E496B-2690-4F52-8F9B-7F150E9B577E}" type="datetimeFigureOut">
               <a:rPr lang="en-US" smtClean="0"/>
-              <a:t>12/6/2019</a:t>
+              <a:t>1/6/2020</a:t>
             </a:fld>
             <a:endParaRPr lang="en-US"/>
           </a:p>
@@ -3030,7 +3143,7 @@
           <a:p>
             <a:fld id="{AD7E496B-2690-4F52-8F9B-7F150E9B577E}" type="datetimeFigureOut">
               <a:rPr lang="en-US" smtClean="0"/>
-              <a:t>12/6/2019</a:t>
+              <a:t>1/6/2020</a:t>
             </a:fld>
             <a:endParaRPr lang="en-US"/>
           </a:p>
@@ -3531,6 +3644,462 @@
           <a:p>
             <a:r>
               <a:rPr lang="en-US" dirty="0" smtClean="0"/>
+              <a:t>To reinforce the lesson</a:t>
+            </a:r>
+            <a:endParaRPr lang="en-US" dirty="0"/>
+          </a:p>
+        </p:txBody>
+      </p:sp>
+      <p:sp>
+        <p:nvSpPr>
+          <p:cNvPr id="3" name="Content Placeholder 2"/>
+          <p:cNvSpPr>
+            <a:spLocks noGrp="1"/>
+          </p:cNvSpPr>
+          <p:nvPr>
+            <p:ph idx="1"/>
+          </p:nvPr>
+        </p:nvSpPr>
+        <p:spPr/>
+        <p:txBody>
+          <a:bodyPr/>
+          <a:lstStyle/>
+          <a:p>
+            <a:r>
+              <a:rPr lang="en-US" dirty="0" smtClean="0"/>
+              <a:t>Try typing the following command and read the text that follows:</a:t>
+            </a:r>
+          </a:p>
+          <a:p>
+            <a:endParaRPr lang="en-US" dirty="0"/>
+          </a:p>
+          <a:p>
+            <a:endParaRPr lang="en-US" dirty="0" smtClean="0"/>
+          </a:p>
+          <a:p>
+            <a:r>
+              <a:rPr lang="en-US" dirty="0" smtClean="0"/>
+              <a:t>What do you think that this command at the top is telling you? </a:t>
+            </a:r>
+            <a:endParaRPr lang="en-US" dirty="0"/>
+          </a:p>
+        </p:txBody>
+      </p:sp>
+      <p:pic>
+        <p:nvPicPr>
+          <p:cNvPr id="4" name="Picture 3"/>
+          <p:cNvPicPr>
+            <a:picLocks noChangeAspect="1"/>
+          </p:cNvPicPr>
+          <p:nvPr/>
+        </p:nvPicPr>
+        <p:blipFill>
+          <a:blip r:embed="rId2"/>
+          <a:stretch>
+            <a:fillRect/>
+          </a:stretch>
+        </p:blipFill>
+        <p:spPr>
+          <a:xfrm>
+            <a:off x="4728797" y="2319704"/>
+            <a:ext cx="2171700" cy="266700"/>
+          </a:xfrm>
+          <a:prstGeom prst="rect">
+            <a:avLst/>
+          </a:prstGeom>
+        </p:spPr>
+      </p:pic>
+      <p:pic>
+        <p:nvPicPr>
+          <p:cNvPr id="5" name="Picture 4"/>
+          <p:cNvPicPr>
+            <a:picLocks noChangeAspect="1"/>
+          </p:cNvPicPr>
+          <p:nvPr/>
+        </p:nvPicPr>
+        <p:blipFill rotWithShape="1">
+          <a:blip r:embed="rId3"/>
+          <a:srcRect b="55943"/>
+          <a:stretch/>
+        </p:blipFill>
+        <p:spPr>
+          <a:xfrm>
+            <a:off x="2846877" y="4001295"/>
+            <a:ext cx="6181725" cy="201429"/>
+          </a:xfrm>
+          <a:prstGeom prst="rect">
+            <a:avLst/>
+          </a:prstGeom>
+        </p:spPr>
+      </p:pic>
+    </p:spTree>
+    <p:extLst>
+      <p:ext uri="{BB962C8B-B14F-4D97-AF65-F5344CB8AC3E}">
+        <p14:creationId xmlns:p14="http://schemas.microsoft.com/office/powerpoint/2010/main" val="1102963511"/>
+      </p:ext>
+    </p:extLst>
+  </p:cSld>
+  <p:clrMapOvr>
+    <a:masterClrMapping/>
+  </p:clrMapOvr>
+  <p:timing>
+    <p:tnLst>
+      <p:par>
+        <p:cTn id="1" dur="indefinite" restart="never" nodeType="tmRoot"/>
+      </p:par>
+    </p:tnLst>
+  </p:timing>
+</p:sld>
+</file>
+
+<file path=ppt/slides/slide11.xml><?xml version="1.0" encoding="utf-8"?>
+<p:sld xmlns:a="http://schemas.openxmlformats.org/drawingml/2006/main" xmlns:r="http://schemas.openxmlformats.org/officeDocument/2006/relationships" xmlns:p="http://schemas.openxmlformats.org/presentationml/2006/main">
+  <p:cSld>
+    <p:spTree>
+      <p:nvGrpSpPr>
+        <p:cNvPr id="1" name=""/>
+        <p:cNvGrpSpPr/>
+        <p:nvPr/>
+      </p:nvGrpSpPr>
+      <p:grpSpPr>
+        <a:xfrm>
+          <a:off x="0" y="0"/>
+          <a:ext cx="0" cy="0"/>
+          <a:chOff x="0" y="0"/>
+          <a:chExt cx="0" cy="0"/>
+        </a:xfrm>
+      </p:grpSpPr>
+      <p:sp>
+        <p:nvSpPr>
+          <p:cNvPr id="2" name="Title 1"/>
+          <p:cNvSpPr>
+            <a:spLocks noGrp="1"/>
+          </p:cNvSpPr>
+          <p:nvPr>
+            <p:ph type="title"/>
+          </p:nvPr>
+        </p:nvSpPr>
+        <p:spPr/>
+        <p:txBody>
+          <a:bodyPr/>
+          <a:lstStyle/>
+          <a:p>
+            <a:r>
+              <a:rPr lang="en-US" dirty="0" smtClean="0"/>
+              <a:t>STDOUT, STDERR and STDIN</a:t>
+            </a:r>
+            <a:endParaRPr lang="en-US" dirty="0"/>
+          </a:p>
+        </p:txBody>
+      </p:sp>
+      <p:sp>
+        <p:nvSpPr>
+          <p:cNvPr id="3" name="Content Placeholder 2"/>
+          <p:cNvSpPr>
+            <a:spLocks noGrp="1"/>
+          </p:cNvSpPr>
+          <p:nvPr>
+            <p:ph idx="1"/>
+          </p:nvPr>
+        </p:nvSpPr>
+        <p:spPr/>
+        <p:txBody>
+          <a:bodyPr>
+            <a:normAutofit fontScale="92500" lnSpcReduction="20000"/>
+          </a:bodyPr>
+          <a:lstStyle/>
+          <a:p>
+            <a:r>
+              <a:rPr lang="en-US" dirty="0" smtClean="0"/>
+              <a:t>Now let’s talk about the text you saw floating by on the screen. You can automate this yourself by taking advantage of one of the three data streams that Unix allows. In this case it was the </a:t>
+            </a:r>
+            <a:r>
+              <a:rPr lang="en-US" dirty="0" smtClean="0">
+                <a:solidFill>
+                  <a:srgbClr val="FF0000"/>
+                </a:solidFill>
+              </a:rPr>
+              <a:t>STDOUT</a:t>
+            </a:r>
+            <a:r>
+              <a:rPr lang="en-US" dirty="0" smtClean="0"/>
+              <a:t> channel.</a:t>
+            </a:r>
+          </a:p>
+          <a:p>
+            <a:r>
+              <a:rPr lang="en-US" dirty="0" smtClean="0"/>
+              <a:t>Let’s test this out ourselves! Please copy and unpack the following lesson plans:</a:t>
+            </a:r>
+          </a:p>
+          <a:p>
+            <a:endParaRPr lang="en-US" dirty="0" smtClean="0"/>
+          </a:p>
+          <a:p>
+            <a:endParaRPr lang="en-US" dirty="0"/>
+          </a:p>
+          <a:p>
+            <a:r>
+              <a:rPr lang="en-US" dirty="0" smtClean="0"/>
+              <a:t>In the </a:t>
+            </a:r>
+            <a:r>
+              <a:rPr lang="en-US" dirty="0" err="1" smtClean="0"/>
+              <a:t>SublessonA</a:t>
+            </a:r>
+            <a:r>
+              <a:rPr lang="en-US" dirty="0" smtClean="0"/>
+              <a:t> folder you should see three text files, and each uses a different stream! Let’s start with “</a:t>
+            </a:r>
+            <a:r>
+              <a:rPr lang="en-US" dirty="0" smtClean="0">
+                <a:solidFill>
+                  <a:srgbClr val="0070C0"/>
+                </a:solidFill>
+              </a:rPr>
+              <a:t>i_print_stdout.sh</a:t>
+            </a:r>
+            <a:r>
+              <a:rPr lang="en-US" dirty="0" smtClean="0"/>
+              <a:t>”. Remember how to make the file executable? Do it! And then run it!</a:t>
+            </a:r>
+          </a:p>
+          <a:p>
+            <a:r>
+              <a:rPr lang="en-US" dirty="0" smtClean="0"/>
+              <a:t>To test out the next channel, </a:t>
+            </a:r>
+            <a:r>
+              <a:rPr lang="en-US" dirty="0" smtClean="0">
+                <a:solidFill>
+                  <a:srgbClr val="FF0000"/>
+                </a:solidFill>
+              </a:rPr>
+              <a:t>STDERR</a:t>
+            </a:r>
+            <a:r>
+              <a:rPr lang="en-US" dirty="0" smtClean="0"/>
+              <a:t>, do the same on the “</a:t>
+            </a:r>
+            <a:r>
+              <a:rPr lang="en-US" dirty="0" smtClean="0">
+                <a:solidFill>
+                  <a:srgbClr val="0070C0"/>
+                </a:solidFill>
+              </a:rPr>
+              <a:t>i_print_stderr.sh</a:t>
+            </a:r>
+            <a:r>
+              <a:rPr lang="en-US" dirty="0" smtClean="0"/>
+              <a:t>” script. </a:t>
+            </a:r>
+            <a:endParaRPr lang="en-US" dirty="0">
+              <a:solidFill>
+                <a:srgbClr val="FF0000"/>
+              </a:solidFill>
+            </a:endParaRPr>
+          </a:p>
+        </p:txBody>
+      </p:sp>
+      <p:pic>
+        <p:nvPicPr>
+          <p:cNvPr id="6" name="Picture 5"/>
+          <p:cNvPicPr>
+            <a:picLocks noChangeAspect="1"/>
+          </p:cNvPicPr>
+          <p:nvPr/>
+        </p:nvPicPr>
+        <p:blipFill>
+          <a:blip r:embed="rId2"/>
+          <a:stretch>
+            <a:fillRect/>
+          </a:stretch>
+        </p:blipFill>
+        <p:spPr>
+          <a:xfrm>
+            <a:off x="3884214" y="3461721"/>
+            <a:ext cx="3901978" cy="333265"/>
+          </a:xfrm>
+          <a:prstGeom prst="rect">
+            <a:avLst/>
+          </a:prstGeom>
+        </p:spPr>
+      </p:pic>
+    </p:spTree>
+    <p:extLst>
+      <p:ext uri="{BB962C8B-B14F-4D97-AF65-F5344CB8AC3E}">
+        <p14:creationId xmlns:p14="http://schemas.microsoft.com/office/powerpoint/2010/main" val="896098646"/>
+      </p:ext>
+    </p:extLst>
+  </p:cSld>
+  <p:clrMapOvr>
+    <a:masterClrMapping/>
+  </p:clrMapOvr>
+  <p:timing>
+    <p:tnLst>
+      <p:par>
+        <p:cTn id="1" dur="indefinite" restart="never" nodeType="tmRoot">
+          <p:childTnLst>
+            <p:seq concurrent="1" nextAc="seek">
+              <p:cTn id="2" dur="indefinite" nodeType="mainSeq">
+                <p:childTnLst>
+                  <p:par>
+                    <p:cTn id="3" fill="hold">
+                      <p:stCondLst>
+                        <p:cond delay="indefinite"/>
+                      </p:stCondLst>
+                      <p:childTnLst>
+                        <p:par>
+                          <p:cTn id="4" fill="hold">
+                            <p:stCondLst>
+                              <p:cond delay="0"/>
+                            </p:stCondLst>
+                            <p:childTnLst>
+                              <p:par>
+                                <p:cTn id="5" presetID="1" presetClass="entr" presetSubtype="0" fill="hold" nodeType="clickEffect">
+                                  <p:stCondLst>
+                                    <p:cond delay="0"/>
+                                  </p:stCondLst>
+                                  <p:childTnLst>
+                                    <p:set>
+                                      <p:cBhvr>
+                                        <p:cTn id="6" dur="1" fill="hold">
+                                          <p:stCondLst>
+                                            <p:cond delay="0"/>
+                                          </p:stCondLst>
+                                        </p:cTn>
+                                        <p:tgtEl>
+                                          <p:spTgt spid="3">
+                                            <p:txEl>
+                                              <p:pRg st="4" end="4"/>
+                                            </p:txEl>
+                                          </p:spTgt>
+                                        </p:tgtEl>
+                                        <p:attrNameLst>
+                                          <p:attrName>style.visibility</p:attrName>
+                                        </p:attrNameLst>
+                                      </p:cBhvr>
+                                      <p:to>
+                                        <p:strVal val="visible"/>
+                                      </p:to>
+                                    </p:set>
+                                  </p:childTnLst>
+                                </p:cTn>
+                              </p:par>
+                            </p:childTnLst>
+                          </p:cTn>
+                        </p:par>
+                      </p:childTnLst>
+                    </p:cTn>
+                  </p:par>
+                  <p:par>
+                    <p:cTn id="7" fill="hold">
+                      <p:stCondLst>
+                        <p:cond delay="indefinite"/>
+                      </p:stCondLst>
+                      <p:childTnLst>
+                        <p:par>
+                          <p:cTn id="8" fill="hold">
+                            <p:stCondLst>
+                              <p:cond delay="0"/>
+                            </p:stCondLst>
+                            <p:childTnLst>
+                              <p:par>
+                                <p:cTn id="9" presetID="1" presetClass="entr" presetSubtype="0" fill="hold" nodeType="clickEffect">
+                                  <p:stCondLst>
+                                    <p:cond delay="0"/>
+                                  </p:stCondLst>
+                                  <p:childTnLst>
+                                    <p:set>
+                                      <p:cBhvr>
+                                        <p:cTn id="10" dur="1" fill="hold">
+                                          <p:stCondLst>
+                                            <p:cond delay="0"/>
+                                          </p:stCondLst>
+                                        </p:cTn>
+                                        <p:tgtEl>
+                                          <p:spTgt spid="3">
+                                            <p:txEl>
+                                              <p:pRg st="5" end="5"/>
+                                            </p:txEl>
+                                          </p:spTgt>
+                                        </p:tgtEl>
+                                        <p:attrNameLst>
+                                          <p:attrName>style.visibility</p:attrName>
+                                        </p:attrNameLst>
+                                      </p:cBhvr>
+                                      <p:to>
+                                        <p:strVal val="visible"/>
+                                      </p:to>
+                                    </p:set>
+                                  </p:childTnLst>
+                                </p:cTn>
+                              </p:par>
+                            </p:childTnLst>
+                          </p:cTn>
+                        </p:par>
+                      </p:childTnLst>
+                    </p:cTn>
+                  </p:par>
+                </p:childTnLst>
+              </p:cTn>
+              <p:prevCondLst>
+                <p:cond evt="onPrev" delay="0">
+                  <p:tgtEl>
+                    <p:sldTgt/>
+                  </p:tgtEl>
+                </p:cond>
+              </p:prevCondLst>
+              <p:nextCondLst>
+                <p:cond evt="onNext" delay="0">
+                  <p:tgtEl>
+                    <p:sldTgt/>
+                  </p:tgtEl>
+                </p:cond>
+              </p:nextCondLst>
+            </p:seq>
+          </p:childTnLst>
+        </p:cTn>
+      </p:par>
+    </p:tnLst>
+  </p:timing>
+</p:sld>
+</file>
+
+<file path=ppt/slides/slide12.xml><?xml version="1.0" encoding="utf-8"?>
+<p:sld xmlns:a="http://schemas.openxmlformats.org/drawingml/2006/main" xmlns:r="http://schemas.openxmlformats.org/officeDocument/2006/relationships" xmlns:p="http://schemas.openxmlformats.org/presentationml/2006/main">
+  <p:cSld>
+    <p:spTree>
+      <p:nvGrpSpPr>
+        <p:cNvPr id="1" name=""/>
+        <p:cNvGrpSpPr/>
+        <p:nvPr/>
+      </p:nvGrpSpPr>
+      <p:grpSpPr>
+        <a:xfrm>
+          <a:off x="0" y="0"/>
+          <a:ext cx="0" cy="0"/>
+          <a:chOff x="0" y="0"/>
+          <a:chExt cx="0" cy="0"/>
+        </a:xfrm>
+      </p:grpSpPr>
+      <p:sp>
+        <p:nvSpPr>
+          <p:cNvPr id="2" name="Title 1"/>
+          <p:cNvSpPr>
+            <a:spLocks noGrp="1"/>
+          </p:cNvSpPr>
+          <p:nvPr>
+            <p:ph type="title"/>
+          </p:nvPr>
+        </p:nvSpPr>
+        <p:spPr/>
+        <p:txBody>
+          <a:bodyPr/>
+          <a:lstStyle/>
+          <a:p>
+            <a:r>
+              <a:rPr lang="en-US" dirty="0" smtClean="0"/>
               <a:t>Finally, STDIN and the nuances here.</a:t>
             </a:r>
             <a:endParaRPr lang="en-US" dirty="0"/>
@@ -3854,7 +4423,7 @@
 </p:sld>
 </file>
 
-<file path=ppt/slides/slide11.xml><?xml version="1.0" encoding="utf-8"?>
+<file path=ppt/slides/slide13.xml><?xml version="1.0" encoding="utf-8"?>
 <p:sld xmlns:a="http://schemas.openxmlformats.org/drawingml/2006/main" xmlns:r="http://schemas.openxmlformats.org/officeDocument/2006/relationships" xmlns:p="http://schemas.openxmlformats.org/presentationml/2006/main">
   <p:cSld>
     <p:spTree>
@@ -3906,13 +4475,13 @@
         </p:nvSpPr>
         <p:spPr>
           <a:xfrm>
-            <a:off x="2152650" y="1825625"/>
-            <a:ext cx="7886700" cy="4591953"/>
+            <a:off x="1230923" y="1825625"/>
+            <a:ext cx="10122877" cy="4591953"/>
           </a:xfrm>
         </p:spPr>
         <p:txBody>
           <a:bodyPr>
-            <a:normAutofit fontScale="85000" lnSpcReduction="20000"/>
+            <a:normAutofit fontScale="92500" lnSpcReduction="10000"/>
           </a:bodyPr>
           <a:lstStyle/>
           <a:p>
@@ -3989,7 +4558,7 @@
         </p:blipFill>
         <p:spPr>
           <a:xfrm>
-            <a:off x="3837265" y="3204507"/>
+            <a:off x="4048280" y="3325922"/>
             <a:ext cx="4114800" cy="247650"/>
           </a:xfrm>
           <a:prstGeom prst="rect">
@@ -4005,7 +4574,7 @@
         </p:nvGrpSpPr>
         <p:grpSpPr>
           <a:xfrm>
-            <a:off x="6523840" y="2767708"/>
+            <a:off x="6734855" y="2889123"/>
             <a:ext cx="3062065" cy="705335"/>
             <a:chOff x="4999839" y="2767707"/>
             <a:chExt cx="3062065" cy="705335"/>
@@ -4083,11 +4652,6 @@
                 </a:rPr>
                 <a:t>The redirect STDOUT symbol</a:t>
               </a:r>
-              <a:endParaRPr lang="en-US" dirty="0">
-                <a:solidFill>
-                  <a:srgbClr val="0070C0"/>
-                </a:solidFill>
-              </a:endParaRPr>
             </a:p>
           </p:txBody>
         </p:sp>
@@ -4108,7 +4672,7 @@
         </p:blipFill>
         <p:spPr>
           <a:xfrm>
-            <a:off x="3837265" y="4809980"/>
+            <a:off x="3933980" y="5176864"/>
             <a:ext cx="4229100" cy="276225"/>
           </a:xfrm>
           <a:prstGeom prst="rect">
@@ -4124,7 +4688,7 @@
         </p:nvGrpSpPr>
         <p:grpSpPr>
           <a:xfrm>
-            <a:off x="6523839" y="4515921"/>
+            <a:off x="6620554" y="4882805"/>
             <a:ext cx="3146596" cy="566700"/>
             <a:chOff x="4999839" y="4515921"/>
             <a:chExt cx="3146596" cy="566700"/>
@@ -4206,11 +4770,6 @@
                 </a:rPr>
                 <a:t>The redirect STDERR symbol</a:t>
               </a:r>
-              <a:endParaRPr lang="en-US" dirty="0">
-                <a:solidFill>
-                  <a:srgbClr val="0070C0"/>
-                </a:solidFill>
-              </a:endParaRPr>
             </a:p>
           </p:txBody>
         </p:sp>
@@ -4231,7 +4790,7 @@
         </p:blipFill>
         <p:spPr>
           <a:xfrm>
-            <a:off x="3526697" y="5949018"/>
+            <a:off x="3236551" y="6423927"/>
             <a:ext cx="5524500" cy="257175"/>
           </a:xfrm>
           <a:prstGeom prst="rect">
@@ -4247,7 +4806,7 @@
         </p:nvGrpSpPr>
         <p:grpSpPr>
           <a:xfrm>
-            <a:off x="6620313" y="5580197"/>
+            <a:off x="6330167" y="6055106"/>
             <a:ext cx="2896903" cy="710585"/>
             <a:chOff x="5096312" y="5580196"/>
             <a:chExt cx="2896903" cy="710585"/>
@@ -4329,11 +4888,6 @@
                 </a:rPr>
                 <a:t>The redirect STDIN symbol</a:t>
               </a:r>
-              <a:endParaRPr lang="en-US" dirty="0">
-                <a:solidFill>
-                  <a:srgbClr val="0070C0"/>
-                </a:solidFill>
-              </a:endParaRPr>
             </a:p>
           </p:txBody>
         </p:sp>
@@ -4699,807 +5253,6 @@
 </p:sld>
 </file>
 
-<file path=ppt/slides/slide12.xml><?xml version="1.0" encoding="utf-8"?>
-<p:sld xmlns:a="http://schemas.openxmlformats.org/drawingml/2006/main" xmlns:r="http://schemas.openxmlformats.org/officeDocument/2006/relationships" xmlns:p="http://schemas.openxmlformats.org/presentationml/2006/main">
-  <p:cSld>
-    <p:spTree>
-      <p:nvGrpSpPr>
-        <p:cNvPr id="1" name=""/>
-        <p:cNvGrpSpPr/>
-        <p:nvPr/>
-      </p:nvGrpSpPr>
-      <p:grpSpPr>
-        <a:xfrm>
-          <a:off x="0" y="0"/>
-          <a:ext cx="0" cy="0"/>
-          <a:chOff x="0" y="0"/>
-          <a:chExt cx="0" cy="0"/>
-        </a:xfrm>
-      </p:grpSpPr>
-      <p:sp>
-        <p:nvSpPr>
-          <p:cNvPr id="2" name="Title 1"/>
-          <p:cNvSpPr>
-            <a:spLocks noGrp="1"/>
-          </p:cNvSpPr>
-          <p:nvPr>
-            <p:ph type="title"/>
-          </p:nvPr>
-        </p:nvSpPr>
-        <p:spPr/>
-        <p:txBody>
-          <a:bodyPr/>
-          <a:lstStyle/>
-          <a:p>
-            <a:r>
-              <a:rPr lang="en-US" dirty="0" smtClean="0"/>
-              <a:t>Back to the results (Important stuff)</a:t>
-            </a:r>
-            <a:endParaRPr lang="en-US" dirty="0"/>
-          </a:p>
-        </p:txBody>
-      </p:sp>
-      <p:sp>
-        <p:nvSpPr>
-          <p:cNvPr id="3" name="Content Placeholder 2"/>
-          <p:cNvSpPr>
-            <a:spLocks noGrp="1"/>
-          </p:cNvSpPr>
-          <p:nvPr>
-            <p:ph idx="1"/>
-          </p:nvPr>
-        </p:nvSpPr>
-        <p:spPr>
-          <a:xfrm>
-            <a:off x="2152650" y="1825625"/>
-            <a:ext cx="7886700" cy="4575175"/>
-          </a:xfrm>
-        </p:spPr>
-        <p:txBody>
-          <a:bodyPr>
-            <a:normAutofit fontScale="77500" lnSpcReduction="20000"/>
-          </a:bodyPr>
-          <a:lstStyle/>
-          <a:p>
-            <a:r>
-              <a:rPr lang="en-US" dirty="0" smtClean="0"/>
-              <a:t>Use “cd” to go back to the previous </a:t>
-            </a:r>
-            <a:r>
-              <a:rPr lang="en-US" dirty="0" err="1" smtClean="0"/>
-              <a:t>sublessonB</a:t>
-            </a:r>
-            <a:r>
-              <a:rPr lang="en-US" dirty="0" smtClean="0"/>
-              <a:t> in lecture1’s folder</a:t>
-            </a:r>
-          </a:p>
-          <a:p>
-            <a:endParaRPr lang="en-US" dirty="0"/>
-          </a:p>
-          <a:p>
-            <a:r>
-              <a:rPr lang="en-US" dirty="0" smtClean="0"/>
-              <a:t>Here is what an “ls” tells us is now in the directory:</a:t>
-            </a:r>
-          </a:p>
-          <a:p>
-            <a:endParaRPr lang="en-US" dirty="0"/>
-          </a:p>
-          <a:p>
-            <a:endParaRPr lang="en-US" dirty="0" smtClean="0"/>
-          </a:p>
-          <a:p>
-            <a:r>
-              <a:rPr lang="en-US" dirty="0" smtClean="0"/>
-              <a:t>If you do not have different colored highlighting, then the blue text denotes folders! Let’s see what’s in the folder, “</a:t>
-            </a:r>
-            <a:r>
-              <a:rPr lang="en-US" dirty="0" smtClean="0">
-                <a:solidFill>
-                  <a:srgbClr val="0070C0"/>
-                </a:solidFill>
-              </a:rPr>
-              <a:t>test1</a:t>
-            </a:r>
-            <a:r>
-              <a:rPr lang="en-US" dirty="0" smtClean="0"/>
-              <a:t>,” shall we? </a:t>
-            </a:r>
-          </a:p>
-          <a:p>
-            <a:endParaRPr lang="en-US" dirty="0"/>
-          </a:p>
-          <a:p>
-            <a:endParaRPr lang="en-US" dirty="0" smtClean="0"/>
-          </a:p>
-          <a:p>
-            <a:r>
-              <a:rPr lang="en-US" dirty="0" smtClean="0"/>
-              <a:t>Gulp! This got more complex! Within each folder there are 10 sub folders! It’ll take us ages to see what’s in each folder!! What ever will we do?</a:t>
-            </a:r>
-            <a:endParaRPr lang="en-US" dirty="0"/>
-          </a:p>
-        </p:txBody>
-      </p:sp>
-      <p:pic>
-        <p:nvPicPr>
-          <p:cNvPr id="4" name="Picture 3"/>
-          <p:cNvPicPr>
-            <a:picLocks noChangeAspect="1"/>
-          </p:cNvPicPr>
-          <p:nvPr/>
-        </p:nvPicPr>
-        <p:blipFill>
-          <a:blip r:embed="rId2"/>
-          <a:stretch>
-            <a:fillRect/>
-          </a:stretch>
-        </p:blipFill>
-        <p:spPr>
-          <a:xfrm>
-            <a:off x="1772129" y="3049194"/>
-            <a:ext cx="8484809" cy="386031"/>
-          </a:xfrm>
-          <a:prstGeom prst="rect">
-            <a:avLst/>
-          </a:prstGeom>
-        </p:spPr>
-      </p:pic>
-      <p:pic>
-        <p:nvPicPr>
-          <p:cNvPr id="5" name="Picture 4"/>
-          <p:cNvPicPr>
-            <a:picLocks noChangeAspect="1"/>
-          </p:cNvPicPr>
-          <p:nvPr/>
-        </p:nvPicPr>
-        <p:blipFill>
-          <a:blip r:embed="rId3"/>
-          <a:stretch>
-            <a:fillRect/>
-          </a:stretch>
-        </p:blipFill>
-        <p:spPr>
-          <a:xfrm>
-            <a:off x="2405063" y="4588941"/>
-            <a:ext cx="7381875" cy="409575"/>
-          </a:xfrm>
-          <a:prstGeom prst="rect">
-            <a:avLst/>
-          </a:prstGeom>
-        </p:spPr>
-      </p:pic>
-    </p:spTree>
-    <p:extLst>
-      <p:ext uri="{BB962C8B-B14F-4D97-AF65-F5344CB8AC3E}">
-        <p14:creationId xmlns:p14="http://schemas.microsoft.com/office/powerpoint/2010/main" val="3801027364"/>
-      </p:ext>
-    </p:extLst>
-  </p:cSld>
-  <p:clrMapOvr>
-    <a:masterClrMapping/>
-  </p:clrMapOvr>
-  <p:timing>
-    <p:tnLst>
-      <p:par>
-        <p:cTn id="1" dur="indefinite" restart="never" nodeType="tmRoot">
-          <p:childTnLst>
-            <p:seq concurrent="1" nextAc="seek">
-              <p:cTn id="2" dur="indefinite" nodeType="mainSeq">
-                <p:childTnLst>
-                  <p:par>
-                    <p:cTn id="3" fill="hold">
-                      <p:stCondLst>
-                        <p:cond delay="indefinite"/>
-                      </p:stCondLst>
-                      <p:childTnLst>
-                        <p:par>
-                          <p:cTn id="4" fill="hold">
-                            <p:stCondLst>
-                              <p:cond delay="0"/>
-                            </p:stCondLst>
-                            <p:childTnLst>
-                              <p:par>
-                                <p:cTn id="5" presetID="1" presetClass="entr" presetSubtype="0" fill="hold" nodeType="clickEffect">
-                                  <p:stCondLst>
-                                    <p:cond delay="0"/>
-                                  </p:stCondLst>
-                                  <p:childTnLst>
-                                    <p:set>
-                                      <p:cBhvr>
-                                        <p:cTn id="6" dur="1" fill="hold">
-                                          <p:stCondLst>
-                                            <p:cond delay="0"/>
-                                          </p:stCondLst>
-                                        </p:cTn>
-                                        <p:tgtEl>
-                                          <p:spTgt spid="3">
-                                            <p:txEl>
-                                              <p:pRg st="5" end="5"/>
-                                            </p:txEl>
-                                          </p:spTgt>
-                                        </p:tgtEl>
-                                        <p:attrNameLst>
-                                          <p:attrName>style.visibility</p:attrName>
-                                        </p:attrNameLst>
-                                      </p:cBhvr>
-                                      <p:to>
-                                        <p:strVal val="visible"/>
-                                      </p:to>
-                                    </p:set>
-                                  </p:childTnLst>
-                                </p:cTn>
-                              </p:par>
-                            </p:childTnLst>
-                          </p:cTn>
-                        </p:par>
-                      </p:childTnLst>
-                    </p:cTn>
-                  </p:par>
-                  <p:par>
-                    <p:cTn id="7" fill="hold">
-                      <p:stCondLst>
-                        <p:cond delay="indefinite"/>
-                      </p:stCondLst>
-                      <p:childTnLst>
-                        <p:par>
-                          <p:cTn id="8" fill="hold">
-                            <p:stCondLst>
-                              <p:cond delay="0"/>
-                            </p:stCondLst>
-                            <p:childTnLst>
-                              <p:par>
-                                <p:cTn id="9" presetID="1" presetClass="entr" presetSubtype="0" fill="hold" nodeType="clickEffect">
-                                  <p:stCondLst>
-                                    <p:cond delay="0"/>
-                                  </p:stCondLst>
-                                  <p:childTnLst>
-                                    <p:set>
-                                      <p:cBhvr>
-                                        <p:cTn id="10" dur="1" fill="hold">
-                                          <p:stCondLst>
-                                            <p:cond delay="0"/>
-                                          </p:stCondLst>
-                                        </p:cTn>
-                                        <p:tgtEl>
-                                          <p:spTgt spid="5"/>
-                                        </p:tgtEl>
-                                        <p:attrNameLst>
-                                          <p:attrName>style.visibility</p:attrName>
-                                        </p:attrNameLst>
-                                      </p:cBhvr>
-                                      <p:to>
-                                        <p:strVal val="visible"/>
-                                      </p:to>
-                                    </p:set>
-                                  </p:childTnLst>
-                                </p:cTn>
-                              </p:par>
-                              <p:par>
-                                <p:cTn id="11" presetID="1" presetClass="entr" presetSubtype="0" fill="hold" nodeType="withEffect">
-                                  <p:stCondLst>
-                                    <p:cond delay="0"/>
-                                  </p:stCondLst>
-                                  <p:childTnLst>
-                                    <p:set>
-                                      <p:cBhvr>
-                                        <p:cTn id="12" dur="1" fill="hold">
-                                          <p:stCondLst>
-                                            <p:cond delay="0"/>
-                                          </p:stCondLst>
-                                        </p:cTn>
-                                        <p:tgtEl>
-                                          <p:spTgt spid="3">
-                                            <p:txEl>
-                                              <p:pRg st="8" end="8"/>
-                                            </p:txEl>
-                                          </p:spTgt>
-                                        </p:tgtEl>
-                                        <p:attrNameLst>
-                                          <p:attrName>style.visibility</p:attrName>
-                                        </p:attrNameLst>
-                                      </p:cBhvr>
-                                      <p:to>
-                                        <p:strVal val="visible"/>
-                                      </p:to>
-                                    </p:set>
-                                  </p:childTnLst>
-                                </p:cTn>
-                              </p:par>
-                            </p:childTnLst>
-                          </p:cTn>
-                        </p:par>
-                      </p:childTnLst>
-                    </p:cTn>
-                  </p:par>
-                </p:childTnLst>
-              </p:cTn>
-              <p:prevCondLst>
-                <p:cond evt="onPrev" delay="0">
-                  <p:tgtEl>
-                    <p:sldTgt/>
-                  </p:tgtEl>
-                </p:cond>
-              </p:prevCondLst>
-              <p:nextCondLst>
-                <p:cond evt="onNext" delay="0">
-                  <p:tgtEl>
-                    <p:sldTgt/>
-                  </p:tgtEl>
-                </p:cond>
-              </p:nextCondLst>
-            </p:seq>
-          </p:childTnLst>
-        </p:cTn>
-      </p:par>
-    </p:tnLst>
-  </p:timing>
-</p:sld>
-</file>
-
-<file path=ppt/slides/slide13.xml><?xml version="1.0" encoding="utf-8"?>
-<p:sld xmlns:a="http://schemas.openxmlformats.org/drawingml/2006/main" xmlns:r="http://schemas.openxmlformats.org/officeDocument/2006/relationships" xmlns:p="http://schemas.openxmlformats.org/presentationml/2006/main">
-  <p:cSld>
-    <p:spTree>
-      <p:nvGrpSpPr>
-        <p:cNvPr id="1" name=""/>
-        <p:cNvGrpSpPr/>
-        <p:nvPr/>
-      </p:nvGrpSpPr>
-      <p:grpSpPr>
-        <a:xfrm>
-          <a:off x="0" y="0"/>
-          <a:ext cx="0" cy="0"/>
-          <a:chOff x="0" y="0"/>
-          <a:chExt cx="0" cy="0"/>
-        </a:xfrm>
-      </p:grpSpPr>
-      <p:sp>
-        <p:nvSpPr>
-          <p:cNvPr id="2" name="Title 1"/>
-          <p:cNvSpPr>
-            <a:spLocks noGrp="1"/>
-          </p:cNvSpPr>
-          <p:nvPr>
-            <p:ph type="title"/>
-          </p:nvPr>
-        </p:nvSpPr>
-        <p:spPr/>
-        <p:txBody>
-          <a:bodyPr/>
-          <a:lstStyle/>
-          <a:p>
-            <a:r>
-              <a:rPr lang="en-US" dirty="0" smtClean="0"/>
-              <a:t>Wildcard selection!</a:t>
-            </a:r>
-            <a:endParaRPr lang="en-US" dirty="0"/>
-          </a:p>
-        </p:txBody>
-      </p:sp>
-      <p:sp>
-        <p:nvSpPr>
-          <p:cNvPr id="3" name="Content Placeholder 2"/>
-          <p:cNvSpPr>
-            <a:spLocks noGrp="1"/>
-          </p:cNvSpPr>
-          <p:nvPr>
-            <p:ph idx="1"/>
-          </p:nvPr>
-        </p:nvSpPr>
-        <p:spPr>
-          <a:xfrm>
-            <a:off x="2085538" y="1546227"/>
-            <a:ext cx="7886700" cy="4351338"/>
-          </a:xfrm>
-        </p:spPr>
-        <p:txBody>
-          <a:bodyPr>
-            <a:normAutofit fontScale="92500" lnSpcReduction="20000"/>
-          </a:bodyPr>
-          <a:lstStyle/>
-          <a:p>
-            <a:r>
-              <a:rPr lang="en-US" dirty="0" smtClean="0"/>
-              <a:t>Good thing for us, </a:t>
-            </a:r>
-            <a:r>
-              <a:rPr lang="en-US" dirty="0" err="1" smtClean="0"/>
-              <a:t>unix</a:t>
-            </a:r>
-            <a:r>
-              <a:rPr lang="en-US" dirty="0" smtClean="0"/>
-              <a:t> has commands that allow us to select multiple files all at once! It’s context sensitive too. You could select all files that contain an “a” followed by five letters, or all files that end in “.txt”.</a:t>
-            </a:r>
-          </a:p>
-          <a:p>
-            <a:endParaRPr lang="en-US" dirty="0"/>
-          </a:p>
-          <a:p>
-            <a:r>
-              <a:rPr lang="en-US" dirty="0" smtClean="0"/>
-              <a:t>In order to select a file that has a (or multiple) variable character(s), use the question mark (“</a:t>
-            </a:r>
-            <a:r>
-              <a:rPr lang="en-US" dirty="0" smtClean="0">
-                <a:solidFill>
-                  <a:srgbClr val="FF0000"/>
-                </a:solidFill>
-              </a:rPr>
-              <a:t>?</a:t>
-            </a:r>
-            <a:r>
-              <a:rPr lang="en-US" dirty="0" smtClean="0"/>
-              <a:t>”). For a large number of variable characters in a row, use the asterisk (“</a:t>
-            </a:r>
-            <a:r>
-              <a:rPr lang="en-US" dirty="0" smtClean="0">
-                <a:solidFill>
-                  <a:srgbClr val="FF0000"/>
-                </a:solidFill>
-              </a:rPr>
-              <a:t>*</a:t>
-            </a:r>
-            <a:r>
-              <a:rPr lang="en-US" dirty="0" smtClean="0"/>
-              <a:t>”).  For a set “range” of characters, you can use square brackets (“</a:t>
-            </a:r>
-            <a:r>
-              <a:rPr lang="en-US" dirty="0" smtClean="0">
-                <a:solidFill>
-                  <a:srgbClr val="FF0000"/>
-                </a:solidFill>
-              </a:rPr>
-              <a:t>[]</a:t>
-            </a:r>
-            <a:r>
-              <a:rPr lang="en-US" dirty="0" smtClean="0"/>
-              <a:t>”)</a:t>
-            </a:r>
-          </a:p>
-          <a:p>
-            <a:endParaRPr lang="en-US" dirty="0"/>
-          </a:p>
-          <a:p>
-            <a:r>
-              <a:rPr lang="en-US" dirty="0" smtClean="0"/>
-              <a:t>Let’s test this out on your new subfolders. Use an “ls” to select all subfolders using the following commands: </a:t>
-            </a:r>
-            <a:endParaRPr lang="en-US" dirty="0"/>
-          </a:p>
-        </p:txBody>
-      </p:sp>
-      <p:pic>
-        <p:nvPicPr>
-          <p:cNvPr id="4" name="Picture 3"/>
-          <p:cNvPicPr>
-            <a:picLocks noChangeAspect="1"/>
-          </p:cNvPicPr>
-          <p:nvPr/>
-        </p:nvPicPr>
-        <p:blipFill>
-          <a:blip r:embed="rId2"/>
-          <a:stretch>
-            <a:fillRect/>
-          </a:stretch>
-        </p:blipFill>
-        <p:spPr>
-          <a:xfrm>
-            <a:off x="5149919" y="5602673"/>
-            <a:ext cx="1304925" cy="304800"/>
-          </a:xfrm>
-          <a:prstGeom prst="rect">
-            <a:avLst/>
-          </a:prstGeom>
-        </p:spPr>
-      </p:pic>
-      <p:pic>
-        <p:nvPicPr>
-          <p:cNvPr id="5" name="Picture 4"/>
-          <p:cNvPicPr>
-            <a:picLocks noChangeAspect="1"/>
-          </p:cNvPicPr>
-          <p:nvPr/>
-        </p:nvPicPr>
-        <p:blipFill>
-          <a:blip r:embed="rId3"/>
-          <a:stretch>
-            <a:fillRect/>
-          </a:stretch>
-        </p:blipFill>
-        <p:spPr>
-          <a:xfrm>
-            <a:off x="5397568" y="5998754"/>
-            <a:ext cx="809625" cy="257175"/>
-          </a:xfrm>
-          <a:prstGeom prst="rect">
-            <a:avLst/>
-          </a:prstGeom>
-        </p:spPr>
-      </p:pic>
-      <p:pic>
-        <p:nvPicPr>
-          <p:cNvPr id="7" name="Picture 6"/>
-          <p:cNvPicPr>
-            <a:picLocks noChangeAspect="1"/>
-          </p:cNvPicPr>
-          <p:nvPr/>
-        </p:nvPicPr>
-        <p:blipFill>
-          <a:blip r:embed="rId4"/>
-          <a:stretch>
-            <a:fillRect/>
-          </a:stretch>
-        </p:blipFill>
-        <p:spPr>
-          <a:xfrm>
-            <a:off x="4989571" y="6359118"/>
-            <a:ext cx="1743075" cy="314325"/>
-          </a:xfrm>
-          <a:prstGeom prst="rect">
-            <a:avLst/>
-          </a:prstGeom>
-        </p:spPr>
-      </p:pic>
-    </p:spTree>
-    <p:extLst>
-      <p:ext uri="{BB962C8B-B14F-4D97-AF65-F5344CB8AC3E}">
-        <p14:creationId xmlns:p14="http://schemas.microsoft.com/office/powerpoint/2010/main" val="3724220203"/>
-      </p:ext>
-    </p:extLst>
-  </p:cSld>
-  <p:clrMapOvr>
-    <a:masterClrMapping/>
-  </p:clrMapOvr>
-  <p:timing>
-    <p:tnLst>
-      <p:par>
-        <p:cTn id="1" dur="indefinite" restart="never" nodeType="tmRoot">
-          <p:childTnLst>
-            <p:seq concurrent="1" nextAc="seek">
-              <p:cTn id="2" dur="indefinite" nodeType="mainSeq">
-                <p:childTnLst>
-                  <p:par>
-                    <p:cTn id="3" fill="hold">
-                      <p:stCondLst>
-                        <p:cond delay="indefinite"/>
-                      </p:stCondLst>
-                      <p:childTnLst>
-                        <p:par>
-                          <p:cTn id="4" fill="hold">
-                            <p:stCondLst>
-                              <p:cond delay="0"/>
-                            </p:stCondLst>
-                            <p:childTnLst>
-                              <p:par>
-                                <p:cTn id="5" presetID="1" presetClass="entr" presetSubtype="0" fill="hold" nodeType="clickEffect">
-                                  <p:stCondLst>
-                                    <p:cond delay="0"/>
-                                  </p:stCondLst>
-                                  <p:childTnLst>
-                                    <p:set>
-                                      <p:cBhvr>
-                                        <p:cTn id="6" dur="1" fill="hold">
-                                          <p:stCondLst>
-                                            <p:cond delay="0"/>
-                                          </p:stCondLst>
-                                        </p:cTn>
-                                        <p:tgtEl>
-                                          <p:spTgt spid="3">
-                                            <p:txEl>
-                                              <p:pRg st="2" end="2"/>
-                                            </p:txEl>
-                                          </p:spTgt>
-                                        </p:tgtEl>
-                                        <p:attrNameLst>
-                                          <p:attrName>style.visibility</p:attrName>
-                                        </p:attrNameLst>
-                                      </p:cBhvr>
-                                      <p:to>
-                                        <p:strVal val="visible"/>
-                                      </p:to>
-                                    </p:set>
-                                  </p:childTnLst>
-                                </p:cTn>
-                              </p:par>
-                              <p:par>
-                                <p:cTn id="7" presetID="1" presetClass="entr" presetSubtype="0" fill="hold" nodeType="withEffect">
-                                  <p:stCondLst>
-                                    <p:cond delay="0"/>
-                                  </p:stCondLst>
-                                  <p:childTnLst>
-                                    <p:set>
-                                      <p:cBhvr>
-                                        <p:cTn id="8" dur="1" fill="hold">
-                                          <p:stCondLst>
-                                            <p:cond delay="0"/>
-                                          </p:stCondLst>
-                                        </p:cTn>
-                                        <p:tgtEl>
-                                          <p:spTgt spid="3">
-                                            <p:txEl>
-                                              <p:pRg st="4" end="4"/>
-                                            </p:txEl>
-                                          </p:spTgt>
-                                        </p:tgtEl>
-                                        <p:attrNameLst>
-                                          <p:attrName>style.visibility</p:attrName>
-                                        </p:attrNameLst>
-                                      </p:cBhvr>
-                                      <p:to>
-                                        <p:strVal val="visible"/>
-                                      </p:to>
-                                    </p:set>
-                                  </p:childTnLst>
-                                </p:cTn>
-                              </p:par>
-                            </p:childTnLst>
-                          </p:cTn>
-                        </p:par>
-                      </p:childTnLst>
-                    </p:cTn>
-                  </p:par>
-                  <p:par>
-                    <p:cTn id="9" fill="hold">
-                      <p:stCondLst>
-                        <p:cond delay="indefinite"/>
-                      </p:stCondLst>
-                      <p:childTnLst>
-                        <p:par>
-                          <p:cTn id="10" fill="hold">
-                            <p:stCondLst>
-                              <p:cond delay="0"/>
-                            </p:stCondLst>
-                            <p:childTnLst>
-                              <p:par>
-                                <p:cTn id="11" presetID="1" presetClass="entr" presetSubtype="0" fill="hold" nodeType="clickEffect">
-                                  <p:stCondLst>
-                                    <p:cond delay="0"/>
-                                  </p:stCondLst>
-                                  <p:childTnLst>
-                                    <p:set>
-                                      <p:cBhvr>
-                                        <p:cTn id="12" dur="1" fill="hold">
-                                          <p:stCondLst>
-                                            <p:cond delay="0"/>
-                                          </p:stCondLst>
-                                        </p:cTn>
-                                        <p:tgtEl>
-                                          <p:spTgt spid="4"/>
-                                        </p:tgtEl>
-                                        <p:attrNameLst>
-                                          <p:attrName>style.visibility</p:attrName>
-                                        </p:attrNameLst>
-                                      </p:cBhvr>
-                                      <p:to>
-                                        <p:strVal val="visible"/>
-                                      </p:to>
-                                    </p:set>
-                                  </p:childTnLst>
-                                </p:cTn>
-                              </p:par>
-                            </p:childTnLst>
-                          </p:cTn>
-                        </p:par>
-                      </p:childTnLst>
-                    </p:cTn>
-                  </p:par>
-                  <p:par>
-                    <p:cTn id="13" fill="hold">
-                      <p:stCondLst>
-                        <p:cond delay="indefinite"/>
-                      </p:stCondLst>
-                      <p:childTnLst>
-                        <p:par>
-                          <p:cTn id="14" fill="hold">
-                            <p:stCondLst>
-                              <p:cond delay="0"/>
-                            </p:stCondLst>
-                            <p:childTnLst>
-                              <p:par>
-                                <p:cTn id="15" presetID="1" presetClass="entr" presetSubtype="0" fill="hold" nodeType="clickEffect">
-                                  <p:stCondLst>
-                                    <p:cond delay="0"/>
-                                  </p:stCondLst>
-                                  <p:childTnLst>
-                                    <p:set>
-                                      <p:cBhvr>
-                                        <p:cTn id="16" dur="1" fill="hold">
-                                          <p:stCondLst>
-                                            <p:cond delay="0"/>
-                                          </p:stCondLst>
-                                        </p:cTn>
-                                        <p:tgtEl>
-                                          <p:spTgt spid="5"/>
-                                        </p:tgtEl>
-                                        <p:attrNameLst>
-                                          <p:attrName>style.visibility</p:attrName>
-                                        </p:attrNameLst>
-                                      </p:cBhvr>
-                                      <p:to>
-                                        <p:strVal val="visible"/>
-                                      </p:to>
-                                    </p:set>
-                                  </p:childTnLst>
-                                </p:cTn>
-                              </p:par>
-                            </p:childTnLst>
-                          </p:cTn>
-                        </p:par>
-                      </p:childTnLst>
-                    </p:cTn>
-                  </p:par>
-                  <p:par>
-                    <p:cTn id="17" fill="hold">
-                      <p:stCondLst>
-                        <p:cond delay="indefinite"/>
-                      </p:stCondLst>
-                      <p:childTnLst>
-                        <p:par>
-                          <p:cTn id="18" fill="hold">
-                            <p:stCondLst>
-                              <p:cond delay="0"/>
-                            </p:stCondLst>
-                            <p:childTnLst>
-                              <p:par>
-                                <p:cTn id="19" presetID="1" presetClass="entr" presetSubtype="0" fill="hold" nodeType="clickEffect">
-                                  <p:stCondLst>
-                                    <p:cond delay="0"/>
-                                  </p:stCondLst>
-                                  <p:childTnLst>
-                                    <p:set>
-                                      <p:cBhvr>
-                                        <p:cTn id="20" dur="1" fill="hold">
-                                          <p:stCondLst>
-                                            <p:cond delay="0"/>
-                                          </p:stCondLst>
-                                        </p:cTn>
-                                        <p:tgtEl>
-                                          <p:spTgt spid="7"/>
-                                        </p:tgtEl>
-                                        <p:attrNameLst>
-                                          <p:attrName>style.visibility</p:attrName>
-                                        </p:attrNameLst>
-                                      </p:cBhvr>
-                                      <p:to>
-                                        <p:strVal val="visible"/>
-                                      </p:to>
-                                    </p:set>
-                                  </p:childTnLst>
-                                </p:cTn>
-                              </p:par>
-                            </p:childTnLst>
-                          </p:cTn>
-                        </p:par>
-                      </p:childTnLst>
-                    </p:cTn>
-                  </p:par>
-                </p:childTnLst>
-              </p:cTn>
-              <p:prevCondLst>
-                <p:cond evt="onPrev" delay="0">
-                  <p:tgtEl>
-                    <p:sldTgt/>
-                  </p:tgtEl>
-                </p:cond>
-              </p:prevCondLst>
-              <p:nextCondLst>
-                <p:cond evt="onNext" delay="0">
-                  <p:tgtEl>
-                    <p:sldTgt/>
-                  </p:tgtEl>
-                </p:cond>
-              </p:nextCondLst>
-            </p:seq>
-          </p:childTnLst>
-        </p:cTn>
-      </p:par>
-    </p:tnLst>
-  </p:timing>
-</p:sld>
-</file>
-
 <file path=ppt/slides/slide14.xml><?xml version="1.0" encoding="utf-8"?>
 <p:sld xmlns:a="http://schemas.openxmlformats.org/drawingml/2006/main" xmlns:r="http://schemas.openxmlformats.org/officeDocument/2006/relationships" xmlns:p="http://schemas.openxmlformats.org/presentationml/2006/main">
   <p:cSld>
@@ -5534,7 +5287,11 @@
           <a:p>
             <a:r>
               <a:rPr lang="en-US" dirty="0" smtClean="0"/>
-              <a:t>Wildcards as a word puzzle</a:t>
+              <a:t>Recap before we go </a:t>
+            </a:r>
+            <a:r>
+              <a:rPr lang="en-US" dirty="0" smtClean="0"/>
+              <a:t>gallivanting off to the next lesson!</a:t>
             </a:r>
             <a:endParaRPr lang="en-US" dirty="0"/>
           </a:p>
@@ -5552,239 +5309,353 @@
         </p:nvSpPr>
         <p:spPr/>
         <p:txBody>
-          <a:bodyPr/>
+          <a:bodyPr>
+            <a:normAutofit/>
+          </a:bodyPr>
           <a:lstStyle/>
           <a:p>
             <a:r>
               <a:rPr lang="en-US" dirty="0" smtClean="0"/>
-              <a:t>Use them to automate analysis or to “group select” a bunch of files. You  can use the context of the words in your search to make your grouping more specific or less specific.</a:t>
+              <a:t>There are three data streams while working on the terminal:</a:t>
             </a:r>
           </a:p>
           <a:p>
             <a:endParaRPr lang="en-US" dirty="0"/>
           </a:p>
           <a:p>
-            <a:r>
-              <a:rPr lang="en-US" dirty="0" smtClean="0"/>
-              <a:t>Try this command and let’s talk about the nuances:</a:t>
-            </a:r>
+            <a:endParaRPr lang="en-US" dirty="0" smtClean="0"/>
           </a:p>
           <a:p>
             <a:endParaRPr lang="en-US" dirty="0"/>
           </a:p>
           <a:p>
-            <a:r>
-              <a:rPr lang="en-US" dirty="0" smtClean="0"/>
-              <a:t>Now try the following three commands and tell me which one is not like the others:</a:t>
-            </a:r>
+            <a:endParaRPr lang="en-US" dirty="0" smtClean="0"/>
+          </a:p>
+          <a:p>
+            <a:endParaRPr lang="en-US" dirty="0"/>
           </a:p>
         </p:txBody>
       </p:sp>
-      <p:pic>
-        <p:nvPicPr>
-          <p:cNvPr id="4" name="Picture 3"/>
-          <p:cNvPicPr>
-            <a:picLocks noChangeAspect="1"/>
-          </p:cNvPicPr>
-          <p:nvPr/>
-        </p:nvPicPr>
-        <p:blipFill>
-          <a:blip r:embed="rId2"/>
-          <a:stretch>
-            <a:fillRect/>
-          </a:stretch>
-        </p:blipFill>
-        <p:spPr>
-          <a:xfrm>
-            <a:off x="4906641" y="3697930"/>
-            <a:ext cx="1409700" cy="238125"/>
-          </a:xfrm>
-          <a:prstGeom prst="rect">
-            <a:avLst/>
-          </a:prstGeom>
-        </p:spPr>
-      </p:pic>
-      <p:grpSp>
-        <p:nvGrpSpPr>
-          <p:cNvPr id="11" name="Group 10"/>
-          <p:cNvGrpSpPr/>
-          <p:nvPr/>
-        </p:nvGrpSpPr>
-        <p:grpSpPr>
-          <a:xfrm>
-            <a:off x="3738694" y="4733730"/>
-            <a:ext cx="3140496" cy="1333695"/>
-            <a:chOff x="2214694" y="4733729"/>
-            <a:chExt cx="3140496" cy="1333695"/>
-          </a:xfrm>
-        </p:grpSpPr>
-        <p:pic>
-          <p:nvPicPr>
-            <p:cNvPr id="5" name="Picture 4"/>
-            <p:cNvPicPr>
-              <a:picLocks noChangeAspect="1"/>
-            </p:cNvPicPr>
-            <p:nvPr/>
-          </p:nvPicPr>
-          <p:blipFill>
-            <a:blip r:embed="rId3"/>
-            <a:stretch>
-              <a:fillRect/>
-            </a:stretch>
-          </p:blipFill>
-          <p:spPr>
-            <a:xfrm>
-              <a:off x="3154041" y="4780283"/>
-              <a:ext cx="1866900" cy="276225"/>
-            </a:xfrm>
-            <a:prstGeom prst="rect">
-              <a:avLst/>
-            </a:prstGeom>
-          </p:spPr>
-        </p:pic>
-        <p:pic>
-          <p:nvPicPr>
-            <p:cNvPr id="6" name="Picture 5"/>
-            <p:cNvPicPr>
-              <a:picLocks noChangeAspect="1"/>
-            </p:cNvPicPr>
-            <p:nvPr/>
-          </p:nvPicPr>
-          <p:blipFill>
-            <a:blip r:embed="rId4"/>
-            <a:stretch>
-              <a:fillRect/>
-            </a:stretch>
-          </p:blipFill>
-          <p:spPr>
-            <a:xfrm>
-              <a:off x="3154041" y="5230973"/>
-              <a:ext cx="1838325" cy="257175"/>
-            </a:xfrm>
-            <a:prstGeom prst="rect">
-              <a:avLst/>
-            </a:prstGeom>
-          </p:spPr>
-        </p:pic>
-        <p:pic>
-          <p:nvPicPr>
-            <p:cNvPr id="7" name="Picture 6"/>
-            <p:cNvPicPr>
-              <a:picLocks noChangeAspect="1"/>
-            </p:cNvPicPr>
-            <p:nvPr/>
-          </p:nvPicPr>
-          <p:blipFill>
-            <a:blip r:embed="rId5"/>
-            <a:stretch>
-              <a:fillRect/>
-            </a:stretch>
-          </p:blipFill>
-          <p:spPr>
-            <a:xfrm>
-              <a:off x="2983465" y="5734049"/>
-              <a:ext cx="2371725" cy="333375"/>
-            </a:xfrm>
-            <a:prstGeom prst="rect">
-              <a:avLst/>
-            </a:prstGeom>
-          </p:spPr>
-        </p:pic>
-        <p:sp>
-          <p:nvSpPr>
-            <p:cNvPr id="8" name="TextBox 7"/>
-            <p:cNvSpPr txBox="1"/>
-            <p:nvPr/>
-          </p:nvSpPr>
-          <p:spPr>
-            <a:xfrm>
-              <a:off x="2214694" y="4733729"/>
-              <a:ext cx="376770" cy="369332"/>
-            </a:xfrm>
-            <a:prstGeom prst="rect">
-              <a:avLst/>
-            </a:prstGeom>
-            <a:noFill/>
-          </p:spPr>
-          <p:txBody>
-            <a:bodyPr wrap="none" rtlCol="0">
-              <a:spAutoFit/>
-            </a:bodyPr>
-            <a:lstStyle/>
-            <a:p>
-              <a:r>
-                <a:rPr lang="en-US" dirty="0"/>
-                <a:t>A.</a:t>
-              </a:r>
-              <a:endParaRPr lang="en-US" dirty="0"/>
-            </a:p>
-          </p:txBody>
-        </p:sp>
-        <p:sp>
-          <p:nvSpPr>
-            <p:cNvPr id="9" name="TextBox 8"/>
-            <p:cNvSpPr txBox="1"/>
-            <p:nvPr/>
-          </p:nvSpPr>
-          <p:spPr>
-            <a:xfrm>
-              <a:off x="2224056" y="5174894"/>
-              <a:ext cx="367408" cy="369332"/>
-            </a:xfrm>
-            <a:prstGeom prst="rect">
-              <a:avLst/>
-            </a:prstGeom>
-            <a:noFill/>
-          </p:spPr>
-          <p:txBody>
-            <a:bodyPr wrap="none" rtlCol="0">
-              <a:spAutoFit/>
-            </a:bodyPr>
-            <a:lstStyle/>
-            <a:p>
-              <a:r>
-                <a:rPr lang="en-US" dirty="0"/>
-                <a:t>B.</a:t>
-              </a:r>
-              <a:endParaRPr lang="en-US" dirty="0"/>
-            </a:p>
-          </p:txBody>
-        </p:sp>
-        <p:sp>
-          <p:nvSpPr>
-            <p:cNvPr id="10" name="TextBox 9"/>
-            <p:cNvSpPr txBox="1"/>
-            <p:nvPr/>
-          </p:nvSpPr>
-          <p:spPr>
-            <a:xfrm>
-              <a:off x="2225658" y="5698092"/>
-              <a:ext cx="365806" cy="369332"/>
-            </a:xfrm>
-            <a:prstGeom prst="rect">
-              <a:avLst/>
-            </a:prstGeom>
-            <a:noFill/>
-          </p:spPr>
-          <p:txBody>
-            <a:bodyPr wrap="none" rtlCol="0">
-              <a:spAutoFit/>
-            </a:bodyPr>
-            <a:lstStyle/>
-            <a:p>
-              <a:r>
-                <a:rPr lang="en-US" dirty="0"/>
-                <a:t>C.</a:t>
-              </a:r>
-              <a:endParaRPr lang="en-US" dirty="0"/>
-            </a:p>
-          </p:txBody>
-        </p:sp>
-      </p:grpSp>
+      <p:graphicFrame>
+        <p:nvGraphicFramePr>
+          <p:cNvPr id="4" name="Table 3"/>
+          <p:cNvGraphicFramePr>
+            <a:graphicFrameLocks noGrp="1"/>
+          </p:cNvGraphicFramePr>
+          <p:nvPr>
+            <p:extLst>
+              <p:ext uri="{D42A27DB-BD31-4B8C-83A1-F6EECF244321}">
+                <p14:modId xmlns:p14="http://schemas.microsoft.com/office/powerpoint/2010/main" val="165751538"/>
+              </p:ext>
+            </p:extLst>
+          </p:nvPr>
+        </p:nvGraphicFramePr>
+        <p:xfrm>
+          <a:off x="1022838" y="2748999"/>
+          <a:ext cx="10330962" cy="3106679"/>
+        </p:xfrm>
+        <a:graphic>
+          <a:graphicData uri="http://schemas.openxmlformats.org/drawingml/2006/table">
+            <a:tbl>
+              <a:tblPr firstRow="1" bandRow="1">
+                <a:tableStyleId>{8EC20E35-A176-4012-BC5E-935CFFF8708E}</a:tableStyleId>
+              </a:tblPr>
+              <a:tblGrid>
+                <a:gridCol w="1253349">
+                  <a:extLst>
+                    <a:ext uri="{9D8B030D-6E8A-4147-A177-3AD203B41FA5}">
+                      <a16:colId xmlns:a16="http://schemas.microsoft.com/office/drawing/2014/main" val="1291003557"/>
+                    </a:ext>
+                  </a:extLst>
+                </a:gridCol>
+                <a:gridCol w="1656751">
+                  <a:extLst>
+                    <a:ext uri="{9D8B030D-6E8A-4147-A177-3AD203B41FA5}">
+                      <a16:colId xmlns:a16="http://schemas.microsoft.com/office/drawing/2014/main" val="2658670910"/>
+                    </a:ext>
+                  </a:extLst>
+                </a:gridCol>
+                <a:gridCol w="7420862">
+                  <a:extLst>
+                    <a:ext uri="{9D8B030D-6E8A-4147-A177-3AD203B41FA5}">
+                      <a16:colId xmlns:a16="http://schemas.microsoft.com/office/drawing/2014/main" val="701683831"/>
+                    </a:ext>
+                  </a:extLst>
+                </a:gridCol>
+              </a:tblGrid>
+              <a:tr h="542554">
+                <a:tc>
+                  <a:txBody>
+                    <a:bodyPr/>
+                    <a:lstStyle/>
+                    <a:p>
+                      <a:r>
+                        <a:rPr lang="en-US" sz="2400" dirty="0" smtClean="0"/>
+                        <a:t>Stream</a:t>
+                      </a:r>
+                      <a:endParaRPr lang="en-US" sz="2400" dirty="0"/>
+                    </a:p>
+                  </a:txBody>
+                  <a:tcPr/>
+                </a:tc>
+                <a:tc>
+                  <a:txBody>
+                    <a:bodyPr/>
+                    <a:lstStyle/>
+                    <a:p>
+                      <a:r>
+                        <a:rPr lang="en-US" sz="2400" dirty="0" smtClean="0"/>
+                        <a:t>Redirection</a:t>
+                      </a:r>
+                      <a:endParaRPr lang="en-US" sz="2400" dirty="0"/>
+                    </a:p>
+                  </a:txBody>
+                  <a:tcPr/>
+                </a:tc>
+                <a:tc>
+                  <a:txBody>
+                    <a:bodyPr/>
+                    <a:lstStyle/>
+                    <a:p>
+                      <a:r>
+                        <a:rPr lang="en-US" sz="2400" dirty="0" smtClean="0"/>
+                        <a:t>Description</a:t>
+                      </a:r>
+                      <a:endParaRPr lang="en-US" sz="2400" dirty="0"/>
+                    </a:p>
+                  </a:txBody>
+                  <a:tcPr/>
+                </a:tc>
+                <a:extLst>
+                  <a:ext uri="{0D108BD9-81ED-4DB2-BD59-A6C34878D82A}">
+                    <a16:rowId xmlns:a16="http://schemas.microsoft.com/office/drawing/2014/main" val="3713861379"/>
+                  </a:ext>
+                </a:extLst>
+              </a:tr>
+              <a:tr h="542554">
+                <a:tc>
+                  <a:txBody>
+                    <a:bodyPr/>
+                    <a:lstStyle/>
+                    <a:p>
+                      <a:r>
+                        <a:rPr lang="en-US" sz="2400" dirty="0" smtClean="0"/>
+                        <a:t>STDIN</a:t>
+                      </a:r>
+                      <a:endParaRPr lang="en-US" sz="2400" dirty="0"/>
+                    </a:p>
+                  </a:txBody>
+                  <a:tcPr/>
+                </a:tc>
+                <a:tc>
+                  <a:txBody>
+                    <a:bodyPr/>
+                    <a:lstStyle/>
+                    <a:p>
+                      <a:pPr algn="ctr"/>
+                      <a:r>
+                        <a:rPr lang="en-US" sz="2400" dirty="0" smtClean="0"/>
+                        <a:t>&lt;</a:t>
+                      </a:r>
+                      <a:endParaRPr lang="en-US" sz="2400" dirty="0"/>
+                    </a:p>
+                  </a:txBody>
+                  <a:tcPr/>
+                </a:tc>
+                <a:tc>
+                  <a:txBody>
+                    <a:bodyPr/>
+                    <a:lstStyle/>
+                    <a:p>
+                      <a:r>
+                        <a:rPr lang="en-US" sz="2400" dirty="0" smtClean="0"/>
+                        <a:t>Your keyboard (or piped) input to a program</a:t>
+                      </a:r>
+                      <a:r>
+                        <a:rPr lang="en-US" sz="2400" baseline="0" dirty="0" smtClean="0"/>
+                        <a:t> or script.</a:t>
+                      </a:r>
+                      <a:endParaRPr lang="en-US" sz="2400" dirty="0"/>
+                    </a:p>
+                  </a:txBody>
+                  <a:tcPr/>
+                </a:tc>
+                <a:extLst>
+                  <a:ext uri="{0D108BD9-81ED-4DB2-BD59-A6C34878D82A}">
+                    <a16:rowId xmlns:a16="http://schemas.microsoft.com/office/drawing/2014/main" val="2432968082"/>
+                  </a:ext>
+                </a:extLst>
+              </a:tr>
+              <a:tr h="542554">
+                <a:tc>
+                  <a:txBody>
+                    <a:bodyPr/>
+                    <a:lstStyle/>
+                    <a:p>
+                      <a:r>
+                        <a:rPr lang="en-US" sz="2400" dirty="0" smtClean="0"/>
+                        <a:t>STDOUT</a:t>
+                      </a:r>
+                      <a:endParaRPr lang="en-US" sz="2400" dirty="0"/>
+                    </a:p>
+                  </a:txBody>
+                  <a:tcPr/>
+                </a:tc>
+                <a:tc>
+                  <a:txBody>
+                    <a:bodyPr/>
+                    <a:lstStyle/>
+                    <a:p>
+                      <a:pPr algn="ctr"/>
+                      <a:r>
+                        <a:rPr lang="en-US" sz="2400" dirty="0" smtClean="0"/>
+                        <a:t>&gt;</a:t>
+                      </a:r>
+                      <a:endParaRPr lang="en-US" sz="2400" dirty="0"/>
+                    </a:p>
+                  </a:txBody>
+                  <a:tcPr/>
+                </a:tc>
+                <a:tc>
+                  <a:txBody>
+                    <a:bodyPr/>
+                    <a:lstStyle/>
+                    <a:p>
+                      <a:r>
+                        <a:rPr lang="en-US" sz="2400" dirty="0" smtClean="0"/>
+                        <a:t>The direct</a:t>
+                      </a:r>
+                      <a:r>
+                        <a:rPr lang="en-US" sz="2400" baseline="0" dirty="0" smtClean="0"/>
+                        <a:t> output to a terminal window.</a:t>
+                      </a:r>
+                      <a:endParaRPr lang="en-US" sz="2400" dirty="0"/>
+                    </a:p>
+                  </a:txBody>
+                  <a:tcPr/>
+                </a:tc>
+                <a:extLst>
+                  <a:ext uri="{0D108BD9-81ED-4DB2-BD59-A6C34878D82A}">
+                    <a16:rowId xmlns:a16="http://schemas.microsoft.com/office/drawing/2014/main" val="2101413102"/>
+                  </a:ext>
+                </a:extLst>
+              </a:tr>
+              <a:tr h="936463">
+                <a:tc>
+                  <a:txBody>
+                    <a:bodyPr/>
+                    <a:lstStyle/>
+                    <a:p>
+                      <a:r>
+                        <a:rPr lang="en-US" sz="2400" dirty="0" smtClean="0"/>
+                        <a:t>STDERR</a:t>
+                      </a:r>
+                      <a:endParaRPr lang="en-US" sz="2400" dirty="0"/>
+                    </a:p>
+                  </a:txBody>
+                  <a:tcPr/>
+                </a:tc>
+                <a:tc>
+                  <a:txBody>
+                    <a:bodyPr/>
+                    <a:lstStyle/>
+                    <a:p>
+                      <a:pPr algn="ctr"/>
+                      <a:r>
+                        <a:rPr lang="en-US" sz="2400" dirty="0" smtClean="0"/>
+                        <a:t>2&gt;</a:t>
+                      </a:r>
+                      <a:endParaRPr lang="en-US" sz="2400" dirty="0"/>
+                    </a:p>
+                  </a:txBody>
+                  <a:tcPr/>
+                </a:tc>
+                <a:tc>
+                  <a:txBody>
+                    <a:bodyPr/>
+                    <a:lstStyle/>
+                    <a:p>
+                      <a:r>
+                        <a:rPr lang="en-US" sz="2400" dirty="0" smtClean="0"/>
+                        <a:t>Also</a:t>
+                      </a:r>
+                      <a:r>
+                        <a:rPr lang="en-US" sz="2400" baseline="0" dirty="0" smtClean="0"/>
+                        <a:t> direct output to a terminal window – handled differently than STDOUT to allow for error messaging.</a:t>
+                      </a:r>
+                      <a:endParaRPr lang="en-US" sz="2400" dirty="0"/>
+                    </a:p>
+                  </a:txBody>
+                  <a:tcPr/>
+                </a:tc>
+                <a:extLst>
+                  <a:ext uri="{0D108BD9-81ED-4DB2-BD59-A6C34878D82A}">
+                    <a16:rowId xmlns:a16="http://schemas.microsoft.com/office/drawing/2014/main" val="3288652178"/>
+                  </a:ext>
+                </a:extLst>
+              </a:tr>
+              <a:tr h="542554">
+                <a:tc>
+                  <a:txBody>
+                    <a:bodyPr/>
+                    <a:lstStyle/>
+                    <a:p>
+                      <a:endParaRPr lang="en-US" sz="2400" dirty="0"/>
+                    </a:p>
+                  </a:txBody>
+                  <a:tcPr/>
+                </a:tc>
+                <a:tc>
+                  <a:txBody>
+                    <a:bodyPr/>
+                    <a:lstStyle/>
+                    <a:p>
+                      <a:pPr algn="ctr"/>
+                      <a:r>
+                        <a:rPr lang="en-US" sz="2400" dirty="0" smtClean="0"/>
+                        <a:t>&gt;&gt;</a:t>
+                      </a:r>
+                      <a:endParaRPr lang="en-US" sz="2400" dirty="0"/>
+                    </a:p>
+                  </a:txBody>
+                  <a:tcPr/>
+                </a:tc>
+                <a:tc>
+                  <a:txBody>
+                    <a:bodyPr/>
+                    <a:lstStyle/>
+                    <a:p>
+                      <a:r>
+                        <a:rPr lang="en-US" sz="2400" b="1" dirty="0" smtClean="0"/>
+                        <a:t>Appends</a:t>
+                      </a:r>
+                      <a:r>
+                        <a:rPr lang="en-US" sz="2400" dirty="0" smtClean="0"/>
+                        <a:t> STDOUT</a:t>
+                      </a:r>
+                      <a:r>
+                        <a:rPr lang="en-US" sz="2400" baseline="0" dirty="0" smtClean="0"/>
+                        <a:t> to the end of a file</a:t>
+                      </a:r>
+                      <a:endParaRPr lang="en-US" sz="2400" dirty="0"/>
+                    </a:p>
+                  </a:txBody>
+                  <a:tcPr/>
+                </a:tc>
+                <a:extLst>
+                  <a:ext uri="{0D108BD9-81ED-4DB2-BD59-A6C34878D82A}">
+                    <a16:rowId xmlns:a16="http://schemas.microsoft.com/office/drawing/2014/main" val="1508693376"/>
+                  </a:ext>
+                </a:extLst>
+              </a:tr>
+            </a:tbl>
+          </a:graphicData>
+        </a:graphic>
+      </p:graphicFrame>
     </p:spTree>
     <p:extLst>
       <p:ext uri="{BB962C8B-B14F-4D97-AF65-F5344CB8AC3E}">
-        <p14:creationId xmlns:p14="http://schemas.microsoft.com/office/powerpoint/2010/main" val="85392672"/>
+        <p14:creationId xmlns:p14="http://schemas.microsoft.com/office/powerpoint/2010/main" val="420911787"/>
       </p:ext>
     </p:extLst>
   </p:cSld>
@@ -5794,106 +5665,7 @@
   <p:timing>
     <p:tnLst>
       <p:par>
-        <p:cTn id="1" dur="indefinite" restart="never" nodeType="tmRoot">
-          <p:childTnLst>
-            <p:seq concurrent="1" nextAc="seek">
-              <p:cTn id="2" dur="indefinite" nodeType="mainSeq">
-                <p:childTnLst>
-                  <p:par>
-                    <p:cTn id="3" fill="hold">
-                      <p:stCondLst>
-                        <p:cond delay="indefinite"/>
-                      </p:stCondLst>
-                      <p:childTnLst>
-                        <p:par>
-                          <p:cTn id="4" fill="hold">
-                            <p:stCondLst>
-                              <p:cond delay="0"/>
-                            </p:stCondLst>
-                            <p:childTnLst>
-                              <p:par>
-                                <p:cTn id="5" presetID="1" presetClass="entr" presetSubtype="0" fill="hold" nodeType="clickEffect">
-                                  <p:stCondLst>
-                                    <p:cond delay="0"/>
-                                  </p:stCondLst>
-                                  <p:childTnLst>
-                                    <p:set>
-                                      <p:cBhvr>
-                                        <p:cTn id="6" dur="1" fill="hold">
-                                          <p:stCondLst>
-                                            <p:cond delay="0"/>
-                                          </p:stCondLst>
-                                        </p:cTn>
-                                        <p:tgtEl>
-                                          <p:spTgt spid="3">
-                                            <p:txEl>
-                                              <p:pRg st="4" end="4"/>
-                                            </p:txEl>
-                                          </p:spTgt>
-                                        </p:tgtEl>
-                                        <p:attrNameLst>
-                                          <p:attrName>style.visibility</p:attrName>
-                                        </p:attrNameLst>
-                                      </p:cBhvr>
-                                      <p:to>
-                                        <p:strVal val="visible"/>
-                                      </p:to>
-                                    </p:set>
-                                  </p:childTnLst>
-                                </p:cTn>
-                              </p:par>
-                              <p:par>
-                                <p:cTn id="7" presetID="1" presetClass="entr" presetSubtype="0" fill="hold" nodeType="withEffect">
-                                  <p:stCondLst>
-                                    <p:cond delay="0"/>
-                                  </p:stCondLst>
-                                  <p:childTnLst>
-                                    <p:set>
-                                      <p:cBhvr>
-                                        <p:cTn id="8" dur="1" fill="hold">
-                                          <p:stCondLst>
-                                            <p:cond delay="0"/>
-                                          </p:stCondLst>
-                                        </p:cTn>
-                                        <p:tgtEl>
-                                          <p:spTgt spid="11"/>
-                                        </p:tgtEl>
-                                        <p:attrNameLst>
-                                          <p:attrName>style.visibility</p:attrName>
-                                        </p:attrNameLst>
-                                      </p:cBhvr>
-                                      <p:to>
-                                        <p:strVal val="visible"/>
-                                      </p:to>
-                                    </p:set>
-                                  </p:childTnLst>
-                                </p:cTn>
-                              </p:par>
-                            </p:childTnLst>
-                          </p:cTn>
-                        </p:par>
-                      </p:childTnLst>
-                    </p:cTn>
-                  </p:par>
-                </p:childTnLst>
-              </p:cTn>
-              <p:prevCondLst>
-                <p:cond evt="onPrev" delay="0">
-                  <p:tgtEl>
-                    <p:sldTgt/>
-                  </p:tgtEl>
-                </p:cond>
-              </p:prevCondLst>
-              <p:nextCondLst>
-                <p:cond evt="onNext" delay="0">
-                  <p:tgtEl>
-                    <p:sldTgt/>
-                  </p:tgtEl>
-                </p:cond>
-              </p:nextCondLst>
-            </p:seq>
-          </p:childTnLst>
-        </p:cTn>
+        <p:cTn id="1" dur="indefinite" restart="never" nodeType="tmRoot"/>
       </p:par>
     </p:tnLst>
   </p:timing>
@@ -5956,13 +5728,13 @@
         </p:nvSpPr>
         <p:spPr>
           <a:xfrm>
-            <a:off x="2152650" y="1825625"/>
-            <a:ext cx="7886700" cy="4671890"/>
+            <a:off x="685800" y="1825625"/>
+            <a:ext cx="10454054" cy="4671890"/>
           </a:xfrm>
         </p:spPr>
         <p:txBody>
           <a:bodyPr>
-            <a:normAutofit fontScale="85000" lnSpcReduction="20000"/>
+            <a:normAutofit fontScale="92500" lnSpcReduction="10000"/>
           </a:bodyPr>
           <a:lstStyle/>
           <a:p>
@@ -6065,7 +5837,7 @@
         </p:blipFill>
         <p:spPr>
           <a:xfrm>
-            <a:off x="4487008" y="3308167"/>
+            <a:off x="4607718" y="3607106"/>
             <a:ext cx="2536947" cy="876300"/>
           </a:xfrm>
           <a:prstGeom prst="rect">
@@ -6089,7 +5861,7 @@
         </p:blipFill>
         <p:spPr>
           <a:xfrm>
-            <a:off x="3009167" y="5280147"/>
+            <a:off x="3009166" y="5631840"/>
             <a:ext cx="5734050" cy="219075"/>
           </a:xfrm>
           <a:prstGeom prst="rect">
@@ -6299,13 +6071,13 @@
         </p:nvSpPr>
         <p:spPr>
           <a:xfrm>
-            <a:off x="2152650" y="1889737"/>
-            <a:ext cx="7886700" cy="4351338"/>
+            <a:off x="483577" y="1889737"/>
+            <a:ext cx="11034346" cy="4351338"/>
           </a:xfrm>
         </p:spPr>
         <p:txBody>
           <a:bodyPr>
-            <a:normAutofit fontScale="85000" lnSpcReduction="20000"/>
+            <a:normAutofit fontScale="92500" lnSpcReduction="10000"/>
           </a:bodyPr>
           <a:lstStyle/>
           <a:p>
@@ -6476,12 +6248,20 @@
               <a:t>Let me show you how this is practical by going to the </a:t>
             </a:r>
             <a:r>
+              <a:rPr lang="en-US" dirty="0" smtClean="0"/>
+              <a:t>lesson3/</a:t>
+            </a:r>
+            <a:r>
               <a:rPr lang="en-US" dirty="0" err="1" smtClean="0"/>
               <a:t>sublessonB</a:t>
             </a:r>
             <a:r>
               <a:rPr lang="en-US" dirty="0" smtClean="0"/>
-              <a:t> folder. In that folder, you should see several “command.sh” commands!</a:t>
+              <a:t> </a:t>
+            </a:r>
+            <a:r>
+              <a:rPr lang="en-US" dirty="0" smtClean="0"/>
+              <a:t>folder. In that folder, you should see several “command.sh” commands!</a:t>
             </a:r>
             <a:endParaRPr lang="en-US" dirty="0"/>
           </a:p>
@@ -6526,8 +6306,8 @@
         </p:blipFill>
         <p:spPr>
           <a:xfrm>
-            <a:off x="1629508" y="6001493"/>
-            <a:ext cx="8932985" cy="479164"/>
+            <a:off x="671147" y="6054246"/>
+            <a:ext cx="11050329" cy="592738"/>
           </a:xfrm>
           <a:prstGeom prst="rect">
             <a:avLst/>
@@ -6752,7 +6532,12 @@
             <p:ph idx="1"/>
           </p:nvPr>
         </p:nvSpPr>
-        <p:spPr/>
+        <p:spPr>
+          <a:xfrm>
+            <a:off x="745921" y="1439910"/>
+            <a:ext cx="10515600" cy="4351338"/>
+          </a:xfrm>
+        </p:spPr>
         <p:txBody>
           <a:bodyPr>
             <a:normAutofit lnSpcReduction="10000"/>
@@ -6821,7 +6606,7 @@
         </p:blipFill>
         <p:spPr>
           <a:xfrm>
-            <a:off x="1963982" y="5496397"/>
+            <a:off x="1552922" y="5806753"/>
             <a:ext cx="7895126" cy="522305"/>
           </a:xfrm>
           <a:prstGeom prst="rect">
@@ -6837,7 +6622,7 @@
         </p:nvGrpSpPr>
         <p:grpSpPr>
           <a:xfrm>
-            <a:off x="5263368" y="5127064"/>
+            <a:off x="4852308" y="5437420"/>
             <a:ext cx="1984424" cy="526390"/>
             <a:chOff x="3739368" y="5127064"/>
             <a:chExt cx="1984424" cy="526390"/>
@@ -6935,11 +6720,6 @@
                 </a:rPr>
                 <a:t>!</a:t>
               </a:r>
-              <a:endParaRPr lang="en-US" dirty="0">
-                <a:solidFill>
-                  <a:srgbClr val="FF0000"/>
-                </a:solidFill>
-              </a:endParaRPr>
             </a:p>
           </p:txBody>
         </p:sp>
@@ -6952,7 +6732,7 @@
         </p:nvGrpSpPr>
         <p:grpSpPr>
           <a:xfrm>
-            <a:off x="1963982" y="5133071"/>
+            <a:off x="1552922" y="5443427"/>
             <a:ext cx="8070908" cy="885631"/>
             <a:chOff x="439982" y="5133070"/>
             <a:chExt cx="8070908" cy="885631"/>
@@ -7142,11 +6922,6 @@
                 </a:rPr>
                 <a:t>!</a:t>
               </a:r>
-              <a:endParaRPr lang="en-US" dirty="0">
-                <a:solidFill>
-                  <a:srgbClr val="0070C0"/>
-                </a:solidFill>
-              </a:endParaRPr>
             </a:p>
           </p:txBody>
         </p:sp>
@@ -7159,7 +6934,7 @@
         </p:nvGrpSpPr>
         <p:grpSpPr>
           <a:xfrm>
-            <a:off x="6182174" y="5836078"/>
+            <a:off x="5771114" y="6146434"/>
             <a:ext cx="2764283" cy="642593"/>
             <a:chOff x="4658173" y="5836077"/>
             <a:chExt cx="2764283" cy="642593"/>
@@ -7616,13 +7391,13 @@
         </p:nvSpPr>
         <p:spPr>
           <a:xfrm>
-            <a:off x="2140989" y="1816833"/>
-            <a:ext cx="7886700" cy="4351338"/>
+            <a:off x="677008" y="1816833"/>
+            <a:ext cx="10260623" cy="4351338"/>
           </a:xfrm>
         </p:spPr>
         <p:txBody>
           <a:bodyPr>
-            <a:normAutofit fontScale="92500" lnSpcReduction="20000"/>
+            <a:normAutofit fontScale="92500" lnSpcReduction="10000"/>
           </a:bodyPr>
           <a:lstStyle/>
           <a:p>
@@ -7832,21 +7607,8 @@
                   <a:srgbClr val="0070C0"/>
                 </a:solidFill>
               </a:rPr>
-              <a:t>m</a:t>
-            </a:r>
-            <a:r>
-              <a:rPr lang="en-US" dirty="0">
-                <a:solidFill>
-                  <a:srgbClr val="0070C0"/>
-                </a:solidFill>
-              </a:rPr>
-              <a:t>emorize this for now.</a:t>
-            </a:r>
-            <a:endParaRPr lang="en-US" dirty="0">
-              <a:solidFill>
-                <a:srgbClr val="0070C0"/>
-              </a:solidFill>
-            </a:endParaRPr>
+              <a:t>memorize this for now.</a:t>
+            </a:r>
           </a:p>
         </p:txBody>
       </p:sp>
@@ -7866,7 +7628,7 @@
         </p:blipFill>
         <p:spPr>
           <a:xfrm>
-            <a:off x="3085367" y="4547456"/>
+            <a:off x="3170063" y="4943422"/>
             <a:ext cx="5581650" cy="333375"/>
           </a:xfrm>
           <a:prstGeom prst="rect">
@@ -8270,7 +8032,7 @@
         </p:blipFill>
         <p:spPr>
           <a:xfrm>
-            <a:off x="5208343" y="4086287"/>
+            <a:off x="5116064" y="4776788"/>
             <a:ext cx="1247775" cy="304800"/>
           </a:xfrm>
           <a:prstGeom prst="rect">
@@ -8553,15 +8315,7 @@
             <a:pPr lvl="1"/>
             <a:r>
               <a:rPr lang="en-US" dirty="0" smtClean="0"/>
-              <a:t>What “if” we had a conditional test</a:t>
-            </a:r>
-            <a:r>
-              <a:rPr lang="en-US" dirty="0" smtClean="0"/>
-              <a:t>?</a:t>
-            </a:r>
-            <a:r>
-              <a:rPr lang="en-US" dirty="0" smtClean="0"/>
-              <a:t/>
+              <a:t>What “if” we had a conditional test?</a:t>
             </a:r>
             <a:br>
               <a:rPr lang="en-US" dirty="0" smtClean="0"/>
@@ -8997,7 +8751,7 @@
         </p:blipFill>
         <p:spPr>
           <a:xfrm>
-            <a:off x="1726407" y="4001295"/>
+            <a:off x="1726405" y="4529801"/>
             <a:ext cx="8739187" cy="208267"/>
           </a:xfrm>
           <a:prstGeom prst="rect">
@@ -9021,7 +8775,7 @@
         </p:blipFill>
         <p:spPr>
           <a:xfrm>
-            <a:off x="3900487" y="5409649"/>
+            <a:off x="3900485" y="5826425"/>
             <a:ext cx="4391025" cy="857250"/>
           </a:xfrm>
           <a:prstGeom prst="rect">
@@ -9345,7 +9099,7 @@
         </p:blipFill>
         <p:spPr>
           <a:xfrm>
-            <a:off x="4260606" y="3115470"/>
+            <a:off x="4260606" y="3643977"/>
             <a:ext cx="3143250" cy="885825"/>
           </a:xfrm>
           <a:prstGeom prst="rect">
@@ -9361,7 +9115,7 @@
         </p:nvSpPr>
         <p:spPr>
           <a:xfrm>
-            <a:off x="4891454" y="2760785"/>
+            <a:off x="4891454" y="3289292"/>
             <a:ext cx="228600" cy="354684"/>
           </a:xfrm>
           <a:prstGeom prst="downArrow">
@@ -9401,7 +9155,7 @@
         </p:nvSpPr>
         <p:spPr>
           <a:xfrm>
-            <a:off x="7210425" y="2760785"/>
+            <a:off x="7210425" y="3289292"/>
             <a:ext cx="228600" cy="354684"/>
           </a:xfrm>
           <a:prstGeom prst="downArrow">
@@ -9441,7 +9195,7 @@
         </p:nvGrpSpPr>
         <p:grpSpPr>
           <a:xfrm>
-            <a:off x="5120054" y="3115469"/>
+            <a:off x="5120054" y="3643976"/>
             <a:ext cx="4749644" cy="1041142"/>
             <a:chOff x="3596054" y="3115469"/>
             <a:chExt cx="4749644" cy="1041142"/>
@@ -9565,7 +9319,6 @@
                 <a:rPr lang="en-US" dirty="0"/>
                 <a:t>Is not empty!</a:t>
               </a:r>
-              <a:endParaRPr lang="en-US" dirty="0"/>
             </a:p>
           </p:txBody>
         </p:sp>
@@ -9822,7 +9575,7 @@
         </p:blipFill>
         <p:spPr>
           <a:xfrm>
-            <a:off x="2438400" y="3304809"/>
+            <a:off x="2471956" y="3745038"/>
             <a:ext cx="7315200" cy="2428875"/>
           </a:xfrm>
           <a:prstGeom prst="rect">
@@ -9838,7 +9591,7 @@
         </p:nvSpPr>
         <p:spPr>
           <a:xfrm>
-            <a:off x="2438401" y="3304808"/>
+            <a:off x="2471957" y="3745037"/>
             <a:ext cx="3965331" cy="696486"/>
           </a:xfrm>
           <a:prstGeom prst="rect">
@@ -9884,7 +9637,7 @@
         </p:nvSpPr>
         <p:spPr>
           <a:xfrm>
-            <a:off x="2438400" y="4001294"/>
+            <a:off x="2471956" y="4441523"/>
             <a:ext cx="7315200" cy="860852"/>
           </a:xfrm>
           <a:prstGeom prst="rect">
@@ -9930,7 +9683,7 @@
         </p:nvSpPr>
         <p:spPr>
           <a:xfrm>
-            <a:off x="2438401" y="4875882"/>
+            <a:off x="2471957" y="5316111"/>
             <a:ext cx="5011615" cy="860852"/>
           </a:xfrm>
           <a:prstGeom prst="rect">
@@ -10236,9 +9989,6 @@
             </a:r>
           </a:p>
           <a:p>
-            <a:endParaRPr lang="en-US" dirty="0"/>
-          </a:p>
-          <a:p>
             <a:endParaRPr lang="en-US" dirty="0" smtClean="0"/>
           </a:p>
           <a:p>
@@ -10246,9 +9996,6 @@
               <a:rPr lang="en-US" dirty="0" smtClean="0"/>
               <a:t>Make it executable and run it for a usage message:</a:t>
             </a:r>
-          </a:p>
-          <a:p>
-            <a:endParaRPr lang="en-US" dirty="0"/>
           </a:p>
           <a:p>
             <a:endParaRPr lang="en-US" dirty="0" smtClean="0"/>
@@ -10277,7 +10024,7 @@
         </p:blipFill>
         <p:spPr>
           <a:xfrm>
-            <a:off x="5021873" y="2645752"/>
+            <a:off x="5013484" y="2822875"/>
             <a:ext cx="1638300" cy="247650"/>
           </a:xfrm>
           <a:prstGeom prst="rect">
@@ -10301,7 +10048,7 @@
         </p:blipFill>
         <p:spPr>
           <a:xfrm>
-            <a:off x="4071938" y="3835096"/>
+            <a:off x="3971270" y="3725558"/>
             <a:ext cx="4048125" cy="466725"/>
           </a:xfrm>
           <a:prstGeom prst="rect">
@@ -10317,8 +10064,8 @@
         </p:nvSpPr>
         <p:spPr>
           <a:xfrm>
-            <a:off x="3379177" y="5314042"/>
-            <a:ext cx="6268916" cy="1200329"/>
+            <a:off x="2514600" y="5314042"/>
+            <a:ext cx="7133493" cy="1323439"/>
           </a:xfrm>
           <a:prstGeom prst="rect">
             <a:avLst/>
@@ -10336,7 +10083,7 @@
               <a:buChar char="•"/>
             </a:pPr>
             <a:r>
-              <a:rPr lang="en-US" dirty="0"/>
+              <a:rPr lang="en-US" sz="2000" dirty="0"/>
               <a:t>Tell the script “y” to create a new file</a:t>
             </a:r>
           </a:p>
@@ -10346,7 +10093,7 @@
               <a:buChar char="•"/>
             </a:pPr>
             <a:r>
-              <a:rPr lang="en-US" dirty="0"/>
+              <a:rPr lang="en-US" sz="2000" dirty="0"/>
               <a:t>Run the script with the name of the file you just created</a:t>
             </a:r>
           </a:p>
@@ -10356,10 +10103,9 @@
               <a:buChar char="•"/>
             </a:pPr>
             <a:r>
-              <a:rPr lang="en-US" dirty="0"/>
+              <a:rPr lang="en-US" sz="2000" dirty="0"/>
               <a:t>Give the script a new file name, but prevent it from running! (that’s mean!)</a:t>
             </a:r>
-            <a:endParaRPr lang="en-US" dirty="0"/>
           </a:p>
         </p:txBody>
       </p:sp>
@@ -10409,7 +10155,7 @@
                                         <p:tgtEl>
                                           <p:spTgt spid="3">
                                             <p:txEl>
-                                              <p:pRg st="6" end="6"/>
+                                              <p:pRg st="4" end="4"/>
                                             </p:txEl>
                                           </p:spTgt>
                                         </p:tgtEl>
@@ -10643,12 +10389,24 @@
           <a:lstStyle/>
           <a:p>
             <a:r>
-              <a:rPr lang="en-US" dirty="0" err="1" smtClean="0"/>
-              <a:t>Slurm</a:t>
-            </a:r>
-            <a:r>
-              <a:rPr lang="en-US" dirty="0" smtClean="0"/>
-              <a:t> commands</a:t>
+              <a:rPr lang="en-US" dirty="0" smtClean="0"/>
+              <a:t>What is </a:t>
+            </a:r>
+            <a:r>
+              <a:rPr lang="en-US" dirty="0" smtClean="0"/>
+              <a:t>an HPC? </a:t>
+            </a:r>
+            <a:r>
+              <a:rPr lang="en-US" dirty="0" smtClean="0"/>
+              <a:t>Organization of </a:t>
+            </a:r>
+            <a:r>
+              <a:rPr lang="en-US" dirty="0" smtClean="0"/>
+              <a:t>a </a:t>
+            </a:r>
+            <a:r>
+              <a:rPr lang="en-US" dirty="0" smtClean="0"/>
+              <a:t>cluster</a:t>
             </a:r>
             <a:endParaRPr lang="en-US" dirty="0"/>
           </a:p>
@@ -10664,317 +10422,411 @@
             <p:ph idx="1"/>
           </p:nvPr>
         </p:nvSpPr>
-        <p:spPr/>
+        <p:spPr>
+          <a:xfrm>
+            <a:off x="509953" y="1690689"/>
+            <a:ext cx="11359661" cy="3074192"/>
+          </a:xfrm>
+        </p:spPr>
         <p:txBody>
-          <a:bodyPr/>
+          <a:bodyPr>
+            <a:normAutofit fontScale="92500" lnSpcReduction="10000"/>
+          </a:bodyPr>
           <a:lstStyle/>
           <a:p>
             <a:r>
               <a:rPr lang="en-US" dirty="0" smtClean="0"/>
-              <a:t>These are the most important </a:t>
+              <a:t>Its very hard to buy a huge, honking computer to handle large tasks! There are big limitations to connecting processors, ram and storage under one unified system. </a:t>
+            </a:r>
+          </a:p>
+          <a:p>
+            <a:r>
+              <a:rPr lang="en-US" dirty="0" smtClean="0"/>
+              <a:t>Connecting multiple servers together is cheaper and easier to maintain over the </a:t>
             </a:r>
             <a:r>
               <a:rPr lang="en-US" dirty="0" err="1" smtClean="0"/>
-              <a:t>slurm</a:t>
-            </a:r>
-            <a:r>
-              <a:rPr lang="en-US" dirty="0" smtClean="0"/>
-              <a:t> commands for you to remember:</a:t>
+              <a:t>longrun</a:t>
+            </a:r>
+            <a:r>
+              <a:rPr lang="en-US" dirty="0" smtClean="0"/>
+              <a:t>. </a:t>
+            </a:r>
+          </a:p>
+          <a:p>
+            <a:r>
+              <a:rPr lang="en-US" dirty="0" smtClean="0"/>
+              <a:t>So, in order to do this, you need a central, or “head node” that handles user login and runs a job scheduler to manage tasks. Here’s how the system is set up on </a:t>
+            </a:r>
+            <a:r>
+              <a:rPr lang="en-US" dirty="0" smtClean="0"/>
+              <a:t>a typical </a:t>
+            </a:r>
+            <a:r>
+              <a:rPr lang="en-US" dirty="0" err="1" smtClean="0"/>
+              <a:t>hpc</a:t>
+            </a:r>
+            <a:r>
+              <a:rPr lang="en-US" dirty="0" smtClean="0"/>
+              <a:t>:</a:t>
             </a:r>
             <a:endParaRPr lang="en-US" dirty="0"/>
           </a:p>
         </p:txBody>
       </p:sp>
-      <p:graphicFrame>
-        <p:nvGraphicFramePr>
-          <p:cNvPr id="4" name="Table 3"/>
-          <p:cNvGraphicFramePr>
-            <a:graphicFrameLocks noGrp="1"/>
-          </p:cNvGraphicFramePr>
-          <p:nvPr>
-            <p:extLst/>
-          </p:nvPr>
-        </p:nvGraphicFramePr>
-        <p:xfrm>
-          <a:off x="2757055" y="2606963"/>
-          <a:ext cx="6096000" cy="2758440"/>
-        </p:xfrm>
-        <a:graphic>
-          <a:graphicData uri="http://schemas.openxmlformats.org/drawingml/2006/table">
-            <a:tbl>
-              <a:tblPr firstRow="1" bandRow="1">
-                <a:tableStyleId>{073A0DAA-6AF3-43AB-8588-CEC1D06C72B9}</a:tableStyleId>
-              </a:tblPr>
-              <a:tblGrid>
-                <a:gridCol w="1925781">
-                  <a:extLst>
-                    <a:ext uri="{9D8B030D-6E8A-4147-A177-3AD203B41FA5}">
-                      <a16:colId xmlns:a16="http://schemas.microsoft.com/office/drawing/2014/main" val="1473322880"/>
-                    </a:ext>
-                  </a:extLst>
-                </a:gridCol>
-                <a:gridCol w="4170219">
-                  <a:extLst>
-                    <a:ext uri="{9D8B030D-6E8A-4147-A177-3AD203B41FA5}">
-                      <a16:colId xmlns:a16="http://schemas.microsoft.com/office/drawing/2014/main" val="1744658554"/>
-                    </a:ext>
-                  </a:extLst>
-                </a:gridCol>
-              </a:tblGrid>
-              <a:tr h="0">
-                <a:tc>
-                  <a:txBody>
-                    <a:bodyPr/>
-                    <a:lstStyle/>
-                    <a:p>
-                      <a:r>
-                        <a:rPr lang="en-US" sz="1800" dirty="0" smtClean="0"/>
-                        <a:t>Command</a:t>
-                      </a:r>
-                      <a:endParaRPr lang="en-US" sz="1800" dirty="0"/>
-                    </a:p>
-                  </a:txBody>
-                  <a:tcPr/>
-                </a:tc>
-                <a:tc>
-                  <a:txBody>
-                    <a:bodyPr/>
-                    <a:lstStyle/>
-                    <a:p>
-                      <a:r>
-                        <a:rPr lang="en-US" sz="1800" dirty="0" smtClean="0"/>
-                        <a:t>Description</a:t>
-                      </a:r>
-                      <a:endParaRPr lang="en-US" sz="1800" dirty="0"/>
-                    </a:p>
-                  </a:txBody>
-                  <a:tcPr/>
-                </a:tc>
-                <a:extLst>
-                  <a:ext uri="{0D108BD9-81ED-4DB2-BD59-A6C34878D82A}">
-                    <a16:rowId xmlns:a16="http://schemas.microsoft.com/office/drawing/2014/main" val="2215671401"/>
-                  </a:ext>
-                </a:extLst>
-              </a:tr>
-              <a:tr h="370840">
-                <a:tc>
-                  <a:txBody>
-                    <a:bodyPr/>
-                    <a:lstStyle/>
-                    <a:p>
-                      <a:r>
-                        <a:rPr lang="en-US" sz="1800" dirty="0" err="1" smtClean="0"/>
-                        <a:t>sinfo</a:t>
-                      </a:r>
-                      <a:endParaRPr lang="en-US" sz="1800" dirty="0"/>
-                    </a:p>
-                  </a:txBody>
-                  <a:tcPr/>
-                </a:tc>
-                <a:tc>
-                  <a:txBody>
-                    <a:bodyPr/>
-                    <a:lstStyle/>
-                    <a:p>
-                      <a:r>
-                        <a:rPr lang="en-US" sz="1800" dirty="0" smtClean="0"/>
-                        <a:t>The nodes and partitions</a:t>
-                      </a:r>
-                      <a:r>
-                        <a:rPr lang="en-US" sz="1800" baseline="0" dirty="0" smtClean="0"/>
-                        <a:t> that are available for use</a:t>
-                      </a:r>
-                      <a:endParaRPr lang="en-US" sz="1800" dirty="0"/>
-                    </a:p>
-                  </a:txBody>
-                  <a:tcPr/>
-                </a:tc>
-                <a:extLst>
-                  <a:ext uri="{0D108BD9-81ED-4DB2-BD59-A6C34878D82A}">
-                    <a16:rowId xmlns:a16="http://schemas.microsoft.com/office/drawing/2014/main" val="3086480027"/>
-                  </a:ext>
-                </a:extLst>
-              </a:tr>
-              <a:tr h="370840">
-                <a:tc>
-                  <a:txBody>
-                    <a:bodyPr/>
-                    <a:lstStyle/>
-                    <a:p>
-                      <a:r>
-                        <a:rPr lang="en-US" sz="1800" dirty="0" err="1" smtClean="0"/>
-                        <a:t>squeue</a:t>
-                      </a:r>
-                      <a:endParaRPr lang="en-US" sz="1800" dirty="0"/>
-                    </a:p>
-                  </a:txBody>
-                  <a:tcPr/>
-                </a:tc>
-                <a:tc>
-                  <a:txBody>
-                    <a:bodyPr/>
-                    <a:lstStyle/>
-                    <a:p>
-                      <a:r>
-                        <a:rPr lang="en-US" sz="1800" dirty="0" smtClean="0"/>
-                        <a:t>The</a:t>
-                      </a:r>
-                      <a:r>
-                        <a:rPr lang="en-US" sz="1800" baseline="0" dirty="0" smtClean="0"/>
-                        <a:t> currently queued tasks on the cluster</a:t>
-                      </a:r>
-                      <a:endParaRPr lang="en-US" sz="1800" dirty="0"/>
-                    </a:p>
-                  </a:txBody>
-                  <a:tcPr/>
-                </a:tc>
-                <a:extLst>
-                  <a:ext uri="{0D108BD9-81ED-4DB2-BD59-A6C34878D82A}">
-                    <a16:rowId xmlns:a16="http://schemas.microsoft.com/office/drawing/2014/main" val="1474195463"/>
-                  </a:ext>
-                </a:extLst>
-              </a:tr>
-              <a:tr h="370840">
-                <a:tc>
-                  <a:txBody>
-                    <a:bodyPr/>
-                    <a:lstStyle/>
-                    <a:p>
-                      <a:r>
-                        <a:rPr lang="en-US" sz="1800" dirty="0" err="1" smtClean="0"/>
-                        <a:t>scancel</a:t>
-                      </a:r>
-                      <a:r>
-                        <a:rPr lang="en-US" sz="1800" baseline="0" dirty="0" smtClean="0"/>
-                        <a:t> (</a:t>
-                      </a:r>
-                      <a:r>
-                        <a:rPr lang="en-US" sz="1800" baseline="0" dirty="0" err="1" smtClean="0"/>
-                        <a:t>jobID</a:t>
-                      </a:r>
-                      <a:r>
-                        <a:rPr lang="en-US" sz="1800" baseline="0" dirty="0" smtClean="0"/>
-                        <a:t>)</a:t>
-                      </a:r>
-                      <a:endParaRPr lang="en-US" sz="1800" dirty="0"/>
-                    </a:p>
-                  </a:txBody>
-                  <a:tcPr/>
-                </a:tc>
-                <a:tc>
-                  <a:txBody>
-                    <a:bodyPr/>
-                    <a:lstStyle/>
-                    <a:p>
-                      <a:r>
-                        <a:rPr lang="en-US" sz="1800" dirty="0" smtClean="0"/>
-                        <a:t>A</a:t>
-                      </a:r>
-                      <a:r>
-                        <a:rPr lang="en-US" sz="1800" baseline="0" dirty="0" smtClean="0"/>
-                        <a:t> tool to cancel a job (use </a:t>
-                      </a:r>
-                      <a:r>
-                        <a:rPr lang="en-US" sz="1800" baseline="0" dirty="0" err="1" smtClean="0"/>
-                        <a:t>squeue</a:t>
-                      </a:r>
-                      <a:r>
-                        <a:rPr lang="en-US" sz="1800" baseline="0" dirty="0" smtClean="0"/>
-                        <a:t> to find out the job ID)</a:t>
-                      </a:r>
-                      <a:endParaRPr lang="en-US" sz="1800" dirty="0"/>
-                    </a:p>
-                  </a:txBody>
-                  <a:tcPr/>
-                </a:tc>
-                <a:extLst>
-                  <a:ext uri="{0D108BD9-81ED-4DB2-BD59-A6C34878D82A}">
-                    <a16:rowId xmlns:a16="http://schemas.microsoft.com/office/drawing/2014/main" val="963802719"/>
-                  </a:ext>
-                </a:extLst>
-              </a:tr>
-              <a:tr h="370840">
-                <a:tc>
-                  <a:txBody>
-                    <a:bodyPr/>
-                    <a:lstStyle/>
-                    <a:p>
-                      <a:r>
-                        <a:rPr lang="en-US" sz="1800" dirty="0" err="1" smtClean="0"/>
-                        <a:t>sbatch</a:t>
-                      </a:r>
-                      <a:endParaRPr lang="en-US" sz="1800" dirty="0"/>
-                    </a:p>
-                  </a:txBody>
-                  <a:tcPr/>
-                </a:tc>
-                <a:tc>
-                  <a:txBody>
-                    <a:bodyPr/>
-                    <a:lstStyle/>
-                    <a:p>
-                      <a:r>
-                        <a:rPr lang="en-US" sz="1800" dirty="0" smtClean="0"/>
-                        <a:t>Non-interactive job submission</a:t>
-                      </a:r>
-                      <a:endParaRPr lang="en-US" sz="1800" dirty="0"/>
-                    </a:p>
-                  </a:txBody>
-                  <a:tcPr/>
-                </a:tc>
-                <a:extLst>
-                  <a:ext uri="{0D108BD9-81ED-4DB2-BD59-A6C34878D82A}">
-                    <a16:rowId xmlns:a16="http://schemas.microsoft.com/office/drawing/2014/main" val="2754597354"/>
-                  </a:ext>
-                </a:extLst>
-              </a:tr>
-              <a:tr h="370840">
-                <a:tc>
-                  <a:txBody>
-                    <a:bodyPr/>
-                    <a:lstStyle/>
-                    <a:p>
-                      <a:r>
-                        <a:rPr lang="en-US" sz="1800" dirty="0" err="1" smtClean="0"/>
-                        <a:t>srun</a:t>
-                      </a:r>
-                      <a:endParaRPr lang="en-US" sz="1800" dirty="0"/>
-                    </a:p>
-                  </a:txBody>
-                  <a:tcPr/>
-                </a:tc>
-                <a:tc>
-                  <a:txBody>
-                    <a:bodyPr/>
-                    <a:lstStyle/>
-                    <a:p>
-                      <a:r>
-                        <a:rPr lang="en-US" sz="1800" dirty="0" smtClean="0"/>
-                        <a:t>Interactive</a:t>
-                      </a:r>
-                      <a:r>
-                        <a:rPr lang="en-US" sz="1800" baseline="0" dirty="0" smtClean="0"/>
-                        <a:t> job request</a:t>
-                      </a:r>
-                      <a:endParaRPr lang="en-US" sz="1800" dirty="0"/>
-                    </a:p>
-                  </a:txBody>
-                  <a:tcPr/>
-                </a:tc>
-                <a:extLst>
-                  <a:ext uri="{0D108BD9-81ED-4DB2-BD59-A6C34878D82A}">
-                    <a16:rowId xmlns:a16="http://schemas.microsoft.com/office/drawing/2014/main" val="3886221469"/>
-                  </a:ext>
-                </a:extLst>
-              </a:tr>
-            </a:tbl>
-          </a:graphicData>
-        </a:graphic>
-      </p:graphicFrame>
+      <p:grpSp>
+        <p:nvGrpSpPr>
+          <p:cNvPr id="11" name="Group 10"/>
+          <p:cNvGrpSpPr/>
+          <p:nvPr/>
+        </p:nvGrpSpPr>
+        <p:grpSpPr>
+          <a:xfrm>
+            <a:off x="2306516" y="4461164"/>
+            <a:ext cx="4253345" cy="2202872"/>
+            <a:chOff x="1371600" y="4461164"/>
+            <a:chExt cx="4253345" cy="2202872"/>
+          </a:xfrm>
+        </p:grpSpPr>
+        <p:sp>
+          <p:nvSpPr>
+            <p:cNvPr id="9" name="Rectangle 8"/>
+            <p:cNvSpPr/>
+            <p:nvPr/>
+          </p:nvSpPr>
+          <p:spPr>
+            <a:xfrm>
+              <a:off x="1371600" y="4461164"/>
+              <a:ext cx="4253345" cy="2202872"/>
+            </a:xfrm>
+            <a:prstGeom prst="rect">
+              <a:avLst/>
+            </a:prstGeom>
+          </p:spPr>
+          <p:style>
+            <a:lnRef idx="1">
+              <a:schemeClr val="accent4"/>
+            </a:lnRef>
+            <a:fillRef idx="2">
+              <a:schemeClr val="accent4"/>
+            </a:fillRef>
+            <a:effectRef idx="1">
+              <a:schemeClr val="accent4"/>
+            </a:effectRef>
+            <a:fontRef idx="minor">
+              <a:schemeClr val="dk1"/>
+            </a:fontRef>
+          </p:style>
+          <p:txBody>
+            <a:bodyPr rtlCol="0" anchor="ctr"/>
+            <a:lstStyle/>
+            <a:p>
+              <a:pPr algn="ctr"/>
+              <a:endParaRPr lang="en-US"/>
+            </a:p>
+          </p:txBody>
+        </p:sp>
+        <p:sp>
+          <p:nvSpPr>
+            <p:cNvPr id="4" name="Snip Diagonal Corner Rectangle 3"/>
+            <p:cNvSpPr/>
+            <p:nvPr/>
+          </p:nvSpPr>
+          <p:spPr>
+            <a:xfrm>
+              <a:off x="1572491" y="4598628"/>
+              <a:ext cx="1620982" cy="775854"/>
+            </a:xfrm>
+            <a:prstGeom prst="snip2DiagRect">
+              <a:avLst/>
+            </a:prstGeom>
+          </p:spPr>
+          <p:style>
+            <a:lnRef idx="2">
+              <a:schemeClr val="dk1">
+                <a:shade val="50000"/>
+              </a:schemeClr>
+            </a:lnRef>
+            <a:fillRef idx="1">
+              <a:schemeClr val="dk1"/>
+            </a:fillRef>
+            <a:effectRef idx="0">
+              <a:schemeClr val="dk1"/>
+            </a:effectRef>
+            <a:fontRef idx="minor">
+              <a:schemeClr val="lt1"/>
+            </a:fontRef>
+          </p:style>
+          <p:txBody>
+            <a:bodyPr rtlCol="0" anchor="ctr"/>
+            <a:lstStyle/>
+            <a:p>
+              <a:pPr algn="ctr"/>
+              <a:r>
+                <a:rPr lang="en-US" dirty="0"/>
+                <a:t>HEAD NODE</a:t>
+              </a:r>
+              <a:endParaRPr lang="en-US" dirty="0"/>
+            </a:p>
+          </p:txBody>
+        </p:sp>
+        <p:sp>
+          <p:nvSpPr>
+            <p:cNvPr id="5" name="Flowchart: Multidocument 4"/>
+            <p:cNvSpPr/>
+            <p:nvPr/>
+          </p:nvSpPr>
+          <p:spPr>
+            <a:xfrm>
+              <a:off x="3532909" y="4461164"/>
+              <a:ext cx="1787236" cy="1163781"/>
+            </a:xfrm>
+            <a:prstGeom prst="flowChartMultidocument">
+              <a:avLst/>
+            </a:prstGeom>
+          </p:spPr>
+          <p:style>
+            <a:lnRef idx="2">
+              <a:schemeClr val="accent3">
+                <a:shade val="50000"/>
+              </a:schemeClr>
+            </a:lnRef>
+            <a:fillRef idx="1">
+              <a:schemeClr val="accent3"/>
+            </a:fillRef>
+            <a:effectRef idx="0">
+              <a:schemeClr val="accent3"/>
+            </a:effectRef>
+            <a:fontRef idx="minor">
+              <a:schemeClr val="lt1"/>
+            </a:fontRef>
+          </p:style>
+          <p:txBody>
+            <a:bodyPr rtlCol="0" anchor="ctr"/>
+            <a:lstStyle/>
+            <a:p>
+              <a:pPr algn="ctr"/>
+              <a:endParaRPr lang="en-US"/>
+            </a:p>
+          </p:txBody>
+        </p:sp>
+        <p:sp>
+          <p:nvSpPr>
+            <p:cNvPr id="7" name="Flowchart: Multidocument 6"/>
+            <p:cNvSpPr/>
+            <p:nvPr/>
+          </p:nvSpPr>
+          <p:spPr>
+            <a:xfrm>
+              <a:off x="3532909" y="4890654"/>
+              <a:ext cx="1787236" cy="1163781"/>
+            </a:xfrm>
+            <a:prstGeom prst="flowChartMultidocument">
+              <a:avLst/>
+            </a:prstGeom>
+          </p:spPr>
+          <p:style>
+            <a:lnRef idx="2">
+              <a:schemeClr val="accent3">
+                <a:shade val="50000"/>
+              </a:schemeClr>
+            </a:lnRef>
+            <a:fillRef idx="1">
+              <a:schemeClr val="accent3"/>
+            </a:fillRef>
+            <a:effectRef idx="0">
+              <a:schemeClr val="accent3"/>
+            </a:effectRef>
+            <a:fontRef idx="minor">
+              <a:schemeClr val="lt1"/>
+            </a:fontRef>
+          </p:style>
+          <p:txBody>
+            <a:bodyPr rtlCol="0" anchor="ctr"/>
+            <a:lstStyle/>
+            <a:p>
+              <a:pPr algn="ctr"/>
+              <a:endParaRPr lang="en-US"/>
+            </a:p>
+          </p:txBody>
+        </p:sp>
+        <p:sp>
+          <p:nvSpPr>
+            <p:cNvPr id="6" name="Flowchart: Multidocument 5"/>
+            <p:cNvSpPr/>
+            <p:nvPr/>
+          </p:nvSpPr>
+          <p:spPr>
+            <a:xfrm>
+              <a:off x="3532909" y="5374482"/>
+              <a:ext cx="1787236" cy="1163781"/>
+            </a:xfrm>
+            <a:prstGeom prst="flowChartMultidocument">
+              <a:avLst/>
+            </a:prstGeom>
+          </p:spPr>
+          <p:style>
+            <a:lnRef idx="2">
+              <a:schemeClr val="accent3">
+                <a:shade val="50000"/>
+              </a:schemeClr>
+            </a:lnRef>
+            <a:fillRef idx="1">
+              <a:schemeClr val="accent3"/>
+            </a:fillRef>
+            <a:effectRef idx="0">
+              <a:schemeClr val="accent3"/>
+            </a:effectRef>
+            <a:fontRef idx="minor">
+              <a:schemeClr val="lt1"/>
+            </a:fontRef>
+          </p:style>
+          <p:txBody>
+            <a:bodyPr rtlCol="0" anchor="ctr"/>
+            <a:lstStyle/>
+            <a:p>
+              <a:pPr algn="ctr"/>
+              <a:r>
+                <a:rPr lang="en-US" dirty="0"/>
+                <a:t>Other NODES</a:t>
+              </a:r>
+              <a:endParaRPr lang="en-US" dirty="0"/>
+            </a:p>
+          </p:txBody>
+        </p:sp>
+        <p:sp>
+          <p:nvSpPr>
+            <p:cNvPr id="10" name="TextBox 9"/>
+            <p:cNvSpPr txBox="1"/>
+            <p:nvPr/>
+          </p:nvSpPr>
+          <p:spPr>
+            <a:xfrm>
+              <a:off x="1639028" y="5956372"/>
+              <a:ext cx="1487908" cy="369332"/>
+            </a:xfrm>
+            <a:prstGeom prst="rect">
+              <a:avLst/>
+            </a:prstGeom>
+            <a:noFill/>
+          </p:spPr>
+          <p:txBody>
+            <a:bodyPr wrap="none" rtlCol="0">
+              <a:spAutoFit/>
+            </a:bodyPr>
+            <a:lstStyle/>
+            <a:p>
+              <a:r>
+                <a:rPr lang="en-US" dirty="0"/>
+                <a:t>Job Scheduler</a:t>
+              </a:r>
+              <a:endParaRPr lang="en-US" dirty="0"/>
+            </a:p>
+          </p:txBody>
+        </p:sp>
+      </p:grpSp>
+      <p:grpSp>
+        <p:nvGrpSpPr>
+          <p:cNvPr id="13" name="Group 12"/>
+          <p:cNvGrpSpPr/>
+          <p:nvPr/>
+        </p:nvGrpSpPr>
+        <p:grpSpPr>
+          <a:xfrm>
+            <a:off x="7148945" y="4461164"/>
+            <a:ext cx="3027218" cy="2202872"/>
+            <a:chOff x="5624945" y="4461164"/>
+            <a:chExt cx="3027218" cy="2202872"/>
+          </a:xfrm>
+        </p:grpSpPr>
+        <p:sp>
+          <p:nvSpPr>
+            <p:cNvPr id="8" name="Flowchart: Magnetic Disk 7"/>
+            <p:cNvSpPr/>
+            <p:nvPr/>
+          </p:nvSpPr>
+          <p:spPr>
+            <a:xfrm>
+              <a:off x="6241472" y="4461164"/>
+              <a:ext cx="2410691" cy="2077099"/>
+            </a:xfrm>
+            <a:prstGeom prst="flowChartMagneticDisk">
+              <a:avLst/>
+            </a:prstGeom>
+          </p:spPr>
+          <p:style>
+            <a:lnRef idx="2">
+              <a:schemeClr val="accent1">
+                <a:shade val="50000"/>
+              </a:schemeClr>
+            </a:lnRef>
+            <a:fillRef idx="1">
+              <a:schemeClr val="accent1"/>
+            </a:fillRef>
+            <a:effectRef idx="0">
+              <a:schemeClr val="accent1"/>
+            </a:effectRef>
+            <a:fontRef idx="minor">
+              <a:schemeClr val="lt1"/>
+            </a:fontRef>
+          </p:style>
+          <p:txBody>
+            <a:bodyPr rtlCol="0" anchor="ctr"/>
+            <a:lstStyle/>
+            <a:p>
+              <a:pPr algn="ctr"/>
+              <a:r>
+                <a:rPr lang="en-US" sz="2400" dirty="0"/>
+                <a:t>Shared Storage</a:t>
+              </a:r>
+              <a:endParaRPr lang="en-US" dirty="0"/>
+            </a:p>
+          </p:txBody>
+        </p:sp>
+        <p:sp>
+          <p:nvSpPr>
+            <p:cNvPr id="12" name="Right Brace 11"/>
+            <p:cNvSpPr/>
+            <p:nvPr/>
+          </p:nvSpPr>
+          <p:spPr>
+            <a:xfrm>
+              <a:off x="5624945" y="4461164"/>
+              <a:ext cx="374073" cy="2202872"/>
+            </a:xfrm>
+            <a:prstGeom prst="rightBrace">
+              <a:avLst/>
+            </a:prstGeom>
+            <a:ln w="19050"/>
+          </p:spPr>
+          <p:style>
+            <a:lnRef idx="1">
+              <a:schemeClr val="dk1"/>
+            </a:lnRef>
+            <a:fillRef idx="0">
+              <a:schemeClr val="dk1"/>
+            </a:fillRef>
+            <a:effectRef idx="0">
+              <a:schemeClr val="dk1"/>
+            </a:effectRef>
+            <a:fontRef idx="minor">
+              <a:schemeClr val="tx1"/>
+            </a:fontRef>
+          </p:style>
+          <p:txBody>
+            <a:bodyPr rtlCol="0" anchor="ctr"/>
+            <a:lstStyle/>
+            <a:p>
+              <a:pPr algn="ctr"/>
+              <a:endParaRPr lang="en-US"/>
+            </a:p>
+          </p:txBody>
+        </p:sp>
+      </p:grpSp>
     </p:spTree>
     <p:extLst>
       <p:ext uri="{BB962C8B-B14F-4D97-AF65-F5344CB8AC3E}">
-        <p14:creationId xmlns:p14="http://schemas.microsoft.com/office/powerpoint/2010/main" val="3096986543"/>
+        <p14:creationId xmlns:p14="http://schemas.microsoft.com/office/powerpoint/2010/main" val="3602044681"/>
       </p:ext>
     </p:extLst>
   </p:cSld>
@@ -10984,7 +10836,151 @@
   <p:timing>
     <p:tnLst>
       <p:par>
-        <p:cTn id="1" dur="indefinite" restart="never" nodeType="tmRoot"/>
+        <p:cTn id="1" dur="indefinite" restart="never" nodeType="tmRoot">
+          <p:childTnLst>
+            <p:seq concurrent="1" nextAc="seek">
+              <p:cTn id="2" dur="indefinite" nodeType="mainSeq">
+                <p:childTnLst>
+                  <p:par>
+                    <p:cTn id="3" fill="hold">
+                      <p:stCondLst>
+                        <p:cond delay="indefinite"/>
+                      </p:stCondLst>
+                      <p:childTnLst>
+                        <p:par>
+                          <p:cTn id="4" fill="hold">
+                            <p:stCondLst>
+                              <p:cond delay="0"/>
+                            </p:stCondLst>
+                            <p:childTnLst>
+                              <p:par>
+                                <p:cTn id="5" presetID="1" presetClass="entr" presetSubtype="0" fill="hold" nodeType="clickEffect">
+                                  <p:stCondLst>
+                                    <p:cond delay="0"/>
+                                  </p:stCondLst>
+                                  <p:childTnLst>
+                                    <p:set>
+                                      <p:cBhvr>
+                                        <p:cTn id="6" dur="1" fill="hold">
+                                          <p:stCondLst>
+                                            <p:cond delay="0"/>
+                                          </p:stCondLst>
+                                        </p:cTn>
+                                        <p:tgtEl>
+                                          <p:spTgt spid="3">
+                                            <p:txEl>
+                                              <p:pRg st="2" end="2"/>
+                                            </p:txEl>
+                                          </p:spTgt>
+                                        </p:tgtEl>
+                                        <p:attrNameLst>
+                                          <p:attrName>style.visibility</p:attrName>
+                                        </p:attrNameLst>
+                                      </p:cBhvr>
+                                      <p:to>
+                                        <p:strVal val="visible"/>
+                                      </p:to>
+                                    </p:set>
+                                  </p:childTnLst>
+                                </p:cTn>
+                              </p:par>
+                              <p:par>
+                                <p:cTn id="7" presetID="1" presetClass="entr" presetSubtype="0" fill="hold" nodeType="withEffect">
+                                  <p:stCondLst>
+                                    <p:cond delay="0"/>
+                                  </p:stCondLst>
+                                  <p:childTnLst>
+                                    <p:set>
+                                      <p:cBhvr>
+                                        <p:cTn id="8" dur="1" fill="hold">
+                                          <p:stCondLst>
+                                            <p:cond delay="0"/>
+                                          </p:stCondLst>
+                                        </p:cTn>
+                                        <p:tgtEl>
+                                          <p:spTgt spid="11"/>
+                                        </p:tgtEl>
+                                        <p:attrNameLst>
+                                          <p:attrName>style.visibility</p:attrName>
+                                        </p:attrNameLst>
+                                      </p:cBhvr>
+                                      <p:to>
+                                        <p:strVal val="visible"/>
+                                      </p:to>
+                                    </p:set>
+                                  </p:childTnLst>
+                                </p:cTn>
+                              </p:par>
+                            </p:childTnLst>
+                          </p:cTn>
+                        </p:par>
+                      </p:childTnLst>
+                    </p:cTn>
+                  </p:par>
+                  <p:par>
+                    <p:cTn id="9" fill="hold">
+                      <p:stCondLst>
+                        <p:cond delay="indefinite"/>
+                      </p:stCondLst>
+                      <p:childTnLst>
+                        <p:par>
+                          <p:cTn id="10" fill="hold">
+                            <p:stCondLst>
+                              <p:cond delay="0"/>
+                            </p:stCondLst>
+                            <p:childTnLst>
+                              <p:par>
+                                <p:cTn id="11" presetID="1" presetClass="entr" presetSubtype="0" fill="hold" nodeType="clickEffect">
+                                  <p:stCondLst>
+                                    <p:cond delay="0"/>
+                                  </p:stCondLst>
+                                  <p:childTnLst>
+                                    <p:set>
+                                      <p:cBhvr>
+                                        <p:cTn id="12" dur="1" fill="hold">
+                                          <p:stCondLst>
+                                            <p:cond delay="0"/>
+                                          </p:stCondLst>
+                                        </p:cTn>
+                                        <p:tgtEl>
+                                          <p:spTgt spid="13"/>
+                                        </p:tgtEl>
+                                        <p:attrNameLst>
+                                          <p:attrName>style.visibility</p:attrName>
+                                        </p:attrNameLst>
+                                      </p:cBhvr>
+                                      <p:to>
+                                        <p:strVal val="visible"/>
+                                      </p:to>
+                                    </p:set>
+                                  </p:childTnLst>
+                                </p:cTn>
+                              </p:par>
+                            </p:childTnLst>
+                          </p:cTn>
+                        </p:par>
+                      </p:childTnLst>
+                    </p:cTn>
+                  </p:par>
+                </p:childTnLst>
+              </p:cTn>
+              <p:prevCondLst>
+                <p:cond evt="onPrev" delay="0">
+                  <p:tgtEl>
+                    <p:sldTgt/>
+                  </p:tgtEl>
+                </p:cond>
+              </p:prevCondLst>
+              <p:nextCondLst>
+                <p:cond evt="onNext" delay="0">
+                  <p:tgtEl>
+                    <p:sldTgt/>
+                  </p:tgtEl>
+                </p:cond>
+              </p:nextCondLst>
+            </p:seq>
+          </p:childTnLst>
+        </p:cTn>
       </p:par>
     </p:tnLst>
   </p:timing>
@@ -11025,423 +11021,102 @@
           <a:p>
             <a:r>
               <a:rPr lang="en-US" dirty="0" smtClean="0"/>
-              <a:t>Important resources in SBATCH and SRUN</a:t>
+              <a:t>Working on Ceres: the head node</a:t>
             </a:r>
             <a:endParaRPr lang="en-US" dirty="0"/>
           </a:p>
         </p:txBody>
       </p:sp>
-      <p:graphicFrame>
-        <p:nvGraphicFramePr>
-          <p:cNvPr id="4" name="Content Placeholder 3"/>
-          <p:cNvGraphicFramePr>
-            <a:graphicFrameLocks noGrp="1"/>
-          </p:cNvGraphicFramePr>
+      <p:sp>
+        <p:nvSpPr>
+          <p:cNvPr id="3" name="Content Placeholder 2"/>
+          <p:cNvSpPr>
+            <a:spLocks noGrp="1"/>
+          </p:cNvSpPr>
           <p:nvPr>
             <p:ph idx="1"/>
-            <p:extLst/>
           </p:nvPr>
-        </p:nvGraphicFramePr>
-        <p:xfrm>
-          <a:off x="2152650" y="1825625"/>
-          <a:ext cx="7886700" cy="3672840"/>
-        </p:xfrm>
-        <a:graphic>
-          <a:graphicData uri="http://schemas.openxmlformats.org/drawingml/2006/table">
-            <a:tbl>
-              <a:tblPr firstRow="1" bandRow="1">
-                <a:tableStyleId>{073A0DAA-6AF3-43AB-8588-CEC1D06C72B9}</a:tableStyleId>
-              </a:tblPr>
-              <a:tblGrid>
-                <a:gridCol w="1643495">
-                  <a:extLst>
-                    <a:ext uri="{9D8B030D-6E8A-4147-A177-3AD203B41FA5}">
-                      <a16:colId xmlns:a16="http://schemas.microsoft.com/office/drawing/2014/main" val="1881791918"/>
-                    </a:ext>
-                  </a:extLst>
-                </a:gridCol>
-                <a:gridCol w="2784764">
-                  <a:extLst>
-                    <a:ext uri="{9D8B030D-6E8A-4147-A177-3AD203B41FA5}">
-                      <a16:colId xmlns:a16="http://schemas.microsoft.com/office/drawing/2014/main" val="934674670"/>
-                    </a:ext>
-                  </a:extLst>
-                </a:gridCol>
-                <a:gridCol w="3458441">
-                  <a:extLst>
-                    <a:ext uri="{9D8B030D-6E8A-4147-A177-3AD203B41FA5}">
-                      <a16:colId xmlns:a16="http://schemas.microsoft.com/office/drawing/2014/main" val="4179359622"/>
-                    </a:ext>
-                  </a:extLst>
-                </a:gridCol>
-              </a:tblGrid>
-              <a:tr h="370840">
-                <a:tc>
-                  <a:txBody>
-                    <a:bodyPr/>
-                    <a:lstStyle/>
-                    <a:p>
-                      <a:r>
-                        <a:rPr lang="en-US" sz="1800" dirty="0" smtClean="0"/>
-                        <a:t>Short form</a:t>
-                      </a:r>
-                      <a:endParaRPr lang="en-US" sz="1800" dirty="0"/>
-                    </a:p>
-                  </a:txBody>
-                  <a:tcPr/>
-                </a:tc>
-                <a:tc>
-                  <a:txBody>
-                    <a:bodyPr/>
-                    <a:lstStyle/>
-                    <a:p>
-                      <a:r>
-                        <a:rPr lang="en-US" sz="1800" dirty="0" smtClean="0"/>
-                        <a:t>Long form</a:t>
-                      </a:r>
-                      <a:endParaRPr lang="en-US" sz="1800" dirty="0"/>
-                    </a:p>
-                  </a:txBody>
-                  <a:tcPr/>
-                </a:tc>
-                <a:tc>
-                  <a:txBody>
-                    <a:bodyPr/>
-                    <a:lstStyle/>
-                    <a:p>
-                      <a:r>
-                        <a:rPr lang="en-US" sz="1800" dirty="0" smtClean="0"/>
-                        <a:t>Description</a:t>
-                      </a:r>
-                      <a:endParaRPr lang="en-US" sz="1800" dirty="0"/>
-                    </a:p>
-                  </a:txBody>
-                  <a:tcPr/>
-                </a:tc>
-                <a:extLst>
-                  <a:ext uri="{0D108BD9-81ED-4DB2-BD59-A6C34878D82A}">
-                    <a16:rowId xmlns:a16="http://schemas.microsoft.com/office/drawing/2014/main" val="1667136482"/>
-                  </a:ext>
-                </a:extLst>
-              </a:tr>
-              <a:tr h="370840">
-                <a:tc>
-                  <a:txBody>
-                    <a:bodyPr/>
-                    <a:lstStyle/>
-                    <a:p>
-                      <a:r>
-                        <a:rPr lang="en-US" sz="1800" dirty="0" smtClean="0"/>
-                        <a:t>-N</a:t>
-                      </a:r>
-                      <a:endParaRPr lang="en-US" sz="1800" dirty="0"/>
-                    </a:p>
-                  </a:txBody>
-                  <a:tcPr/>
-                </a:tc>
-                <a:tc>
-                  <a:txBody>
-                    <a:bodyPr/>
-                    <a:lstStyle/>
-                    <a:p>
-                      <a:r>
-                        <a:rPr lang="en-US" sz="1800" dirty="0" smtClean="0"/>
-                        <a:t>--nodes=(value)</a:t>
-                      </a:r>
-                      <a:endParaRPr lang="en-US" sz="1800" dirty="0"/>
-                    </a:p>
-                  </a:txBody>
-                  <a:tcPr/>
-                </a:tc>
-                <a:tc>
-                  <a:txBody>
-                    <a:bodyPr/>
-                    <a:lstStyle/>
-                    <a:p>
-                      <a:r>
-                        <a:rPr lang="en-US" sz="1800" dirty="0" smtClean="0"/>
-                        <a:t>Number</a:t>
-                      </a:r>
-                      <a:r>
-                        <a:rPr lang="en-US" sz="1800" baseline="0" dirty="0" smtClean="0"/>
-                        <a:t> of nodes to use! (Usually 1)</a:t>
-                      </a:r>
-                      <a:endParaRPr lang="en-US" sz="1800" dirty="0"/>
-                    </a:p>
-                  </a:txBody>
-                  <a:tcPr/>
-                </a:tc>
-                <a:extLst>
-                  <a:ext uri="{0D108BD9-81ED-4DB2-BD59-A6C34878D82A}">
-                    <a16:rowId xmlns:a16="http://schemas.microsoft.com/office/drawing/2014/main" val="179360743"/>
-                  </a:ext>
-                </a:extLst>
-              </a:tr>
-              <a:tr h="370840">
-                <a:tc>
-                  <a:txBody>
-                    <a:bodyPr/>
-                    <a:lstStyle/>
-                    <a:p>
-                      <a:r>
-                        <a:rPr lang="en-US" sz="1800" dirty="0" smtClean="0"/>
-                        <a:t>-n</a:t>
-                      </a:r>
-                      <a:endParaRPr lang="en-US" sz="1800" dirty="0"/>
-                    </a:p>
-                  </a:txBody>
-                  <a:tcPr/>
-                </a:tc>
-                <a:tc>
-                  <a:txBody>
-                    <a:bodyPr/>
-                    <a:lstStyle/>
-                    <a:p>
-                      <a:r>
-                        <a:rPr lang="en-US" sz="1800" dirty="0" smtClean="0"/>
-                        <a:t>--</a:t>
-                      </a:r>
-                      <a:r>
-                        <a:rPr lang="en-US" sz="1800" dirty="0" err="1" smtClean="0"/>
-                        <a:t>ntasks</a:t>
-                      </a:r>
-                      <a:r>
-                        <a:rPr lang="en-US" sz="1800" dirty="0" smtClean="0"/>
-                        <a:t>-per-node=(value)</a:t>
-                      </a:r>
-                      <a:endParaRPr lang="en-US" sz="1800" dirty="0"/>
-                    </a:p>
-                  </a:txBody>
-                  <a:tcPr/>
-                </a:tc>
-                <a:tc>
-                  <a:txBody>
-                    <a:bodyPr/>
-                    <a:lstStyle/>
-                    <a:p>
-                      <a:r>
-                        <a:rPr lang="en-US" sz="1800" dirty="0" smtClean="0"/>
-                        <a:t>Number of CPUs to use on separate tasks.</a:t>
-                      </a:r>
-                      <a:endParaRPr lang="en-US" sz="1800" dirty="0"/>
-                    </a:p>
-                  </a:txBody>
-                  <a:tcPr/>
-                </a:tc>
-                <a:extLst>
-                  <a:ext uri="{0D108BD9-81ED-4DB2-BD59-A6C34878D82A}">
-                    <a16:rowId xmlns:a16="http://schemas.microsoft.com/office/drawing/2014/main" val="3564580302"/>
-                  </a:ext>
-                </a:extLst>
-              </a:tr>
-              <a:tr h="370840">
-                <a:tc>
-                  <a:txBody>
-                    <a:bodyPr/>
-                    <a:lstStyle/>
-                    <a:p>
-                      <a:r>
-                        <a:rPr lang="en-US" sz="1800" dirty="0" smtClean="0"/>
-                        <a:t>(none!)</a:t>
-                      </a:r>
-                      <a:endParaRPr lang="en-US" sz="1800" dirty="0"/>
-                    </a:p>
-                  </a:txBody>
-                  <a:tcPr/>
-                </a:tc>
-                <a:tc>
-                  <a:txBody>
-                    <a:bodyPr/>
-                    <a:lstStyle/>
-                    <a:p>
-                      <a:r>
-                        <a:rPr lang="en-US" sz="1800" dirty="0" smtClean="0"/>
-                        <a:t>--mem=(value)</a:t>
-                      </a:r>
-                      <a:endParaRPr lang="en-US" sz="1800" dirty="0"/>
-                    </a:p>
-                  </a:txBody>
-                  <a:tcPr/>
-                </a:tc>
-                <a:tc>
-                  <a:txBody>
-                    <a:bodyPr/>
-                    <a:lstStyle/>
-                    <a:p>
-                      <a:r>
-                        <a:rPr lang="en-US" sz="1800" dirty="0" smtClean="0"/>
-                        <a:t>Number of megabytes</a:t>
-                      </a:r>
-                      <a:r>
-                        <a:rPr lang="en-US" sz="1800" baseline="0" dirty="0" smtClean="0"/>
-                        <a:t> of RAM to use.</a:t>
-                      </a:r>
-                      <a:endParaRPr lang="en-US" sz="1800" dirty="0"/>
-                    </a:p>
-                  </a:txBody>
-                  <a:tcPr/>
-                </a:tc>
-                <a:extLst>
-                  <a:ext uri="{0D108BD9-81ED-4DB2-BD59-A6C34878D82A}">
-                    <a16:rowId xmlns:a16="http://schemas.microsoft.com/office/drawing/2014/main" val="116118161"/>
-                  </a:ext>
-                </a:extLst>
-              </a:tr>
-              <a:tr h="370840">
-                <a:tc>
-                  <a:txBody>
-                    <a:bodyPr/>
-                    <a:lstStyle/>
-                    <a:p>
-                      <a:r>
-                        <a:rPr lang="en-US" sz="1800" dirty="0" smtClean="0"/>
-                        <a:t>-p</a:t>
-                      </a:r>
-                      <a:endParaRPr lang="en-US" sz="1800" dirty="0"/>
-                    </a:p>
-                  </a:txBody>
-                  <a:tcPr/>
-                </a:tc>
-                <a:tc>
-                  <a:txBody>
-                    <a:bodyPr/>
-                    <a:lstStyle/>
-                    <a:p>
-                      <a:r>
-                        <a:rPr lang="en-US" sz="1800" dirty="0" smtClean="0"/>
-                        <a:t>--partition=(value)</a:t>
-                      </a:r>
-                      <a:endParaRPr lang="en-US" sz="1800" dirty="0"/>
-                    </a:p>
-                  </a:txBody>
-                  <a:tcPr/>
-                </a:tc>
-                <a:tc>
-                  <a:txBody>
-                    <a:bodyPr/>
-                    <a:lstStyle/>
-                    <a:p>
-                      <a:r>
-                        <a:rPr lang="en-US" sz="1800" dirty="0" smtClean="0"/>
-                        <a:t>The partition to use for the job (default is “short”)</a:t>
-                      </a:r>
-                      <a:endParaRPr lang="en-US" sz="1800" dirty="0"/>
-                    </a:p>
-                  </a:txBody>
-                  <a:tcPr/>
-                </a:tc>
-                <a:extLst>
-                  <a:ext uri="{0D108BD9-81ED-4DB2-BD59-A6C34878D82A}">
-                    <a16:rowId xmlns:a16="http://schemas.microsoft.com/office/drawing/2014/main" val="3538591526"/>
-                  </a:ext>
-                </a:extLst>
-              </a:tr>
-              <a:tr h="370840">
-                <a:tc>
-                  <a:txBody>
-                    <a:bodyPr/>
-                    <a:lstStyle/>
-                    <a:p>
-                      <a:r>
-                        <a:rPr lang="en-US" sz="1800" dirty="0" smtClean="0"/>
-                        <a:t>-t </a:t>
-                      </a:r>
-                      <a:endParaRPr lang="en-US" sz="1800" dirty="0"/>
-                    </a:p>
-                  </a:txBody>
-                  <a:tcPr/>
-                </a:tc>
-                <a:tc>
-                  <a:txBody>
-                    <a:bodyPr/>
-                    <a:lstStyle/>
-                    <a:p>
-                      <a:r>
-                        <a:rPr lang="en-US" sz="1800" dirty="0" smtClean="0"/>
-                        <a:t>--time=(value)</a:t>
-                      </a:r>
-                      <a:endParaRPr lang="en-US" sz="1800" dirty="0"/>
-                    </a:p>
-                  </a:txBody>
-                  <a:tcPr/>
-                </a:tc>
-                <a:tc>
-                  <a:txBody>
-                    <a:bodyPr/>
-                    <a:lstStyle/>
-                    <a:p>
-                      <a:r>
-                        <a:rPr lang="en-US" sz="1800" dirty="0" smtClean="0"/>
-                        <a:t>The time for running the job</a:t>
-                      </a:r>
-                      <a:endParaRPr lang="en-US" sz="1800" dirty="0"/>
-                    </a:p>
-                  </a:txBody>
-                  <a:tcPr/>
-                </a:tc>
-                <a:extLst>
-                  <a:ext uri="{0D108BD9-81ED-4DB2-BD59-A6C34878D82A}">
-                    <a16:rowId xmlns:a16="http://schemas.microsoft.com/office/drawing/2014/main" val="437313882"/>
-                  </a:ext>
-                </a:extLst>
-              </a:tr>
-              <a:tr h="370840">
-                <a:tc>
-                  <a:txBody>
-                    <a:bodyPr/>
-                    <a:lstStyle/>
-                    <a:p>
-                      <a:r>
-                        <a:rPr lang="en-US" sz="1800" dirty="0" smtClean="0"/>
-                        <a:t>-o</a:t>
-                      </a:r>
-                      <a:endParaRPr lang="en-US" sz="1800" dirty="0"/>
-                    </a:p>
-                  </a:txBody>
-                  <a:tcPr/>
-                </a:tc>
-                <a:tc>
-                  <a:txBody>
-                    <a:bodyPr/>
-                    <a:lstStyle/>
-                    <a:p>
-                      <a:r>
-                        <a:rPr lang="en-US" sz="1800" dirty="0" smtClean="0"/>
-                        <a:t>--output=(value)</a:t>
-                      </a:r>
-                      <a:endParaRPr lang="en-US" sz="1800" dirty="0"/>
-                    </a:p>
-                  </a:txBody>
-                  <a:tcPr/>
-                </a:tc>
-                <a:tc>
-                  <a:txBody>
-                    <a:bodyPr/>
-                    <a:lstStyle/>
-                    <a:p>
-                      <a:r>
-                        <a:rPr lang="en-US" sz="1800" dirty="0" smtClean="0"/>
-                        <a:t>The text file name for STDOUT</a:t>
-                      </a:r>
-                      <a:endParaRPr lang="en-US" sz="1800" dirty="0"/>
-                    </a:p>
-                  </a:txBody>
-                  <a:tcPr/>
-                </a:tc>
-                <a:extLst>
-                  <a:ext uri="{0D108BD9-81ED-4DB2-BD59-A6C34878D82A}">
-                    <a16:rowId xmlns:a16="http://schemas.microsoft.com/office/drawing/2014/main" val="2421615116"/>
-                  </a:ext>
-                </a:extLst>
-              </a:tr>
-            </a:tbl>
-          </a:graphicData>
-        </a:graphic>
-      </p:graphicFrame>
+        </p:nvSpPr>
+        <p:spPr/>
+        <p:txBody>
+          <a:bodyPr>
+            <a:normAutofit fontScale="92500" lnSpcReduction="20000"/>
+          </a:bodyPr>
+          <a:lstStyle/>
+          <a:p>
+            <a:r>
+              <a:rPr lang="en-US" dirty="0" smtClean="0"/>
+              <a:t>Remember how I told you that when you get a command prompt, you get allot of information regarding your user name, current folder and the node that you’re logged into? Well, when you first login to </a:t>
+            </a:r>
+            <a:r>
+              <a:rPr lang="en-US" dirty="0" smtClean="0"/>
+              <a:t>an HPC, </a:t>
+            </a:r>
+            <a:r>
+              <a:rPr lang="en-US" dirty="0" smtClean="0"/>
+              <a:t>you log in to the head node:</a:t>
+            </a:r>
+          </a:p>
+          <a:p>
+            <a:endParaRPr lang="en-US" dirty="0"/>
+          </a:p>
+          <a:p>
+            <a:endParaRPr lang="en-US" dirty="0" smtClean="0"/>
+          </a:p>
+          <a:p>
+            <a:r>
+              <a:rPr lang="en-US" dirty="0" smtClean="0"/>
+              <a:t>If you see the magic “8-1”, that means that you’re on the head or “login” node of the cluster!</a:t>
+            </a:r>
+          </a:p>
+          <a:p>
+            <a:endParaRPr lang="en-US" dirty="0"/>
+          </a:p>
+          <a:p>
+            <a:r>
+              <a:rPr lang="en-US" dirty="0" smtClean="0"/>
+              <a:t>This node needs to do some heavy lifting to make sure that everyone can access the cluster, so you are forbidden from running any job on there that is more complex than a “cd,” “ls” or “</a:t>
+            </a:r>
+            <a:r>
+              <a:rPr lang="en-US" dirty="0" err="1" smtClean="0"/>
+              <a:t>mkdir</a:t>
+            </a:r>
+            <a:r>
+              <a:rPr lang="en-US" dirty="0" smtClean="0"/>
+              <a:t>.”</a:t>
+            </a:r>
+            <a:endParaRPr lang="en-US" dirty="0"/>
+          </a:p>
+        </p:txBody>
+      </p:sp>
+      <p:pic>
+        <p:nvPicPr>
+          <p:cNvPr id="4" name="Picture 3"/>
+          <p:cNvPicPr>
+            <a:picLocks noChangeAspect="1"/>
+          </p:cNvPicPr>
+          <p:nvPr/>
+        </p:nvPicPr>
+        <p:blipFill>
+          <a:blip r:embed="rId2"/>
+          <a:stretch>
+            <a:fillRect/>
+          </a:stretch>
+        </p:blipFill>
+        <p:spPr>
+          <a:xfrm>
+            <a:off x="3384609" y="3350747"/>
+            <a:ext cx="4953000" cy="257175"/>
+          </a:xfrm>
+          <a:prstGeom prst="rect">
+            <a:avLst/>
+          </a:prstGeom>
+        </p:spPr>
+      </p:pic>
     </p:spTree>
     <p:extLst>
       <p:ext uri="{BB962C8B-B14F-4D97-AF65-F5344CB8AC3E}">
-        <p14:creationId xmlns:p14="http://schemas.microsoft.com/office/powerpoint/2010/main" val="1578263920"/>
+        <p14:creationId xmlns:p14="http://schemas.microsoft.com/office/powerpoint/2010/main" val="113630635"/>
       </p:ext>
     </p:extLst>
   </p:cSld>
@@ -11451,7 +11126,79 @@
   <p:timing>
     <p:tnLst>
       <p:par>
-        <p:cTn id="1" dur="indefinite" restart="never" nodeType="tmRoot"/>
+        <p:cTn id="1" dur="indefinite" restart="never" nodeType="tmRoot">
+          <p:childTnLst>
+            <p:seq concurrent="1" nextAc="seek">
+              <p:cTn id="2" dur="indefinite" nodeType="mainSeq">
+                <p:childTnLst>
+                  <p:par>
+                    <p:cTn id="3" fill="hold">
+                      <p:stCondLst>
+                        <p:cond delay="indefinite"/>
+                      </p:stCondLst>
+                      <p:childTnLst>
+                        <p:par>
+                          <p:cTn id="4" fill="hold">
+                            <p:stCondLst>
+                              <p:cond delay="0"/>
+                            </p:stCondLst>
+                            <p:childTnLst>
+                              <p:par>
+                                <p:cTn id="5" presetID="1" presetClass="entr" presetSubtype="0" fill="hold" nodeType="clickEffect">
+                                  <p:stCondLst>
+                                    <p:cond delay="0"/>
+                                  </p:stCondLst>
+                                  <p:childTnLst>
+                                    <p:set>
+                                      <p:cBhvr>
+                                        <p:cTn id="6" dur="1" fill="hold">
+                                          <p:stCondLst>
+                                            <p:cond delay="0"/>
+                                          </p:stCondLst>
+                                        </p:cTn>
+                                        <p:tgtEl>
+                                          <p:spTgt spid="3">
+                                            <p:txEl>
+                                              <p:pRg st="5" end="5"/>
+                                            </p:txEl>
+                                          </p:spTgt>
+                                        </p:tgtEl>
+                                        <p:attrNameLst>
+                                          <p:attrName>style.visibility</p:attrName>
+                                        </p:attrNameLst>
+                                      </p:cBhvr>
+                                      <p:to>
+                                        <p:strVal val="visible"/>
+                                      </p:to>
+                                    </p:set>
+                                  </p:childTnLst>
+                                </p:cTn>
+                              </p:par>
+                            </p:childTnLst>
+                          </p:cTn>
+                        </p:par>
+                      </p:childTnLst>
+                    </p:cTn>
+                  </p:par>
+                </p:childTnLst>
+              </p:cTn>
+              <p:prevCondLst>
+                <p:cond evt="onPrev" delay="0">
+                  <p:tgtEl>
+                    <p:sldTgt/>
+                  </p:tgtEl>
+                </p:cond>
+              </p:prevCondLst>
+              <p:nextCondLst>
+                <p:cond evt="onNext" delay="0">
+                  <p:tgtEl>
+                    <p:sldTgt/>
+                  </p:tgtEl>
+                </p:cond>
+              </p:nextCondLst>
+            </p:seq>
+          </p:childTnLst>
+        </p:cTn>
       </p:par>
     </p:tnLst>
   </p:timing>
@@ -11492,7 +11239,1524 @@
           <a:p>
             <a:r>
               <a:rPr lang="en-US" dirty="0" smtClean="0"/>
-              <a:t>Working on Ceres: submitting interactive or batch jobs</a:t>
+              <a:t>The </a:t>
+            </a:r>
+            <a:r>
+              <a:rPr lang="en-US" dirty="0" err="1" smtClean="0"/>
+              <a:t>Slurm</a:t>
+            </a:r>
+            <a:r>
+              <a:rPr lang="en-US" dirty="0" smtClean="0"/>
+              <a:t> job scheduler	</a:t>
+            </a:r>
+            <a:endParaRPr lang="en-US" dirty="0"/>
+          </a:p>
+        </p:txBody>
+      </p:sp>
+      <p:sp>
+        <p:nvSpPr>
+          <p:cNvPr id="3" name="Content Placeholder 2"/>
+          <p:cNvSpPr>
+            <a:spLocks noGrp="1"/>
+          </p:cNvSpPr>
+          <p:nvPr>
+            <p:ph idx="1"/>
+          </p:nvPr>
+        </p:nvSpPr>
+        <p:spPr/>
+        <p:txBody>
+          <a:bodyPr>
+            <a:normAutofit fontScale="92500" lnSpcReduction="20000"/>
+          </a:bodyPr>
+          <a:lstStyle/>
+          <a:p>
+            <a:r>
+              <a:rPr lang="en-US" dirty="0" smtClean="0"/>
+              <a:t>The person who named this job scheduler deserves a raise. The acronym sounds like the verb used to describe how a slug moves!</a:t>
+            </a:r>
+          </a:p>
+          <a:p>
+            <a:endParaRPr lang="en-US" dirty="0"/>
+          </a:p>
+          <a:p>
+            <a:r>
+              <a:rPr lang="en-US" dirty="0" smtClean="0"/>
+              <a:t>We talked about the organization of the cluster, and just to reinforce the point, I’d like you all to run a </a:t>
+            </a:r>
+            <a:r>
+              <a:rPr lang="en-US" dirty="0" err="1" smtClean="0"/>
+              <a:t>slurm</a:t>
+            </a:r>
+            <a:r>
+              <a:rPr lang="en-US" dirty="0" smtClean="0"/>
+              <a:t> command that shows you the nodes that are currently under the control of </a:t>
+            </a:r>
+            <a:r>
+              <a:rPr lang="en-US" dirty="0" err="1" smtClean="0"/>
+              <a:t>Slurm</a:t>
+            </a:r>
+            <a:r>
+              <a:rPr lang="en-US" dirty="0" smtClean="0"/>
+              <a:t> on CERES, </a:t>
+            </a:r>
+            <a:r>
+              <a:rPr lang="en-US" dirty="0" err="1" smtClean="0">
+                <a:solidFill>
+                  <a:srgbClr val="0070C0"/>
+                </a:solidFill>
+              </a:rPr>
+              <a:t>sinfo</a:t>
+            </a:r>
+            <a:r>
+              <a:rPr lang="en-US" dirty="0" smtClean="0"/>
+              <a:t>: </a:t>
+            </a:r>
+          </a:p>
+          <a:p>
+            <a:endParaRPr lang="en-US" dirty="0"/>
+          </a:p>
+          <a:p>
+            <a:r>
+              <a:rPr lang="en-US" dirty="0" smtClean="0"/>
+              <a:t>Because the computer nodes have different specifications, they are organized into different “</a:t>
+            </a:r>
+            <a:r>
+              <a:rPr lang="en-US" dirty="0" smtClean="0">
+                <a:solidFill>
+                  <a:srgbClr val="FF0000"/>
+                </a:solidFill>
+              </a:rPr>
+              <a:t>partitions</a:t>
+            </a:r>
+            <a:r>
+              <a:rPr lang="en-US" dirty="0" smtClean="0"/>
+              <a:t>” which have different limits. </a:t>
+            </a:r>
+          </a:p>
+          <a:p>
+            <a:endParaRPr lang="en-US" dirty="0"/>
+          </a:p>
+          <a:p>
+            <a:r>
+              <a:rPr lang="en-US" dirty="0" smtClean="0"/>
+              <a:t>To see the jobs currently running on the cluster, you use the “</a:t>
+            </a:r>
+            <a:r>
+              <a:rPr lang="en-US" dirty="0" err="1" smtClean="0">
+                <a:solidFill>
+                  <a:srgbClr val="0070C0"/>
+                </a:solidFill>
+              </a:rPr>
+              <a:t>squeue</a:t>
+            </a:r>
+            <a:r>
+              <a:rPr lang="en-US" dirty="0" smtClean="0"/>
+              <a:t>” command:</a:t>
+            </a:r>
+            <a:endParaRPr lang="en-US" dirty="0"/>
+          </a:p>
+        </p:txBody>
+      </p:sp>
+      <p:pic>
+        <p:nvPicPr>
+          <p:cNvPr id="4" name="Picture 3"/>
+          <p:cNvPicPr>
+            <a:picLocks noChangeAspect="1"/>
+          </p:cNvPicPr>
+          <p:nvPr/>
+        </p:nvPicPr>
+        <p:blipFill>
+          <a:blip r:embed="rId3"/>
+          <a:stretch>
+            <a:fillRect/>
+          </a:stretch>
+        </p:blipFill>
+        <p:spPr>
+          <a:xfrm>
+            <a:off x="4874821" y="3806465"/>
+            <a:ext cx="1224643" cy="389659"/>
+          </a:xfrm>
+          <a:prstGeom prst="rect">
+            <a:avLst/>
+          </a:prstGeom>
+        </p:spPr>
+      </p:pic>
+      <p:pic>
+        <p:nvPicPr>
+          <p:cNvPr id="5" name="Picture 4"/>
+          <p:cNvPicPr>
+            <a:picLocks noChangeAspect="1"/>
+          </p:cNvPicPr>
+          <p:nvPr/>
+        </p:nvPicPr>
+        <p:blipFill>
+          <a:blip r:embed="rId4"/>
+          <a:stretch>
+            <a:fillRect/>
+          </a:stretch>
+        </p:blipFill>
+        <p:spPr>
+          <a:xfrm>
+            <a:off x="4759777" y="6114905"/>
+            <a:ext cx="1454729" cy="393989"/>
+          </a:xfrm>
+          <a:prstGeom prst="rect">
+            <a:avLst/>
+          </a:prstGeom>
+        </p:spPr>
+      </p:pic>
+    </p:spTree>
+    <p:extLst>
+      <p:ext uri="{BB962C8B-B14F-4D97-AF65-F5344CB8AC3E}">
+        <p14:creationId xmlns:p14="http://schemas.microsoft.com/office/powerpoint/2010/main" val="4243959245"/>
+      </p:ext>
+    </p:extLst>
+  </p:cSld>
+  <p:clrMapOvr>
+    <a:masterClrMapping/>
+  </p:clrMapOvr>
+  <p:timing>
+    <p:tnLst>
+      <p:par>
+        <p:cTn id="1" dur="indefinite" restart="never" nodeType="tmRoot">
+          <p:childTnLst>
+            <p:seq concurrent="1" nextAc="seek">
+              <p:cTn id="2" dur="indefinite" nodeType="mainSeq">
+                <p:childTnLst>
+                  <p:par>
+                    <p:cTn id="3" fill="hold">
+                      <p:stCondLst>
+                        <p:cond delay="indefinite"/>
+                      </p:stCondLst>
+                      <p:childTnLst>
+                        <p:par>
+                          <p:cTn id="4" fill="hold">
+                            <p:stCondLst>
+                              <p:cond delay="0"/>
+                            </p:stCondLst>
+                            <p:childTnLst>
+                              <p:par>
+                                <p:cTn id="5" presetID="1" presetClass="entr" presetSubtype="0" fill="hold" nodeType="clickEffect">
+                                  <p:stCondLst>
+                                    <p:cond delay="0"/>
+                                  </p:stCondLst>
+                                  <p:childTnLst>
+                                    <p:set>
+                                      <p:cBhvr>
+                                        <p:cTn id="6" dur="1" fill="hold">
+                                          <p:stCondLst>
+                                            <p:cond delay="0"/>
+                                          </p:stCondLst>
+                                        </p:cTn>
+                                        <p:tgtEl>
+                                          <p:spTgt spid="3">
+                                            <p:txEl>
+                                              <p:pRg st="2" end="2"/>
+                                            </p:txEl>
+                                          </p:spTgt>
+                                        </p:tgtEl>
+                                        <p:attrNameLst>
+                                          <p:attrName>style.visibility</p:attrName>
+                                        </p:attrNameLst>
+                                      </p:cBhvr>
+                                      <p:to>
+                                        <p:strVal val="visible"/>
+                                      </p:to>
+                                    </p:set>
+                                  </p:childTnLst>
+                                </p:cTn>
+                              </p:par>
+                              <p:par>
+                                <p:cTn id="7" presetID="1" presetClass="entr" presetSubtype="0" fill="hold" nodeType="withEffect">
+                                  <p:stCondLst>
+                                    <p:cond delay="0"/>
+                                  </p:stCondLst>
+                                  <p:childTnLst>
+                                    <p:set>
+                                      <p:cBhvr>
+                                        <p:cTn id="8" dur="1" fill="hold">
+                                          <p:stCondLst>
+                                            <p:cond delay="0"/>
+                                          </p:stCondLst>
+                                        </p:cTn>
+                                        <p:tgtEl>
+                                          <p:spTgt spid="4"/>
+                                        </p:tgtEl>
+                                        <p:attrNameLst>
+                                          <p:attrName>style.visibility</p:attrName>
+                                        </p:attrNameLst>
+                                      </p:cBhvr>
+                                      <p:to>
+                                        <p:strVal val="visible"/>
+                                      </p:to>
+                                    </p:set>
+                                  </p:childTnLst>
+                                </p:cTn>
+                              </p:par>
+                              <p:par>
+                                <p:cTn id="9" presetID="1" presetClass="entr" presetSubtype="0" fill="hold" nodeType="withEffect">
+                                  <p:stCondLst>
+                                    <p:cond delay="0"/>
+                                  </p:stCondLst>
+                                  <p:childTnLst>
+                                    <p:set>
+                                      <p:cBhvr>
+                                        <p:cTn id="10" dur="1" fill="hold">
+                                          <p:stCondLst>
+                                            <p:cond delay="0"/>
+                                          </p:stCondLst>
+                                        </p:cTn>
+                                        <p:tgtEl>
+                                          <p:spTgt spid="3">
+                                            <p:txEl>
+                                              <p:pRg st="4" end="4"/>
+                                            </p:txEl>
+                                          </p:spTgt>
+                                        </p:tgtEl>
+                                        <p:attrNameLst>
+                                          <p:attrName>style.visibility</p:attrName>
+                                        </p:attrNameLst>
+                                      </p:cBhvr>
+                                      <p:to>
+                                        <p:strVal val="visible"/>
+                                      </p:to>
+                                    </p:set>
+                                  </p:childTnLst>
+                                </p:cTn>
+                              </p:par>
+                            </p:childTnLst>
+                          </p:cTn>
+                        </p:par>
+                      </p:childTnLst>
+                    </p:cTn>
+                  </p:par>
+                  <p:par>
+                    <p:cTn id="11" fill="hold">
+                      <p:stCondLst>
+                        <p:cond delay="indefinite"/>
+                      </p:stCondLst>
+                      <p:childTnLst>
+                        <p:par>
+                          <p:cTn id="12" fill="hold">
+                            <p:stCondLst>
+                              <p:cond delay="0"/>
+                            </p:stCondLst>
+                            <p:childTnLst>
+                              <p:par>
+                                <p:cTn id="13" presetID="1" presetClass="entr" presetSubtype="0" fill="hold" nodeType="clickEffect">
+                                  <p:stCondLst>
+                                    <p:cond delay="0"/>
+                                  </p:stCondLst>
+                                  <p:childTnLst>
+                                    <p:set>
+                                      <p:cBhvr>
+                                        <p:cTn id="14" dur="1" fill="hold">
+                                          <p:stCondLst>
+                                            <p:cond delay="0"/>
+                                          </p:stCondLst>
+                                        </p:cTn>
+                                        <p:tgtEl>
+                                          <p:spTgt spid="3">
+                                            <p:txEl>
+                                              <p:pRg st="6" end="6"/>
+                                            </p:txEl>
+                                          </p:spTgt>
+                                        </p:tgtEl>
+                                        <p:attrNameLst>
+                                          <p:attrName>style.visibility</p:attrName>
+                                        </p:attrNameLst>
+                                      </p:cBhvr>
+                                      <p:to>
+                                        <p:strVal val="visible"/>
+                                      </p:to>
+                                    </p:set>
+                                  </p:childTnLst>
+                                </p:cTn>
+                              </p:par>
+                              <p:par>
+                                <p:cTn id="15" presetID="1" presetClass="entr" presetSubtype="0" fill="hold" nodeType="withEffect">
+                                  <p:stCondLst>
+                                    <p:cond delay="0"/>
+                                  </p:stCondLst>
+                                  <p:childTnLst>
+                                    <p:set>
+                                      <p:cBhvr>
+                                        <p:cTn id="16" dur="1" fill="hold">
+                                          <p:stCondLst>
+                                            <p:cond delay="0"/>
+                                          </p:stCondLst>
+                                        </p:cTn>
+                                        <p:tgtEl>
+                                          <p:spTgt spid="5"/>
+                                        </p:tgtEl>
+                                        <p:attrNameLst>
+                                          <p:attrName>style.visibility</p:attrName>
+                                        </p:attrNameLst>
+                                      </p:cBhvr>
+                                      <p:to>
+                                        <p:strVal val="visible"/>
+                                      </p:to>
+                                    </p:set>
+                                  </p:childTnLst>
+                                </p:cTn>
+                              </p:par>
+                            </p:childTnLst>
+                          </p:cTn>
+                        </p:par>
+                      </p:childTnLst>
+                    </p:cTn>
+                  </p:par>
+                </p:childTnLst>
+              </p:cTn>
+              <p:prevCondLst>
+                <p:cond evt="onPrev" delay="0">
+                  <p:tgtEl>
+                    <p:sldTgt/>
+                  </p:tgtEl>
+                </p:cond>
+              </p:prevCondLst>
+              <p:nextCondLst>
+                <p:cond evt="onNext" delay="0">
+                  <p:tgtEl>
+                    <p:sldTgt/>
+                  </p:tgtEl>
+                </p:cond>
+              </p:nextCondLst>
+            </p:seq>
+          </p:childTnLst>
+        </p:cTn>
+      </p:par>
+    </p:tnLst>
+  </p:timing>
+</p:sld>
+</file>
+
+<file path=ppt/slides/slide29.xml><?xml version="1.0" encoding="utf-8"?>
+<p:sld xmlns:a="http://schemas.openxmlformats.org/drawingml/2006/main" xmlns:r="http://schemas.openxmlformats.org/officeDocument/2006/relationships" xmlns:p="http://schemas.openxmlformats.org/presentationml/2006/main">
+  <p:cSld>
+    <p:spTree>
+      <p:nvGrpSpPr>
+        <p:cNvPr id="1" name=""/>
+        <p:cNvGrpSpPr/>
+        <p:nvPr/>
+      </p:nvGrpSpPr>
+      <p:grpSpPr>
+        <a:xfrm>
+          <a:off x="0" y="0"/>
+          <a:ext cx="0" cy="0"/>
+          <a:chOff x="0" y="0"/>
+          <a:chExt cx="0" cy="0"/>
+        </a:xfrm>
+      </p:grpSpPr>
+      <p:sp>
+        <p:nvSpPr>
+          <p:cNvPr id="2" name="Title 1"/>
+          <p:cNvSpPr>
+            <a:spLocks noGrp="1"/>
+          </p:cNvSpPr>
+          <p:nvPr>
+            <p:ph type="title"/>
+          </p:nvPr>
+        </p:nvSpPr>
+        <p:spPr/>
+        <p:txBody>
+          <a:bodyPr/>
+          <a:lstStyle/>
+          <a:p>
+            <a:r>
+              <a:rPr lang="en-US" dirty="0" err="1" smtClean="0"/>
+              <a:t>Slurm</a:t>
+            </a:r>
+            <a:r>
+              <a:rPr lang="en-US" dirty="0" smtClean="0"/>
+              <a:t> commands</a:t>
+            </a:r>
+            <a:endParaRPr lang="en-US" dirty="0"/>
+          </a:p>
+        </p:txBody>
+      </p:sp>
+      <p:sp>
+        <p:nvSpPr>
+          <p:cNvPr id="3" name="Content Placeholder 2"/>
+          <p:cNvSpPr>
+            <a:spLocks noGrp="1"/>
+          </p:cNvSpPr>
+          <p:nvPr>
+            <p:ph idx="1"/>
+          </p:nvPr>
+        </p:nvSpPr>
+        <p:spPr/>
+        <p:txBody>
+          <a:bodyPr/>
+          <a:lstStyle/>
+          <a:p>
+            <a:r>
+              <a:rPr lang="en-US" dirty="0" smtClean="0"/>
+              <a:t>These are the most important </a:t>
+            </a:r>
+            <a:r>
+              <a:rPr lang="en-US" dirty="0" err="1" smtClean="0"/>
+              <a:t>slurm</a:t>
+            </a:r>
+            <a:r>
+              <a:rPr lang="en-US" dirty="0" smtClean="0"/>
+              <a:t> commands for you to remember:</a:t>
+            </a:r>
+            <a:endParaRPr lang="en-US" dirty="0"/>
+          </a:p>
+        </p:txBody>
+      </p:sp>
+      <p:graphicFrame>
+        <p:nvGraphicFramePr>
+          <p:cNvPr id="4" name="Table 3"/>
+          <p:cNvGraphicFramePr>
+            <a:graphicFrameLocks noGrp="1"/>
+          </p:cNvGraphicFramePr>
+          <p:nvPr>
+            <p:extLst>
+              <p:ext uri="{D42A27DB-BD31-4B8C-83A1-F6EECF244321}">
+                <p14:modId xmlns:p14="http://schemas.microsoft.com/office/powerpoint/2010/main" val="2697851464"/>
+              </p:ext>
+            </p:extLst>
+          </p:nvPr>
+        </p:nvGraphicFramePr>
+        <p:xfrm>
+          <a:off x="1380392" y="2606963"/>
+          <a:ext cx="9328639" cy="3474720"/>
+        </p:xfrm>
+        <a:graphic>
+          <a:graphicData uri="http://schemas.openxmlformats.org/drawingml/2006/table">
+            <a:tbl>
+              <a:tblPr firstRow="1" bandRow="1">
+                <a:tableStyleId>{073A0DAA-6AF3-43AB-8588-CEC1D06C72B9}</a:tableStyleId>
+              </a:tblPr>
+              <a:tblGrid>
+                <a:gridCol w="2947000">
+                  <a:extLst>
+                    <a:ext uri="{9D8B030D-6E8A-4147-A177-3AD203B41FA5}">
+                      <a16:colId xmlns:a16="http://schemas.microsoft.com/office/drawing/2014/main" val="1473322880"/>
+                    </a:ext>
+                  </a:extLst>
+                </a:gridCol>
+                <a:gridCol w="6381639">
+                  <a:extLst>
+                    <a:ext uri="{9D8B030D-6E8A-4147-A177-3AD203B41FA5}">
+                      <a16:colId xmlns:a16="http://schemas.microsoft.com/office/drawing/2014/main" val="1744658554"/>
+                    </a:ext>
+                  </a:extLst>
+                </a:gridCol>
+              </a:tblGrid>
+              <a:tr h="0">
+                <a:tc>
+                  <a:txBody>
+                    <a:bodyPr/>
+                    <a:lstStyle/>
+                    <a:p>
+                      <a:r>
+                        <a:rPr lang="en-US" sz="2400" dirty="0" smtClean="0"/>
+                        <a:t>Command</a:t>
+                      </a:r>
+                      <a:endParaRPr lang="en-US" sz="2400" dirty="0"/>
+                    </a:p>
+                  </a:txBody>
+                  <a:tcPr/>
+                </a:tc>
+                <a:tc>
+                  <a:txBody>
+                    <a:bodyPr/>
+                    <a:lstStyle/>
+                    <a:p>
+                      <a:r>
+                        <a:rPr lang="en-US" sz="2400" dirty="0" smtClean="0"/>
+                        <a:t>Description</a:t>
+                      </a:r>
+                      <a:endParaRPr lang="en-US" sz="2400" dirty="0"/>
+                    </a:p>
+                  </a:txBody>
+                  <a:tcPr/>
+                </a:tc>
+                <a:extLst>
+                  <a:ext uri="{0D108BD9-81ED-4DB2-BD59-A6C34878D82A}">
+                    <a16:rowId xmlns:a16="http://schemas.microsoft.com/office/drawing/2014/main" val="2215671401"/>
+                  </a:ext>
+                </a:extLst>
+              </a:tr>
+              <a:tr h="370840">
+                <a:tc>
+                  <a:txBody>
+                    <a:bodyPr/>
+                    <a:lstStyle/>
+                    <a:p>
+                      <a:r>
+                        <a:rPr lang="en-US" sz="2400" dirty="0" err="1" smtClean="0"/>
+                        <a:t>sinfo</a:t>
+                      </a:r>
+                      <a:endParaRPr lang="en-US" sz="2400" dirty="0"/>
+                    </a:p>
+                  </a:txBody>
+                  <a:tcPr/>
+                </a:tc>
+                <a:tc>
+                  <a:txBody>
+                    <a:bodyPr/>
+                    <a:lstStyle/>
+                    <a:p>
+                      <a:r>
+                        <a:rPr lang="en-US" sz="2400" dirty="0" smtClean="0"/>
+                        <a:t>The nodes and partitions</a:t>
+                      </a:r>
+                      <a:r>
+                        <a:rPr lang="en-US" sz="2400" baseline="0" dirty="0" smtClean="0"/>
+                        <a:t> that are available for use</a:t>
+                      </a:r>
+                      <a:endParaRPr lang="en-US" sz="2400" dirty="0"/>
+                    </a:p>
+                  </a:txBody>
+                  <a:tcPr/>
+                </a:tc>
+                <a:extLst>
+                  <a:ext uri="{0D108BD9-81ED-4DB2-BD59-A6C34878D82A}">
+                    <a16:rowId xmlns:a16="http://schemas.microsoft.com/office/drawing/2014/main" val="3086480027"/>
+                  </a:ext>
+                </a:extLst>
+              </a:tr>
+              <a:tr h="370840">
+                <a:tc>
+                  <a:txBody>
+                    <a:bodyPr/>
+                    <a:lstStyle/>
+                    <a:p>
+                      <a:r>
+                        <a:rPr lang="en-US" sz="2400" dirty="0" err="1" smtClean="0"/>
+                        <a:t>squeue</a:t>
+                      </a:r>
+                      <a:endParaRPr lang="en-US" sz="2400" dirty="0"/>
+                    </a:p>
+                  </a:txBody>
+                  <a:tcPr/>
+                </a:tc>
+                <a:tc>
+                  <a:txBody>
+                    <a:bodyPr/>
+                    <a:lstStyle/>
+                    <a:p>
+                      <a:r>
+                        <a:rPr lang="en-US" sz="2400" dirty="0" smtClean="0"/>
+                        <a:t>The</a:t>
+                      </a:r>
+                      <a:r>
+                        <a:rPr lang="en-US" sz="2400" baseline="0" dirty="0" smtClean="0"/>
+                        <a:t> currently queued tasks on the cluster</a:t>
+                      </a:r>
+                      <a:endParaRPr lang="en-US" sz="2400" dirty="0"/>
+                    </a:p>
+                  </a:txBody>
+                  <a:tcPr/>
+                </a:tc>
+                <a:extLst>
+                  <a:ext uri="{0D108BD9-81ED-4DB2-BD59-A6C34878D82A}">
+                    <a16:rowId xmlns:a16="http://schemas.microsoft.com/office/drawing/2014/main" val="1474195463"/>
+                  </a:ext>
+                </a:extLst>
+              </a:tr>
+              <a:tr h="370840">
+                <a:tc>
+                  <a:txBody>
+                    <a:bodyPr/>
+                    <a:lstStyle/>
+                    <a:p>
+                      <a:r>
+                        <a:rPr lang="en-US" sz="2400" dirty="0" err="1" smtClean="0"/>
+                        <a:t>scancel</a:t>
+                      </a:r>
+                      <a:r>
+                        <a:rPr lang="en-US" sz="2400" baseline="0" dirty="0" smtClean="0"/>
+                        <a:t> (</a:t>
+                      </a:r>
+                      <a:r>
+                        <a:rPr lang="en-US" sz="2400" baseline="0" dirty="0" err="1" smtClean="0"/>
+                        <a:t>jobID</a:t>
+                      </a:r>
+                      <a:r>
+                        <a:rPr lang="en-US" sz="2400" baseline="0" dirty="0" smtClean="0"/>
+                        <a:t>)</a:t>
+                      </a:r>
+                      <a:endParaRPr lang="en-US" sz="2400" dirty="0"/>
+                    </a:p>
+                  </a:txBody>
+                  <a:tcPr/>
+                </a:tc>
+                <a:tc>
+                  <a:txBody>
+                    <a:bodyPr/>
+                    <a:lstStyle/>
+                    <a:p>
+                      <a:r>
+                        <a:rPr lang="en-US" sz="2400" dirty="0" smtClean="0"/>
+                        <a:t>A</a:t>
+                      </a:r>
+                      <a:r>
+                        <a:rPr lang="en-US" sz="2400" baseline="0" dirty="0" smtClean="0"/>
+                        <a:t> tool to cancel a job (use </a:t>
+                      </a:r>
+                      <a:r>
+                        <a:rPr lang="en-US" sz="2400" baseline="0" dirty="0" err="1" smtClean="0"/>
+                        <a:t>squeue</a:t>
+                      </a:r>
+                      <a:r>
+                        <a:rPr lang="en-US" sz="2400" baseline="0" dirty="0" smtClean="0"/>
+                        <a:t> to find out the job ID)</a:t>
+                      </a:r>
+                      <a:endParaRPr lang="en-US" sz="2400" dirty="0"/>
+                    </a:p>
+                  </a:txBody>
+                  <a:tcPr/>
+                </a:tc>
+                <a:extLst>
+                  <a:ext uri="{0D108BD9-81ED-4DB2-BD59-A6C34878D82A}">
+                    <a16:rowId xmlns:a16="http://schemas.microsoft.com/office/drawing/2014/main" val="963802719"/>
+                  </a:ext>
+                </a:extLst>
+              </a:tr>
+              <a:tr h="370840">
+                <a:tc>
+                  <a:txBody>
+                    <a:bodyPr/>
+                    <a:lstStyle/>
+                    <a:p>
+                      <a:r>
+                        <a:rPr lang="en-US" sz="2400" dirty="0" err="1" smtClean="0"/>
+                        <a:t>sbatch</a:t>
+                      </a:r>
+                      <a:endParaRPr lang="en-US" sz="2400" dirty="0"/>
+                    </a:p>
+                  </a:txBody>
+                  <a:tcPr/>
+                </a:tc>
+                <a:tc>
+                  <a:txBody>
+                    <a:bodyPr/>
+                    <a:lstStyle/>
+                    <a:p>
+                      <a:r>
+                        <a:rPr lang="en-US" sz="2400" dirty="0" smtClean="0"/>
+                        <a:t>Non-interactive job submission</a:t>
+                      </a:r>
+                      <a:endParaRPr lang="en-US" sz="2400" dirty="0"/>
+                    </a:p>
+                  </a:txBody>
+                  <a:tcPr/>
+                </a:tc>
+                <a:extLst>
+                  <a:ext uri="{0D108BD9-81ED-4DB2-BD59-A6C34878D82A}">
+                    <a16:rowId xmlns:a16="http://schemas.microsoft.com/office/drawing/2014/main" val="2754597354"/>
+                  </a:ext>
+                </a:extLst>
+              </a:tr>
+              <a:tr h="370840">
+                <a:tc>
+                  <a:txBody>
+                    <a:bodyPr/>
+                    <a:lstStyle/>
+                    <a:p>
+                      <a:r>
+                        <a:rPr lang="en-US" sz="2400" dirty="0" err="1" smtClean="0"/>
+                        <a:t>srun</a:t>
+                      </a:r>
+                      <a:endParaRPr lang="en-US" sz="2400" dirty="0"/>
+                    </a:p>
+                  </a:txBody>
+                  <a:tcPr/>
+                </a:tc>
+                <a:tc>
+                  <a:txBody>
+                    <a:bodyPr/>
+                    <a:lstStyle/>
+                    <a:p>
+                      <a:r>
+                        <a:rPr lang="en-US" sz="2400" dirty="0" smtClean="0"/>
+                        <a:t>Interactive</a:t>
+                      </a:r>
+                      <a:r>
+                        <a:rPr lang="en-US" sz="2400" baseline="0" dirty="0" smtClean="0"/>
+                        <a:t> job request</a:t>
+                      </a:r>
+                      <a:endParaRPr lang="en-US" sz="2400" dirty="0"/>
+                    </a:p>
+                  </a:txBody>
+                  <a:tcPr/>
+                </a:tc>
+                <a:extLst>
+                  <a:ext uri="{0D108BD9-81ED-4DB2-BD59-A6C34878D82A}">
+                    <a16:rowId xmlns:a16="http://schemas.microsoft.com/office/drawing/2014/main" val="3886221469"/>
+                  </a:ext>
+                </a:extLst>
+              </a:tr>
+            </a:tbl>
+          </a:graphicData>
+        </a:graphic>
+      </p:graphicFrame>
+    </p:spTree>
+    <p:extLst>
+      <p:ext uri="{BB962C8B-B14F-4D97-AF65-F5344CB8AC3E}">
+        <p14:creationId xmlns:p14="http://schemas.microsoft.com/office/powerpoint/2010/main" val="3096986543"/>
+      </p:ext>
+    </p:extLst>
+  </p:cSld>
+  <p:clrMapOvr>
+    <a:masterClrMapping/>
+  </p:clrMapOvr>
+  <p:timing>
+    <p:tnLst>
+      <p:par>
+        <p:cTn id="1" dur="indefinite" restart="never" nodeType="tmRoot"/>
+      </p:par>
+    </p:tnLst>
+  </p:timing>
+</p:sld>
+</file>
+
+<file path=ppt/slides/slide3.xml><?xml version="1.0" encoding="utf-8"?>
+<p:sld xmlns:a="http://schemas.openxmlformats.org/drawingml/2006/main" xmlns:r="http://schemas.openxmlformats.org/officeDocument/2006/relationships" xmlns:p="http://schemas.openxmlformats.org/presentationml/2006/main">
+  <p:cSld>
+    <p:spTree>
+      <p:nvGrpSpPr>
+        <p:cNvPr id="1" name=""/>
+        <p:cNvGrpSpPr/>
+        <p:nvPr/>
+      </p:nvGrpSpPr>
+      <p:grpSpPr>
+        <a:xfrm>
+          <a:off x="0" y="0"/>
+          <a:ext cx="0" cy="0"/>
+          <a:chOff x="0" y="0"/>
+          <a:chExt cx="0" cy="0"/>
+        </a:xfrm>
+      </p:grpSpPr>
+      <p:sp>
+        <p:nvSpPr>
+          <p:cNvPr id="2" name="Title 1"/>
+          <p:cNvSpPr>
+            <a:spLocks noGrp="1"/>
+          </p:cNvSpPr>
+          <p:nvPr>
+            <p:ph type="title"/>
+          </p:nvPr>
+        </p:nvSpPr>
+        <p:spPr/>
+        <p:txBody>
+          <a:bodyPr/>
+          <a:lstStyle/>
+          <a:p>
+            <a:r>
+              <a:rPr lang="en-US" dirty="0" smtClean="0"/>
+              <a:t>The Unix environment</a:t>
+            </a:r>
+            <a:endParaRPr lang="en-US" dirty="0"/>
+          </a:p>
+        </p:txBody>
+      </p:sp>
+      <p:sp>
+        <p:nvSpPr>
+          <p:cNvPr id="3" name="Content Placeholder 2"/>
+          <p:cNvSpPr>
+            <a:spLocks noGrp="1"/>
+          </p:cNvSpPr>
+          <p:nvPr>
+            <p:ph idx="1"/>
+          </p:nvPr>
+        </p:nvSpPr>
+        <p:spPr/>
+        <p:txBody>
+          <a:bodyPr>
+            <a:normAutofit lnSpcReduction="10000"/>
+          </a:bodyPr>
+          <a:lstStyle/>
+          <a:p>
+            <a:r>
+              <a:rPr lang="en-US" dirty="0" smtClean="0"/>
+              <a:t>This will take a bit of getting used to, but you have a customized user environment in Unix. As soon as you log in, several text files are read in your home directory that will customize various details of your user experience.</a:t>
+            </a:r>
+          </a:p>
+          <a:p>
+            <a:endParaRPr lang="en-US" dirty="0"/>
+          </a:p>
+          <a:p>
+            <a:r>
+              <a:rPr lang="en-US" dirty="0" smtClean="0"/>
+              <a:t>If you haven’t been tinkering with your settings, you have the “default” settings that the Iowa staff produced for your user experience. </a:t>
+            </a:r>
+            <a:br>
+              <a:rPr lang="en-US" dirty="0" smtClean="0"/>
+            </a:br>
+            <a:endParaRPr lang="en-US" dirty="0" smtClean="0"/>
+          </a:p>
+          <a:p>
+            <a:r>
+              <a:rPr lang="en-US" dirty="0" smtClean="0"/>
+              <a:t>In order to see your current environmental variables, use the “set” command right now:</a:t>
+            </a:r>
+            <a:endParaRPr lang="en-US" dirty="0"/>
+          </a:p>
+        </p:txBody>
+      </p:sp>
+      <p:pic>
+        <p:nvPicPr>
+          <p:cNvPr id="4" name="Picture 3"/>
+          <p:cNvPicPr>
+            <a:picLocks noChangeAspect="1"/>
+          </p:cNvPicPr>
+          <p:nvPr/>
+        </p:nvPicPr>
+        <p:blipFill>
+          <a:blip r:embed="rId2"/>
+          <a:stretch>
+            <a:fillRect/>
+          </a:stretch>
+        </p:blipFill>
+        <p:spPr>
+          <a:xfrm>
+            <a:off x="4733925" y="5813059"/>
+            <a:ext cx="1387747" cy="515449"/>
+          </a:xfrm>
+          <a:prstGeom prst="rect">
+            <a:avLst/>
+          </a:prstGeom>
+        </p:spPr>
+      </p:pic>
+    </p:spTree>
+    <p:extLst>
+      <p:ext uri="{BB962C8B-B14F-4D97-AF65-F5344CB8AC3E}">
+        <p14:creationId xmlns:p14="http://schemas.microsoft.com/office/powerpoint/2010/main" val="870827819"/>
+      </p:ext>
+    </p:extLst>
+  </p:cSld>
+  <p:clrMapOvr>
+    <a:masterClrMapping/>
+  </p:clrMapOvr>
+  <p:timing>
+    <p:tnLst>
+      <p:par>
+        <p:cTn id="1" dur="indefinite" restart="never" nodeType="tmRoot">
+          <p:childTnLst>
+            <p:seq concurrent="1" nextAc="seek">
+              <p:cTn id="2" dur="indefinite" nodeType="mainSeq">
+                <p:childTnLst>
+                  <p:par>
+                    <p:cTn id="3" fill="hold">
+                      <p:stCondLst>
+                        <p:cond delay="indefinite"/>
+                      </p:stCondLst>
+                      <p:childTnLst>
+                        <p:par>
+                          <p:cTn id="4" fill="hold">
+                            <p:stCondLst>
+                              <p:cond delay="0"/>
+                            </p:stCondLst>
+                            <p:childTnLst>
+                              <p:par>
+                                <p:cTn id="5" presetID="1" presetClass="entr" presetSubtype="0" fill="hold" nodeType="clickEffect">
+                                  <p:stCondLst>
+                                    <p:cond delay="0"/>
+                                  </p:stCondLst>
+                                  <p:childTnLst>
+                                    <p:set>
+                                      <p:cBhvr>
+                                        <p:cTn id="6" dur="1" fill="hold">
+                                          <p:stCondLst>
+                                            <p:cond delay="0"/>
+                                          </p:stCondLst>
+                                        </p:cTn>
+                                        <p:tgtEl>
+                                          <p:spTgt spid="3">
+                                            <p:txEl>
+                                              <p:pRg st="3" end="3"/>
+                                            </p:txEl>
+                                          </p:spTgt>
+                                        </p:tgtEl>
+                                        <p:attrNameLst>
+                                          <p:attrName>style.visibility</p:attrName>
+                                        </p:attrNameLst>
+                                      </p:cBhvr>
+                                      <p:to>
+                                        <p:strVal val="visible"/>
+                                      </p:to>
+                                    </p:set>
+                                  </p:childTnLst>
+                                </p:cTn>
+                              </p:par>
+                              <p:par>
+                                <p:cTn id="7" presetID="1" presetClass="entr" presetSubtype="0" fill="hold" nodeType="withEffect">
+                                  <p:stCondLst>
+                                    <p:cond delay="0"/>
+                                  </p:stCondLst>
+                                  <p:childTnLst>
+                                    <p:set>
+                                      <p:cBhvr>
+                                        <p:cTn id="8" dur="1" fill="hold">
+                                          <p:stCondLst>
+                                            <p:cond delay="0"/>
+                                          </p:stCondLst>
+                                        </p:cTn>
+                                        <p:tgtEl>
+                                          <p:spTgt spid="4"/>
+                                        </p:tgtEl>
+                                        <p:attrNameLst>
+                                          <p:attrName>style.visibility</p:attrName>
+                                        </p:attrNameLst>
+                                      </p:cBhvr>
+                                      <p:to>
+                                        <p:strVal val="visible"/>
+                                      </p:to>
+                                    </p:set>
+                                  </p:childTnLst>
+                                </p:cTn>
+                              </p:par>
+                            </p:childTnLst>
+                          </p:cTn>
+                        </p:par>
+                      </p:childTnLst>
+                    </p:cTn>
+                  </p:par>
+                </p:childTnLst>
+              </p:cTn>
+              <p:prevCondLst>
+                <p:cond evt="onPrev" delay="0">
+                  <p:tgtEl>
+                    <p:sldTgt/>
+                  </p:tgtEl>
+                </p:cond>
+              </p:prevCondLst>
+              <p:nextCondLst>
+                <p:cond evt="onNext" delay="0">
+                  <p:tgtEl>
+                    <p:sldTgt/>
+                  </p:tgtEl>
+                </p:cond>
+              </p:nextCondLst>
+            </p:seq>
+          </p:childTnLst>
+        </p:cTn>
+      </p:par>
+    </p:tnLst>
+  </p:timing>
+</p:sld>
+</file>
+
+<file path=ppt/slides/slide30.xml><?xml version="1.0" encoding="utf-8"?>
+<p:sld xmlns:a="http://schemas.openxmlformats.org/drawingml/2006/main" xmlns:r="http://schemas.openxmlformats.org/officeDocument/2006/relationships" xmlns:p="http://schemas.openxmlformats.org/presentationml/2006/main">
+  <p:cSld>
+    <p:spTree>
+      <p:nvGrpSpPr>
+        <p:cNvPr id="1" name=""/>
+        <p:cNvGrpSpPr/>
+        <p:nvPr/>
+      </p:nvGrpSpPr>
+      <p:grpSpPr>
+        <a:xfrm>
+          <a:off x="0" y="0"/>
+          <a:ext cx="0" cy="0"/>
+          <a:chOff x="0" y="0"/>
+          <a:chExt cx="0" cy="0"/>
+        </a:xfrm>
+      </p:grpSpPr>
+      <p:sp>
+        <p:nvSpPr>
+          <p:cNvPr id="2" name="Title 1"/>
+          <p:cNvSpPr>
+            <a:spLocks noGrp="1"/>
+          </p:cNvSpPr>
+          <p:nvPr>
+            <p:ph type="title"/>
+          </p:nvPr>
+        </p:nvSpPr>
+        <p:spPr/>
+        <p:txBody>
+          <a:bodyPr/>
+          <a:lstStyle/>
+          <a:p>
+            <a:r>
+              <a:rPr lang="en-US" dirty="0" smtClean="0"/>
+              <a:t>Important resources in SBATCH and SRUN</a:t>
+            </a:r>
+            <a:endParaRPr lang="en-US" dirty="0"/>
+          </a:p>
+        </p:txBody>
+      </p:sp>
+      <p:graphicFrame>
+        <p:nvGraphicFramePr>
+          <p:cNvPr id="4" name="Content Placeholder 3"/>
+          <p:cNvGraphicFramePr>
+            <a:graphicFrameLocks noGrp="1"/>
+          </p:cNvGraphicFramePr>
+          <p:nvPr>
+            <p:ph idx="1"/>
+            <p:extLst>
+              <p:ext uri="{D42A27DB-BD31-4B8C-83A1-F6EECF244321}">
+                <p14:modId xmlns:p14="http://schemas.microsoft.com/office/powerpoint/2010/main" val="125430043"/>
+              </p:ext>
+            </p:extLst>
+          </p:nvPr>
+        </p:nvGraphicFramePr>
+        <p:xfrm>
+          <a:off x="838200" y="1825625"/>
+          <a:ext cx="10987453" cy="4297680"/>
+        </p:xfrm>
+        <a:graphic>
+          <a:graphicData uri="http://schemas.openxmlformats.org/drawingml/2006/table">
+            <a:tbl>
+              <a:tblPr firstRow="1" bandRow="1">
+                <a:tableStyleId>{073A0DAA-6AF3-43AB-8588-CEC1D06C72B9}</a:tableStyleId>
+              </a:tblPr>
+              <a:tblGrid>
+                <a:gridCol w="2289655">
+                  <a:extLst>
+                    <a:ext uri="{9D8B030D-6E8A-4147-A177-3AD203B41FA5}">
+                      <a16:colId xmlns:a16="http://schemas.microsoft.com/office/drawing/2014/main" val="1881791918"/>
+                    </a:ext>
+                  </a:extLst>
+                </a:gridCol>
+                <a:gridCol w="3879629">
+                  <a:extLst>
+                    <a:ext uri="{9D8B030D-6E8A-4147-A177-3AD203B41FA5}">
+                      <a16:colId xmlns:a16="http://schemas.microsoft.com/office/drawing/2014/main" val="934674670"/>
+                    </a:ext>
+                  </a:extLst>
+                </a:gridCol>
+                <a:gridCol w="4818169">
+                  <a:extLst>
+                    <a:ext uri="{9D8B030D-6E8A-4147-A177-3AD203B41FA5}">
+                      <a16:colId xmlns:a16="http://schemas.microsoft.com/office/drawing/2014/main" val="4179359622"/>
+                    </a:ext>
+                  </a:extLst>
+                </a:gridCol>
+              </a:tblGrid>
+              <a:tr h="370840">
+                <a:tc>
+                  <a:txBody>
+                    <a:bodyPr/>
+                    <a:lstStyle/>
+                    <a:p>
+                      <a:r>
+                        <a:rPr lang="en-US" sz="2400" dirty="0" smtClean="0"/>
+                        <a:t>Short form</a:t>
+                      </a:r>
+                      <a:endParaRPr lang="en-US" sz="2400" dirty="0"/>
+                    </a:p>
+                  </a:txBody>
+                  <a:tcPr/>
+                </a:tc>
+                <a:tc>
+                  <a:txBody>
+                    <a:bodyPr/>
+                    <a:lstStyle/>
+                    <a:p>
+                      <a:r>
+                        <a:rPr lang="en-US" sz="2400" dirty="0" smtClean="0"/>
+                        <a:t>Long form</a:t>
+                      </a:r>
+                      <a:endParaRPr lang="en-US" sz="2400" dirty="0"/>
+                    </a:p>
+                  </a:txBody>
+                  <a:tcPr/>
+                </a:tc>
+                <a:tc>
+                  <a:txBody>
+                    <a:bodyPr/>
+                    <a:lstStyle/>
+                    <a:p>
+                      <a:r>
+                        <a:rPr lang="en-US" sz="2400" dirty="0" smtClean="0"/>
+                        <a:t>Description</a:t>
+                      </a:r>
+                      <a:endParaRPr lang="en-US" sz="2400" dirty="0"/>
+                    </a:p>
+                  </a:txBody>
+                  <a:tcPr/>
+                </a:tc>
+                <a:extLst>
+                  <a:ext uri="{0D108BD9-81ED-4DB2-BD59-A6C34878D82A}">
+                    <a16:rowId xmlns:a16="http://schemas.microsoft.com/office/drawing/2014/main" val="1667136482"/>
+                  </a:ext>
+                </a:extLst>
+              </a:tr>
+              <a:tr h="370840">
+                <a:tc>
+                  <a:txBody>
+                    <a:bodyPr/>
+                    <a:lstStyle/>
+                    <a:p>
+                      <a:r>
+                        <a:rPr lang="en-US" sz="2400" dirty="0" smtClean="0"/>
+                        <a:t>-N</a:t>
+                      </a:r>
+                      <a:endParaRPr lang="en-US" sz="2400" dirty="0"/>
+                    </a:p>
+                  </a:txBody>
+                  <a:tcPr/>
+                </a:tc>
+                <a:tc>
+                  <a:txBody>
+                    <a:bodyPr/>
+                    <a:lstStyle/>
+                    <a:p>
+                      <a:r>
+                        <a:rPr lang="en-US" sz="2400" dirty="0" smtClean="0"/>
+                        <a:t>--nodes=(value)</a:t>
+                      </a:r>
+                      <a:endParaRPr lang="en-US" sz="2400" dirty="0"/>
+                    </a:p>
+                  </a:txBody>
+                  <a:tcPr/>
+                </a:tc>
+                <a:tc>
+                  <a:txBody>
+                    <a:bodyPr/>
+                    <a:lstStyle/>
+                    <a:p>
+                      <a:r>
+                        <a:rPr lang="en-US" sz="2400" dirty="0" smtClean="0"/>
+                        <a:t>Number</a:t>
+                      </a:r>
+                      <a:r>
+                        <a:rPr lang="en-US" sz="2400" baseline="0" dirty="0" smtClean="0"/>
+                        <a:t> of nodes to use! (Usually 1)</a:t>
+                      </a:r>
+                      <a:endParaRPr lang="en-US" sz="2400" dirty="0"/>
+                    </a:p>
+                  </a:txBody>
+                  <a:tcPr/>
+                </a:tc>
+                <a:extLst>
+                  <a:ext uri="{0D108BD9-81ED-4DB2-BD59-A6C34878D82A}">
+                    <a16:rowId xmlns:a16="http://schemas.microsoft.com/office/drawing/2014/main" val="179360743"/>
+                  </a:ext>
+                </a:extLst>
+              </a:tr>
+              <a:tr h="370840">
+                <a:tc>
+                  <a:txBody>
+                    <a:bodyPr/>
+                    <a:lstStyle/>
+                    <a:p>
+                      <a:r>
+                        <a:rPr lang="en-US" sz="2400" dirty="0" smtClean="0"/>
+                        <a:t>-n</a:t>
+                      </a:r>
+                      <a:endParaRPr lang="en-US" sz="2400" dirty="0"/>
+                    </a:p>
+                  </a:txBody>
+                  <a:tcPr/>
+                </a:tc>
+                <a:tc>
+                  <a:txBody>
+                    <a:bodyPr/>
+                    <a:lstStyle/>
+                    <a:p>
+                      <a:r>
+                        <a:rPr lang="en-US" sz="2400" dirty="0" smtClean="0"/>
+                        <a:t>--</a:t>
+                      </a:r>
+                      <a:r>
+                        <a:rPr lang="en-US" sz="2400" dirty="0" err="1" smtClean="0"/>
+                        <a:t>ntasks</a:t>
+                      </a:r>
+                      <a:r>
+                        <a:rPr lang="en-US" sz="2400" dirty="0" smtClean="0"/>
+                        <a:t>-per-node=(value)</a:t>
+                      </a:r>
+                      <a:endParaRPr lang="en-US" sz="2400" dirty="0"/>
+                    </a:p>
+                  </a:txBody>
+                  <a:tcPr/>
+                </a:tc>
+                <a:tc>
+                  <a:txBody>
+                    <a:bodyPr/>
+                    <a:lstStyle/>
+                    <a:p>
+                      <a:r>
+                        <a:rPr lang="en-US" sz="2400" dirty="0" smtClean="0"/>
+                        <a:t>Number of CPUs to use on separate tasks.</a:t>
+                      </a:r>
+                      <a:endParaRPr lang="en-US" sz="2400" dirty="0"/>
+                    </a:p>
+                  </a:txBody>
+                  <a:tcPr/>
+                </a:tc>
+                <a:extLst>
+                  <a:ext uri="{0D108BD9-81ED-4DB2-BD59-A6C34878D82A}">
+                    <a16:rowId xmlns:a16="http://schemas.microsoft.com/office/drawing/2014/main" val="3564580302"/>
+                  </a:ext>
+                </a:extLst>
+              </a:tr>
+              <a:tr h="370840">
+                <a:tc>
+                  <a:txBody>
+                    <a:bodyPr/>
+                    <a:lstStyle/>
+                    <a:p>
+                      <a:r>
+                        <a:rPr lang="en-US" sz="2400" dirty="0" smtClean="0"/>
+                        <a:t>(none!)</a:t>
+                      </a:r>
+                      <a:endParaRPr lang="en-US" sz="2400" dirty="0"/>
+                    </a:p>
+                  </a:txBody>
+                  <a:tcPr/>
+                </a:tc>
+                <a:tc>
+                  <a:txBody>
+                    <a:bodyPr/>
+                    <a:lstStyle/>
+                    <a:p>
+                      <a:r>
+                        <a:rPr lang="en-US" sz="2400" dirty="0" smtClean="0"/>
+                        <a:t>--mem=(value)</a:t>
+                      </a:r>
+                      <a:endParaRPr lang="en-US" sz="2400" dirty="0"/>
+                    </a:p>
+                  </a:txBody>
+                  <a:tcPr/>
+                </a:tc>
+                <a:tc>
+                  <a:txBody>
+                    <a:bodyPr/>
+                    <a:lstStyle/>
+                    <a:p>
+                      <a:r>
+                        <a:rPr lang="en-US" sz="2400" dirty="0" smtClean="0"/>
+                        <a:t>Number of megabytes</a:t>
+                      </a:r>
+                      <a:r>
+                        <a:rPr lang="en-US" sz="2400" baseline="0" dirty="0" smtClean="0"/>
+                        <a:t> of RAM to use.</a:t>
+                      </a:r>
+                      <a:endParaRPr lang="en-US" sz="2400" dirty="0"/>
+                    </a:p>
+                  </a:txBody>
+                  <a:tcPr/>
+                </a:tc>
+                <a:extLst>
+                  <a:ext uri="{0D108BD9-81ED-4DB2-BD59-A6C34878D82A}">
+                    <a16:rowId xmlns:a16="http://schemas.microsoft.com/office/drawing/2014/main" val="116118161"/>
+                  </a:ext>
+                </a:extLst>
+              </a:tr>
+              <a:tr h="370840">
+                <a:tc>
+                  <a:txBody>
+                    <a:bodyPr/>
+                    <a:lstStyle/>
+                    <a:p>
+                      <a:r>
+                        <a:rPr lang="en-US" sz="2400" dirty="0" smtClean="0"/>
+                        <a:t>-p</a:t>
+                      </a:r>
+                      <a:endParaRPr lang="en-US" sz="2400" dirty="0"/>
+                    </a:p>
+                  </a:txBody>
+                  <a:tcPr/>
+                </a:tc>
+                <a:tc>
+                  <a:txBody>
+                    <a:bodyPr/>
+                    <a:lstStyle/>
+                    <a:p>
+                      <a:r>
+                        <a:rPr lang="en-US" sz="2400" dirty="0" smtClean="0"/>
+                        <a:t>--partition=(value)</a:t>
+                      </a:r>
+                      <a:endParaRPr lang="en-US" sz="2400" dirty="0"/>
+                    </a:p>
+                  </a:txBody>
+                  <a:tcPr/>
+                </a:tc>
+                <a:tc>
+                  <a:txBody>
+                    <a:bodyPr/>
+                    <a:lstStyle/>
+                    <a:p>
+                      <a:r>
+                        <a:rPr lang="en-US" sz="2400" dirty="0" smtClean="0"/>
+                        <a:t>The partition to use for the job (default is “short”)</a:t>
+                      </a:r>
+                      <a:endParaRPr lang="en-US" sz="2400" dirty="0"/>
+                    </a:p>
+                  </a:txBody>
+                  <a:tcPr/>
+                </a:tc>
+                <a:extLst>
+                  <a:ext uri="{0D108BD9-81ED-4DB2-BD59-A6C34878D82A}">
+                    <a16:rowId xmlns:a16="http://schemas.microsoft.com/office/drawing/2014/main" val="3538591526"/>
+                  </a:ext>
+                </a:extLst>
+              </a:tr>
+              <a:tr h="370840">
+                <a:tc>
+                  <a:txBody>
+                    <a:bodyPr/>
+                    <a:lstStyle/>
+                    <a:p>
+                      <a:r>
+                        <a:rPr lang="en-US" sz="2400" dirty="0" smtClean="0"/>
+                        <a:t>-t </a:t>
+                      </a:r>
+                      <a:endParaRPr lang="en-US" sz="2400" dirty="0"/>
+                    </a:p>
+                  </a:txBody>
+                  <a:tcPr/>
+                </a:tc>
+                <a:tc>
+                  <a:txBody>
+                    <a:bodyPr/>
+                    <a:lstStyle/>
+                    <a:p>
+                      <a:r>
+                        <a:rPr lang="en-US" sz="2400" dirty="0" smtClean="0"/>
+                        <a:t>--time=(value)</a:t>
+                      </a:r>
+                      <a:endParaRPr lang="en-US" sz="2400" dirty="0"/>
+                    </a:p>
+                  </a:txBody>
+                  <a:tcPr/>
+                </a:tc>
+                <a:tc>
+                  <a:txBody>
+                    <a:bodyPr/>
+                    <a:lstStyle/>
+                    <a:p>
+                      <a:r>
+                        <a:rPr lang="en-US" sz="2400" dirty="0" smtClean="0"/>
+                        <a:t>The time for running the job</a:t>
+                      </a:r>
+                      <a:endParaRPr lang="en-US" sz="2400" dirty="0"/>
+                    </a:p>
+                  </a:txBody>
+                  <a:tcPr/>
+                </a:tc>
+                <a:extLst>
+                  <a:ext uri="{0D108BD9-81ED-4DB2-BD59-A6C34878D82A}">
+                    <a16:rowId xmlns:a16="http://schemas.microsoft.com/office/drawing/2014/main" val="437313882"/>
+                  </a:ext>
+                </a:extLst>
+              </a:tr>
+              <a:tr h="370840">
+                <a:tc>
+                  <a:txBody>
+                    <a:bodyPr/>
+                    <a:lstStyle/>
+                    <a:p>
+                      <a:r>
+                        <a:rPr lang="en-US" sz="2400" dirty="0" smtClean="0"/>
+                        <a:t>-o</a:t>
+                      </a:r>
+                      <a:endParaRPr lang="en-US" sz="2400" dirty="0"/>
+                    </a:p>
+                  </a:txBody>
+                  <a:tcPr/>
+                </a:tc>
+                <a:tc>
+                  <a:txBody>
+                    <a:bodyPr/>
+                    <a:lstStyle/>
+                    <a:p>
+                      <a:r>
+                        <a:rPr lang="en-US" sz="2400" dirty="0" smtClean="0"/>
+                        <a:t>--output=(value)</a:t>
+                      </a:r>
+                      <a:endParaRPr lang="en-US" sz="2400" dirty="0"/>
+                    </a:p>
+                  </a:txBody>
+                  <a:tcPr/>
+                </a:tc>
+                <a:tc>
+                  <a:txBody>
+                    <a:bodyPr/>
+                    <a:lstStyle/>
+                    <a:p>
+                      <a:r>
+                        <a:rPr lang="en-US" sz="2400" dirty="0" smtClean="0"/>
+                        <a:t>The text file name for STDOUT</a:t>
+                      </a:r>
+                      <a:endParaRPr lang="en-US" sz="2400" dirty="0"/>
+                    </a:p>
+                  </a:txBody>
+                  <a:tcPr/>
+                </a:tc>
+                <a:extLst>
+                  <a:ext uri="{0D108BD9-81ED-4DB2-BD59-A6C34878D82A}">
+                    <a16:rowId xmlns:a16="http://schemas.microsoft.com/office/drawing/2014/main" val="2421615116"/>
+                  </a:ext>
+                </a:extLst>
+              </a:tr>
+            </a:tbl>
+          </a:graphicData>
+        </a:graphic>
+      </p:graphicFrame>
+    </p:spTree>
+    <p:extLst>
+      <p:ext uri="{BB962C8B-B14F-4D97-AF65-F5344CB8AC3E}">
+        <p14:creationId xmlns:p14="http://schemas.microsoft.com/office/powerpoint/2010/main" val="1578263920"/>
+      </p:ext>
+    </p:extLst>
+  </p:cSld>
+  <p:clrMapOvr>
+    <a:masterClrMapping/>
+  </p:clrMapOvr>
+  <p:timing>
+    <p:tnLst>
+      <p:par>
+        <p:cTn id="1" dur="indefinite" restart="never" nodeType="tmRoot"/>
+      </p:par>
+    </p:tnLst>
+  </p:timing>
+</p:sld>
+</file>
+
+<file path=ppt/slides/slide31.xml><?xml version="1.0" encoding="utf-8"?>
+<p:sld xmlns:a="http://schemas.openxmlformats.org/drawingml/2006/main" xmlns:r="http://schemas.openxmlformats.org/officeDocument/2006/relationships" xmlns:p="http://schemas.openxmlformats.org/presentationml/2006/main">
+  <p:cSld>
+    <p:spTree>
+      <p:nvGrpSpPr>
+        <p:cNvPr id="1" name=""/>
+        <p:cNvGrpSpPr/>
+        <p:nvPr/>
+      </p:nvGrpSpPr>
+      <p:grpSpPr>
+        <a:xfrm>
+          <a:off x="0" y="0"/>
+          <a:ext cx="0" cy="0"/>
+          <a:chOff x="0" y="0"/>
+          <a:chExt cx="0" cy="0"/>
+        </a:xfrm>
+      </p:grpSpPr>
+      <p:sp>
+        <p:nvSpPr>
+          <p:cNvPr id="2" name="Title 1"/>
+          <p:cNvSpPr>
+            <a:spLocks noGrp="1"/>
+          </p:cNvSpPr>
+          <p:nvPr>
+            <p:ph type="title"/>
+          </p:nvPr>
+        </p:nvSpPr>
+        <p:spPr/>
+        <p:txBody>
+          <a:bodyPr/>
+          <a:lstStyle/>
+          <a:p>
+            <a:r>
+              <a:rPr lang="en-US" dirty="0" smtClean="0"/>
+              <a:t>Working on </a:t>
+            </a:r>
+            <a:r>
+              <a:rPr lang="en-US" dirty="0" smtClean="0"/>
+              <a:t>a cluster: </a:t>
+            </a:r>
+            <a:r>
+              <a:rPr lang="en-US" dirty="0" smtClean="0"/>
+              <a:t>submitting interactive or batch jobs</a:t>
             </a:r>
             <a:endParaRPr lang="en-US" dirty="0"/>
           </a:p>
@@ -11780,7 +13044,7 @@
 </p:sld>
 </file>
 
-<file path=ppt/slides/slide29.xml><?xml version="1.0" encoding="utf-8"?>
+<file path=ppt/slides/slide32.xml><?xml version="1.0" encoding="utf-8"?>
 <p:sld xmlns:a="http://schemas.openxmlformats.org/drawingml/2006/main" xmlns:r="http://schemas.openxmlformats.org/officeDocument/2006/relationships" xmlns:p="http://schemas.openxmlformats.org/presentationml/2006/main">
   <p:cSld>
     <p:spTree>
@@ -11832,8 +13096,8 @@
         </p:nvSpPr>
         <p:spPr>
           <a:xfrm>
-            <a:off x="2152650" y="1825625"/>
-            <a:ext cx="7886700" cy="4550008"/>
+            <a:off x="1002323" y="1825625"/>
+            <a:ext cx="10207869" cy="4550008"/>
           </a:xfrm>
         </p:spPr>
         <p:txBody>
@@ -11844,7 +13108,15 @@
           <a:p>
             <a:r>
               <a:rPr lang="en-US" dirty="0" smtClean="0"/>
-              <a:t>Let’s talk about how you can queue up an interactive session on Ceres using the “</a:t>
+              <a:t>Let’s talk about how you can queue up an interactive session on </a:t>
+            </a:r>
+            <a:r>
+              <a:rPr lang="en-US" dirty="0" smtClean="0"/>
+              <a:t>an HPC </a:t>
+            </a:r>
+            <a:r>
+              <a:rPr lang="en-US" dirty="0" smtClean="0"/>
+              <a:t>using the “</a:t>
             </a:r>
             <a:r>
               <a:rPr lang="en-US" dirty="0" err="1" smtClean="0">
@@ -12036,7 +13308,6 @@
                 <a:rPr lang="en-US" dirty="0"/>
                 <a:t>Command</a:t>
               </a:r>
-              <a:endParaRPr lang="en-US" dirty="0"/>
             </a:p>
           </p:txBody>
         </p:sp>
@@ -12146,7 +13417,6 @@
                   <a:rPr lang="en-US" dirty="0"/>
                   <a:t>Nodes</a:t>
                 </a:r>
-                <a:endParaRPr lang="en-US" dirty="0"/>
               </a:p>
             </p:txBody>
           </p:sp>
@@ -12338,7 +13608,6 @@
                   <a:rPr lang="en-US" dirty="0"/>
                   <a:t>Memory (Megabytes)</a:t>
                 </a:r>
-                <a:endParaRPr lang="en-US" dirty="0"/>
               </a:p>
             </p:txBody>
           </p:sp>
@@ -12435,7 +13704,6 @@
                 <a:rPr lang="en-US" dirty="0"/>
                 <a:t>Important (memorize)</a:t>
               </a:r>
-              <a:endParaRPr lang="en-US" dirty="0"/>
             </a:p>
           </p:txBody>
         </p:sp>
@@ -12667,234 +13935,7 @@
 </p:sld>
 </file>
 
-<file path=ppt/slides/slide3.xml><?xml version="1.0" encoding="utf-8"?>
-<p:sld xmlns:a="http://schemas.openxmlformats.org/drawingml/2006/main" xmlns:r="http://schemas.openxmlformats.org/officeDocument/2006/relationships" xmlns:p="http://schemas.openxmlformats.org/presentationml/2006/main">
-  <p:cSld>
-    <p:spTree>
-      <p:nvGrpSpPr>
-        <p:cNvPr id="1" name=""/>
-        <p:cNvGrpSpPr/>
-        <p:nvPr/>
-      </p:nvGrpSpPr>
-      <p:grpSpPr>
-        <a:xfrm>
-          <a:off x="0" y="0"/>
-          <a:ext cx="0" cy="0"/>
-          <a:chOff x="0" y="0"/>
-          <a:chExt cx="0" cy="0"/>
-        </a:xfrm>
-      </p:grpSpPr>
-      <p:sp>
-        <p:nvSpPr>
-          <p:cNvPr id="2" name="Title 1"/>
-          <p:cNvSpPr>
-            <a:spLocks noGrp="1"/>
-          </p:cNvSpPr>
-          <p:nvPr>
-            <p:ph type="title"/>
-          </p:nvPr>
-        </p:nvSpPr>
-        <p:spPr/>
-        <p:txBody>
-          <a:bodyPr/>
-          <a:lstStyle/>
-          <a:p>
-            <a:r>
-              <a:rPr lang="en-US" dirty="0" smtClean="0"/>
-              <a:t>The Unix environment</a:t>
-            </a:r>
-            <a:endParaRPr lang="en-US" dirty="0"/>
-          </a:p>
-        </p:txBody>
-      </p:sp>
-      <p:sp>
-        <p:nvSpPr>
-          <p:cNvPr id="3" name="Content Placeholder 2"/>
-          <p:cNvSpPr>
-            <a:spLocks noGrp="1"/>
-          </p:cNvSpPr>
-          <p:nvPr>
-            <p:ph idx="1"/>
-          </p:nvPr>
-        </p:nvSpPr>
-        <p:spPr/>
-        <p:txBody>
-          <a:bodyPr>
-            <a:normAutofit lnSpcReduction="10000"/>
-          </a:bodyPr>
-          <a:lstStyle/>
-          <a:p>
-            <a:r>
-              <a:rPr lang="en-US" dirty="0" smtClean="0"/>
-              <a:t>This will take a bit of getting used to, but you have a customized user environment in Unix. As soon as you log in, several text files are read in your home directory that will customize various details of your user experience.</a:t>
-            </a:r>
-          </a:p>
-          <a:p>
-            <a:endParaRPr lang="en-US" dirty="0"/>
-          </a:p>
-          <a:p>
-            <a:r>
-              <a:rPr lang="en-US" dirty="0" smtClean="0"/>
-              <a:t>If you haven’t been tinkering with your settings, you have the “default” settings that the Iowa staff produced for your user experience. </a:t>
-            </a:r>
-            <a:br>
-              <a:rPr lang="en-US" dirty="0" smtClean="0"/>
-            </a:br>
-            <a:endParaRPr lang="en-US" dirty="0" smtClean="0"/>
-          </a:p>
-          <a:p>
-            <a:r>
-              <a:rPr lang="en-US" dirty="0" smtClean="0"/>
-              <a:t>In order to see your current environmental variables, use the “set” command right now:</a:t>
-            </a:r>
-            <a:endParaRPr lang="en-US" dirty="0"/>
-          </a:p>
-        </p:txBody>
-      </p:sp>
-      <p:pic>
-        <p:nvPicPr>
-          <p:cNvPr id="4" name="Picture 3"/>
-          <p:cNvPicPr>
-            <a:picLocks noChangeAspect="1"/>
-          </p:cNvPicPr>
-          <p:nvPr/>
-        </p:nvPicPr>
-        <p:blipFill>
-          <a:blip r:embed="rId2"/>
-          <a:stretch>
-            <a:fillRect/>
-          </a:stretch>
-        </p:blipFill>
-        <p:spPr>
-          <a:xfrm>
-            <a:off x="5287841" y="5512045"/>
-            <a:ext cx="666750" cy="247650"/>
-          </a:xfrm>
-          <a:prstGeom prst="rect">
-            <a:avLst/>
-          </a:prstGeom>
-        </p:spPr>
-      </p:pic>
-    </p:spTree>
-    <p:extLst>
-      <p:ext uri="{BB962C8B-B14F-4D97-AF65-F5344CB8AC3E}">
-        <p14:creationId xmlns:p14="http://schemas.microsoft.com/office/powerpoint/2010/main" val="870827819"/>
-      </p:ext>
-    </p:extLst>
-  </p:cSld>
-  <p:clrMapOvr>
-    <a:masterClrMapping/>
-  </p:clrMapOvr>
-  <p:timing>
-    <p:tnLst>
-      <p:par>
-        <p:cTn id="1" dur="indefinite" restart="never" nodeType="tmRoot">
-          <p:childTnLst>
-            <p:seq concurrent="1" nextAc="seek">
-              <p:cTn id="2" dur="indefinite" nodeType="mainSeq">
-                <p:childTnLst>
-                  <p:par>
-                    <p:cTn id="3" fill="hold">
-                      <p:stCondLst>
-                        <p:cond delay="indefinite"/>
-                      </p:stCondLst>
-                      <p:childTnLst>
-                        <p:par>
-                          <p:cTn id="4" fill="hold">
-                            <p:stCondLst>
-                              <p:cond delay="0"/>
-                            </p:stCondLst>
-                            <p:childTnLst>
-                              <p:par>
-                                <p:cTn id="5" presetID="1" presetClass="entr" presetSubtype="0" fill="hold" nodeType="clickEffect">
-                                  <p:stCondLst>
-                                    <p:cond delay="0"/>
-                                  </p:stCondLst>
-                                  <p:childTnLst>
-                                    <p:set>
-                                      <p:cBhvr>
-                                        <p:cTn id="6" dur="1" fill="hold">
-                                          <p:stCondLst>
-                                            <p:cond delay="0"/>
-                                          </p:stCondLst>
-                                        </p:cTn>
-                                        <p:tgtEl>
-                                          <p:spTgt spid="3">
-                                            <p:txEl>
-                                              <p:pRg st="3" end="3"/>
-                                            </p:txEl>
-                                          </p:spTgt>
-                                        </p:tgtEl>
-                                        <p:attrNameLst>
-                                          <p:attrName>style.visibility</p:attrName>
-                                        </p:attrNameLst>
-                                      </p:cBhvr>
-                                      <p:to>
-                                        <p:strVal val="visible"/>
-                                      </p:to>
-                                    </p:set>
-                                  </p:childTnLst>
-                                </p:cTn>
-                              </p:par>
-                              <p:par>
-                                <p:cTn id="7" presetID="1" presetClass="entr" presetSubtype="0" fill="hold" nodeType="withEffect">
-                                  <p:stCondLst>
-                                    <p:cond delay="0"/>
-                                  </p:stCondLst>
-                                  <p:childTnLst>
-                                    <p:set>
-                                      <p:cBhvr>
-                                        <p:cTn id="8" dur="1" fill="hold">
-                                          <p:stCondLst>
-                                            <p:cond delay="0"/>
-                                          </p:stCondLst>
-                                        </p:cTn>
-                                        <p:tgtEl>
-                                          <p:spTgt spid="4"/>
-                                        </p:tgtEl>
-                                        <p:attrNameLst>
-                                          <p:attrName>style.visibility</p:attrName>
-                                        </p:attrNameLst>
-                                      </p:cBhvr>
-                                      <p:to>
-                                        <p:strVal val="visible"/>
-                                      </p:to>
-                                    </p:set>
-                                  </p:childTnLst>
-                                </p:cTn>
-                              </p:par>
-                            </p:childTnLst>
-                          </p:cTn>
-                        </p:par>
-                      </p:childTnLst>
-                    </p:cTn>
-                  </p:par>
-                </p:childTnLst>
-              </p:cTn>
-              <p:prevCondLst>
-                <p:cond evt="onPrev" delay="0">
-                  <p:tgtEl>
-                    <p:sldTgt/>
-                  </p:tgtEl>
-                </p:cond>
-              </p:prevCondLst>
-              <p:nextCondLst>
-                <p:cond evt="onNext" delay="0">
-                  <p:tgtEl>
-                    <p:sldTgt/>
-                  </p:tgtEl>
-                </p:cond>
-              </p:nextCondLst>
-            </p:seq>
-          </p:childTnLst>
-        </p:cTn>
-      </p:par>
-    </p:tnLst>
-  </p:timing>
-</p:sld>
-</file>
-
-<file path=ppt/slides/slide30.xml><?xml version="1.0" encoding="utf-8"?>
+<file path=ppt/slides/slide33.xml><?xml version="1.0" encoding="utf-8"?>
 <p:sld xmlns:a="http://schemas.openxmlformats.org/drawingml/2006/main" xmlns:r="http://schemas.openxmlformats.org/officeDocument/2006/relationships" xmlns:p="http://schemas.openxmlformats.org/presentationml/2006/main">
   <p:cSld>
     <p:spTree>
@@ -13078,7 +14119,7 @@
         </p:blipFill>
         <p:spPr>
           <a:xfrm>
-            <a:off x="3616595" y="5984172"/>
+            <a:off x="3880453" y="5984171"/>
             <a:ext cx="4114242" cy="385583"/>
           </a:xfrm>
           <a:prstGeom prst="rect">
@@ -13223,7 +14264,7 @@
 </p:sld>
 </file>
 
-<file path=ppt/slides/slide31.xml><?xml version="1.0" encoding="utf-8"?>
+<file path=ppt/slides/slide34.xml><?xml version="1.0" encoding="utf-8"?>
 <p:sld xmlns:a="http://schemas.openxmlformats.org/drawingml/2006/main" xmlns:r="http://schemas.openxmlformats.org/officeDocument/2006/relationships" xmlns:p="http://schemas.openxmlformats.org/presentationml/2006/main">
   <p:cSld>
     <p:spTree>
@@ -13337,7 +14378,7 @@
         </p:blipFill>
         <p:spPr>
           <a:xfrm>
-            <a:off x="1895475" y="2837151"/>
+            <a:off x="1952625" y="2895873"/>
             <a:ext cx="8401050" cy="657225"/>
           </a:xfrm>
           <a:prstGeom prst="rect">
@@ -13360,7 +14401,7 @@
         </p:blipFill>
         <p:spPr>
           <a:xfrm>
-            <a:off x="1838325" y="4688032"/>
+            <a:off x="1895475" y="4939701"/>
             <a:ext cx="8515350" cy="244187"/>
           </a:xfrm>
           <a:prstGeom prst="rect">
@@ -13480,7 +14521,7 @@
 </p:sld>
 </file>
 
-<file path=ppt/slides/slide32.xml><?xml version="1.0" encoding="utf-8"?>
+<file path=ppt/slides/slide35.xml><?xml version="1.0" encoding="utf-8"?>
 <p:sld xmlns:a="http://schemas.openxmlformats.org/drawingml/2006/main" xmlns:r="http://schemas.openxmlformats.org/officeDocument/2006/relationships" xmlns:p="http://schemas.openxmlformats.org/presentationml/2006/main">
   <p:cSld>
     <p:spTree>
@@ -13518,7 +14559,11 @@
             </a:r>
             <a:r>
               <a:rPr lang="en-US" dirty="0" smtClean="0"/>
-              <a:t>: Submitting batch jobs on Ceres</a:t>
+              <a:t>: Submitting batch jobs </a:t>
+            </a:r>
+            <a:r>
+              <a:rPr lang="en-US" dirty="0" smtClean="0"/>
+              <a:t>on SLURM</a:t>
             </a:r>
             <a:endParaRPr lang="en-US" dirty="0"/>
           </a:p>
@@ -13575,12 +14620,20 @@
               <a:t> jobs which run in the background. Let’s first move to the </a:t>
             </a:r>
             <a:r>
+              <a:rPr lang="en-US" dirty="0" smtClean="0"/>
+              <a:t>lesson2/</a:t>
+            </a:r>
+            <a:r>
               <a:rPr lang="en-US" dirty="0" err="1" smtClean="0"/>
               <a:t>sublessonC</a:t>
             </a:r>
             <a:r>
               <a:rPr lang="en-US" dirty="0" smtClean="0"/>
-              <a:t> folder in this lecture and try our hands with this.</a:t>
+              <a:t> </a:t>
+            </a:r>
+            <a:r>
+              <a:rPr lang="en-US" dirty="0" smtClean="0"/>
+              <a:t>folder in this lecture and try our hands with this.</a:t>
             </a:r>
           </a:p>
           <a:p>
@@ -13642,7 +14695,7 @@
         </p:blipFill>
         <p:spPr>
           <a:xfrm>
-            <a:off x="1790969" y="6043075"/>
+            <a:off x="1790967" y="6178011"/>
             <a:ext cx="8610061" cy="267777"/>
           </a:xfrm>
           <a:prstGeom prst="rect">
@@ -13666,7 +14719,7 @@
         </p:blipFill>
         <p:spPr>
           <a:xfrm>
-            <a:off x="3805238" y="3955250"/>
+            <a:off x="3805236" y="4190142"/>
             <a:ext cx="4581525" cy="476250"/>
           </a:xfrm>
           <a:prstGeom prst="rect">
@@ -13793,7 +14846,7 @@
 </p:sld>
 </file>
 
-<file path=ppt/slides/slide33.xml><?xml version="1.0" encoding="utf-8"?>
+<file path=ppt/slides/slide36.xml><?xml version="1.0" encoding="utf-8"?>
 <p:sld xmlns:a="http://schemas.openxmlformats.org/drawingml/2006/main" xmlns:r="http://schemas.openxmlformats.org/officeDocument/2006/relationships" xmlns:p="http://schemas.openxmlformats.org/presentationml/2006/main">
   <p:cSld>
     <p:spTree>
@@ -13849,13 +14902,13 @@
         </p:nvSpPr>
         <p:spPr>
           <a:xfrm>
-            <a:off x="2152650" y="1551710"/>
-            <a:ext cx="7886700" cy="5306291"/>
+            <a:off x="1011115" y="1551710"/>
+            <a:ext cx="10454054" cy="5306291"/>
           </a:xfrm>
         </p:spPr>
         <p:txBody>
           <a:bodyPr>
-            <a:normAutofit fontScale="85000" lnSpcReduction="20000"/>
+            <a:normAutofit fontScale="92500" lnSpcReduction="10000"/>
           </a:bodyPr>
           <a:lstStyle/>
           <a:p>
@@ -14040,7 +15093,7 @@
         </p:blipFill>
         <p:spPr>
           <a:xfrm>
-            <a:off x="4609941" y="5124584"/>
+            <a:off x="4609941" y="5407927"/>
             <a:ext cx="2684752" cy="317409"/>
           </a:xfrm>
           <a:prstGeom prst="rect">
@@ -14216,7 +15269,7 @@
 </p:sld>
 </file>
 
-<file path=ppt/slides/slide34.xml><?xml version="1.0" encoding="utf-8"?>
+<file path=ppt/slides/slide37.xml><?xml version="1.0" encoding="utf-8"?>
 <p:sld xmlns:a="http://schemas.openxmlformats.org/drawingml/2006/main" xmlns:r="http://schemas.openxmlformats.org/officeDocument/2006/relationships" xmlns:p="http://schemas.openxmlformats.org/presentationml/2006/main">
   <p:cSld>
     <p:spTree>
@@ -14411,7 +15464,7 @@
 </p:sld>
 </file>
 
-<file path=ppt/slides/slide35.xml><?xml version="1.0" encoding="utf-8"?>
+<file path=ppt/slides/slide38.xml><?xml version="1.0" encoding="utf-8"?>
 <p:sld xmlns:a="http://schemas.openxmlformats.org/drawingml/2006/main" xmlns:r="http://schemas.openxmlformats.org/officeDocument/2006/relationships" xmlns:p="http://schemas.openxmlformats.org/presentationml/2006/main">
   <p:cSld>
     <p:spTree>
@@ -14524,6 +15577,30 @@
           </a:p>
         </p:txBody>
       </p:sp>
+      <p:pic>
+        <p:nvPicPr>
+          <p:cNvPr id="5" name="Picture 4"/>
+          <p:cNvPicPr>
+            <a:picLocks noChangeAspect="1"/>
+          </p:cNvPicPr>
+          <p:nvPr/>
+        </p:nvPicPr>
+        <p:blipFill>
+          <a:blip r:embed="rId2"/>
+          <a:stretch>
+            <a:fillRect/>
+          </a:stretch>
+        </p:blipFill>
+        <p:spPr>
+          <a:xfrm>
+            <a:off x="645135" y="6102716"/>
+            <a:ext cx="11188635" cy="418367"/>
+          </a:xfrm>
+          <a:prstGeom prst="rect">
+            <a:avLst/>
+          </a:prstGeom>
+        </p:spPr>
+      </p:pic>
     </p:spTree>
     <p:extLst>
       <p:ext uri="{BB962C8B-B14F-4D97-AF65-F5344CB8AC3E}">
@@ -14758,6 +15835,298 @@
 </p:sld>
 </file>
 
+<file path=ppt/slides/slide39.xml><?xml version="1.0" encoding="utf-8"?>
+<p:sld xmlns:a="http://schemas.openxmlformats.org/drawingml/2006/main" xmlns:r="http://schemas.openxmlformats.org/officeDocument/2006/relationships" xmlns:p="http://schemas.openxmlformats.org/presentationml/2006/main">
+  <p:cSld>
+    <p:spTree>
+      <p:nvGrpSpPr>
+        <p:cNvPr id="1" name=""/>
+        <p:cNvGrpSpPr/>
+        <p:nvPr/>
+      </p:nvGrpSpPr>
+      <p:grpSpPr>
+        <a:xfrm>
+          <a:off x="0" y="0"/>
+          <a:ext cx="0" cy="0"/>
+          <a:chOff x="0" y="0"/>
+          <a:chExt cx="0" cy="0"/>
+        </a:xfrm>
+      </p:grpSpPr>
+      <p:sp>
+        <p:nvSpPr>
+          <p:cNvPr id="2" name="Title 1"/>
+          <p:cNvSpPr>
+            <a:spLocks noGrp="1"/>
+          </p:cNvSpPr>
+          <p:nvPr>
+            <p:ph type="title"/>
+          </p:nvPr>
+        </p:nvSpPr>
+        <p:spPr/>
+        <p:txBody>
+          <a:bodyPr/>
+          <a:lstStyle/>
+          <a:p>
+            <a:r>
+              <a:rPr lang="en-US" dirty="0" smtClean="0"/>
+              <a:t>Conclusions and more learning</a:t>
+            </a:r>
+            <a:endParaRPr lang="en-US" dirty="0"/>
+          </a:p>
+        </p:txBody>
+      </p:sp>
+      <p:sp>
+        <p:nvSpPr>
+          <p:cNvPr id="3" name="Content Placeholder 2"/>
+          <p:cNvSpPr>
+            <a:spLocks noGrp="1"/>
+          </p:cNvSpPr>
+          <p:nvPr>
+            <p:ph idx="1"/>
+          </p:nvPr>
+        </p:nvSpPr>
+        <p:spPr/>
+        <p:txBody>
+          <a:bodyPr>
+            <a:normAutofit fontScale="92500" lnSpcReduction="20000"/>
+          </a:bodyPr>
+          <a:lstStyle/>
+          <a:p>
+            <a:r>
+              <a:rPr lang="en-US" dirty="0" smtClean="0"/>
+              <a:t>You’ve now written and submitted your first shell script! Congratulations! If you submit enough of them, your reward will be to get a survey from the </a:t>
+            </a:r>
+            <a:r>
+              <a:rPr lang="en-US" dirty="0" err="1" smtClean="0"/>
+              <a:t>hpc</a:t>
+            </a:r>
+            <a:r>
+              <a:rPr lang="en-US" dirty="0" smtClean="0"/>
+              <a:t> administration </a:t>
+            </a:r>
+            <a:r>
+              <a:rPr lang="en-US" dirty="0" smtClean="0"/>
+              <a:t>team </a:t>
+            </a:r>
+            <a:r>
+              <a:rPr lang="en-US" dirty="0" smtClean="0"/>
+              <a:t>(probably berating you! Yay!)</a:t>
+            </a:r>
+            <a:endParaRPr lang="en-US" dirty="0" smtClean="0"/>
+          </a:p>
+          <a:p>
+            <a:endParaRPr lang="en-US" dirty="0"/>
+          </a:p>
+          <a:p>
+            <a:r>
+              <a:rPr lang="en-US" dirty="0" smtClean="0"/>
+              <a:t>Using that template </a:t>
+            </a:r>
+            <a:r>
+              <a:rPr lang="en-US" dirty="0" err="1" smtClean="0"/>
+              <a:t>slurm</a:t>
+            </a:r>
+            <a:r>
+              <a:rPr lang="en-US" dirty="0" smtClean="0"/>
+              <a:t> script, you should have the basics down to run your own scripts. Your imagination is the limit! To start you out, I have packaged several example scripts. Many won’t work without tinkering! But these should give you a good idea of the types of things that you can package into shell scripts. To get them: </a:t>
+            </a:r>
+          </a:p>
+          <a:p>
+            <a:endParaRPr lang="en-US" dirty="0"/>
+          </a:p>
+          <a:p>
+            <a:endParaRPr lang="en-US" dirty="0" smtClean="0"/>
+          </a:p>
+          <a:p>
+            <a:r>
+              <a:rPr lang="en-US" dirty="0" smtClean="0"/>
+              <a:t>Always, always practice and try to learn new things! Most of my </a:t>
+            </a:r>
+            <a:r>
+              <a:rPr lang="en-US" dirty="0" err="1" smtClean="0"/>
+              <a:t>slurm</a:t>
+            </a:r>
+            <a:r>
+              <a:rPr lang="en-US" dirty="0" smtClean="0"/>
+              <a:t> scripts are based on examples learned from others!</a:t>
+            </a:r>
+            <a:endParaRPr lang="en-US" dirty="0"/>
+          </a:p>
+        </p:txBody>
+      </p:sp>
+      <p:sp>
+        <p:nvSpPr>
+          <p:cNvPr id="4" name="Rectangle 3"/>
+          <p:cNvSpPr/>
+          <p:nvPr/>
+        </p:nvSpPr>
+        <p:spPr>
+          <a:xfrm>
+            <a:off x="905608" y="4881881"/>
+            <a:ext cx="10682653" cy="461665"/>
+          </a:xfrm>
+          <a:prstGeom prst="rect">
+            <a:avLst/>
+          </a:prstGeom>
+        </p:spPr>
+        <p:txBody>
+          <a:bodyPr wrap="square">
+            <a:spAutoFit/>
+          </a:bodyPr>
+          <a:lstStyle/>
+          <a:p>
+            <a:r>
+              <a:rPr lang="en-US" sz="2400" dirty="0">
+                <a:solidFill>
+                  <a:srgbClr val="0070C0"/>
+                </a:solidFill>
+              </a:rPr>
+              <a:t>https://drive.google.com/open?id=1qnJLVC-npOUZK8p432o_1GsEDEahKscQ</a:t>
+            </a:r>
+          </a:p>
+        </p:txBody>
+      </p:sp>
+    </p:spTree>
+    <p:extLst>
+      <p:ext uri="{BB962C8B-B14F-4D97-AF65-F5344CB8AC3E}">
+        <p14:creationId xmlns:p14="http://schemas.microsoft.com/office/powerpoint/2010/main" val="4234268119"/>
+      </p:ext>
+    </p:extLst>
+  </p:cSld>
+  <p:clrMapOvr>
+    <a:masterClrMapping/>
+  </p:clrMapOvr>
+  <p:timing>
+    <p:tnLst>
+      <p:par>
+        <p:cTn id="1" dur="indefinite" restart="never" nodeType="tmRoot">
+          <p:childTnLst>
+            <p:seq concurrent="1" nextAc="seek">
+              <p:cTn id="2" dur="indefinite" nodeType="mainSeq">
+                <p:childTnLst>
+                  <p:par>
+                    <p:cTn id="3" fill="hold">
+                      <p:stCondLst>
+                        <p:cond delay="indefinite"/>
+                      </p:stCondLst>
+                      <p:childTnLst>
+                        <p:par>
+                          <p:cTn id="4" fill="hold">
+                            <p:stCondLst>
+                              <p:cond delay="0"/>
+                            </p:stCondLst>
+                            <p:childTnLst>
+                              <p:par>
+                                <p:cTn id="5" presetID="1" presetClass="entr" presetSubtype="0" fill="hold" nodeType="clickEffect">
+                                  <p:stCondLst>
+                                    <p:cond delay="0"/>
+                                  </p:stCondLst>
+                                  <p:childTnLst>
+                                    <p:set>
+                                      <p:cBhvr>
+                                        <p:cTn id="6" dur="1" fill="hold">
+                                          <p:stCondLst>
+                                            <p:cond delay="0"/>
+                                          </p:stCondLst>
+                                        </p:cTn>
+                                        <p:tgtEl>
+                                          <p:spTgt spid="3">
+                                            <p:txEl>
+                                              <p:pRg st="2" end="2"/>
+                                            </p:txEl>
+                                          </p:spTgt>
+                                        </p:tgtEl>
+                                        <p:attrNameLst>
+                                          <p:attrName>style.visibility</p:attrName>
+                                        </p:attrNameLst>
+                                      </p:cBhvr>
+                                      <p:to>
+                                        <p:strVal val="visible"/>
+                                      </p:to>
+                                    </p:set>
+                                  </p:childTnLst>
+                                </p:cTn>
+                              </p:par>
+                            </p:childTnLst>
+                          </p:cTn>
+                        </p:par>
+                      </p:childTnLst>
+                    </p:cTn>
+                  </p:par>
+                  <p:par>
+                    <p:cTn id="7" fill="hold">
+                      <p:stCondLst>
+                        <p:cond delay="indefinite"/>
+                      </p:stCondLst>
+                      <p:childTnLst>
+                        <p:par>
+                          <p:cTn id="8" fill="hold">
+                            <p:stCondLst>
+                              <p:cond delay="0"/>
+                            </p:stCondLst>
+                            <p:childTnLst>
+                              <p:par>
+                                <p:cTn id="9" presetID="1" presetClass="entr" presetSubtype="0" fill="hold" nodeType="clickEffect">
+                                  <p:stCondLst>
+                                    <p:cond delay="0"/>
+                                  </p:stCondLst>
+                                  <p:childTnLst>
+                                    <p:set>
+                                      <p:cBhvr>
+                                        <p:cTn id="10" dur="1" fill="hold">
+                                          <p:stCondLst>
+                                            <p:cond delay="0"/>
+                                          </p:stCondLst>
+                                        </p:cTn>
+                                        <p:tgtEl>
+                                          <p:spTgt spid="3">
+                                            <p:txEl>
+                                              <p:pRg st="5" end="5"/>
+                                            </p:txEl>
+                                          </p:spTgt>
+                                        </p:tgtEl>
+                                        <p:attrNameLst>
+                                          <p:attrName>style.visibility</p:attrName>
+                                        </p:attrNameLst>
+                                      </p:cBhvr>
+                                      <p:to>
+                                        <p:strVal val="visible"/>
+                                      </p:to>
+                                    </p:set>
+                                  </p:childTnLst>
+                                </p:cTn>
+                              </p:par>
+                            </p:childTnLst>
+                          </p:cTn>
+                        </p:par>
+                      </p:childTnLst>
+                    </p:cTn>
+                  </p:par>
+                </p:childTnLst>
+              </p:cTn>
+              <p:prevCondLst>
+                <p:cond evt="onPrev" delay="0">
+                  <p:tgtEl>
+                    <p:sldTgt/>
+                  </p:tgtEl>
+                </p:cond>
+              </p:prevCondLst>
+              <p:nextCondLst>
+                <p:cond evt="onNext" delay="0">
+                  <p:tgtEl>
+                    <p:sldTgt/>
+                  </p:tgtEl>
+                </p:cond>
+              </p:nextCondLst>
+            </p:seq>
+          </p:childTnLst>
+        </p:cTn>
+      </p:par>
+    </p:tnLst>
+  </p:timing>
+</p:sld>
+</file>
+
 <file path=ppt/slides/slide4.xml><?xml version="1.0" encoding="utf-8"?>
 <p:sld xmlns:a="http://schemas.openxmlformats.org/drawingml/2006/main" xmlns:r="http://schemas.openxmlformats.org/officeDocument/2006/relationships" xmlns:p="http://schemas.openxmlformats.org/presentationml/2006/main">
   <p:cSld>
@@ -14808,7 +16177,12 @@
             <p:ph idx="1"/>
           </p:nvPr>
         </p:nvSpPr>
-        <p:spPr/>
+        <p:spPr>
+          <a:xfrm>
+            <a:off x="838200" y="1546088"/>
+            <a:ext cx="10515600" cy="4351338"/>
+          </a:xfrm>
+        </p:spPr>
         <p:txBody>
           <a:bodyPr>
             <a:normAutofit fontScale="92500" lnSpcReduction="20000"/>
@@ -14857,8 +16231,8 @@
         </p:blipFill>
         <p:spPr>
           <a:xfrm>
-            <a:off x="4721103" y="5651256"/>
-            <a:ext cx="2028825" cy="285750"/>
+            <a:off x="4352191" y="5519149"/>
+            <a:ext cx="2979281" cy="419617"/>
           </a:xfrm>
           <a:prstGeom prst="rect">
             <a:avLst/>
@@ -14977,7 +16351,6 @@
                 <a:rPr lang="en-US" dirty="0"/>
                 <a:t>A</a:t>
               </a:r>
-              <a:endParaRPr lang="en-US" dirty="0"/>
             </a:p>
           </p:txBody>
         </p:sp>
@@ -15007,7 +16380,6 @@
                 <a:rPr lang="en-US" dirty="0"/>
                 <a:t>B</a:t>
               </a:r>
-              <a:endParaRPr lang="en-US" dirty="0"/>
             </a:p>
           </p:txBody>
         </p:sp>
@@ -15037,7 +16409,6 @@
                 <a:rPr lang="en-US" dirty="0"/>
                 <a:t>C</a:t>
               </a:r>
-              <a:endParaRPr lang="en-US" dirty="0"/>
             </a:p>
           </p:txBody>
         </p:sp>
@@ -15231,7 +16602,19 @@
           <a:p>
             <a:r>
               <a:rPr lang="en-US" dirty="0" smtClean="0"/>
-              <a:t>Your PATH – the location of frequently used executables </a:t>
+              <a:t>Your </a:t>
+            </a:r>
+            <a:r>
+              <a:rPr lang="en-US" dirty="0" smtClean="0">
+                <a:solidFill>
+                  <a:srgbClr val="FF0000"/>
+                </a:solidFill>
+              </a:rPr>
+              <a:t>PATH</a:t>
+            </a:r>
+            <a:r>
+              <a:rPr lang="en-US" dirty="0" smtClean="0"/>
+              <a:t> – the location of frequently used executables </a:t>
             </a:r>
             <a:endParaRPr lang="en-US" dirty="0"/>
           </a:p>
@@ -15256,7 +16639,19 @@
           <a:p>
             <a:r>
               <a:rPr lang="en-US" dirty="0" smtClean="0"/>
-              <a:t>Having learned this, I want to introduce you to “$PATH” which is the most important environmental variable. The “$PATH” variable holds a colon delimited list of the locations of all executables on the system that are available to you. Type this to see your current $PATH:</a:t>
+              <a:t>Having learned this, I want to introduce you to “</a:t>
+            </a:r>
+            <a:r>
+              <a:rPr lang="en-US" dirty="0" smtClean="0">
+                <a:solidFill>
+                  <a:srgbClr val="FF0000"/>
+                </a:solidFill>
+              </a:rPr>
+              <a:t>$PATH</a:t>
+            </a:r>
+            <a:r>
+              <a:rPr lang="en-US" dirty="0" smtClean="0"/>
+              <a:t>” which is the most important environmental variable. The “$PATH” variable holds a colon delimited list of the locations of all executables on the system that are available to you. Type this to see your current $PATH:</a:t>
             </a:r>
           </a:p>
           <a:p>
@@ -15353,8 +16748,8 @@
         </p:blipFill>
         <p:spPr>
           <a:xfrm>
-            <a:off x="3667857" y="5948363"/>
-            <a:ext cx="4610100" cy="228600"/>
+            <a:off x="3451647" y="5758962"/>
+            <a:ext cx="5415395" cy="268532"/>
           </a:xfrm>
           <a:prstGeom prst="rect">
             <a:avLst/>
@@ -15590,7 +16985,386 @@
           <a:p>
             <a:r>
               <a:rPr lang="en-US" dirty="0" smtClean="0"/>
-              <a:t>The module system: the rationale</a:t>
+              <a:t>Let’s test this out</a:t>
+            </a:r>
+            <a:endParaRPr lang="en-US" dirty="0"/>
+          </a:p>
+        </p:txBody>
+      </p:sp>
+      <p:sp>
+        <p:nvSpPr>
+          <p:cNvPr id="3" name="Content Placeholder 2"/>
+          <p:cNvSpPr>
+            <a:spLocks noGrp="1"/>
+          </p:cNvSpPr>
+          <p:nvPr>
+            <p:ph idx="1"/>
+          </p:nvPr>
+        </p:nvSpPr>
+        <p:spPr/>
+        <p:txBody>
+          <a:bodyPr>
+            <a:normAutofit/>
+          </a:bodyPr>
+          <a:lstStyle/>
+          <a:p>
+            <a:r>
+              <a:rPr lang="en-US" dirty="0" smtClean="0"/>
+              <a:t>First, copy and unpack the lesson materials:</a:t>
+            </a:r>
+          </a:p>
+          <a:p>
+            <a:endParaRPr lang="en-US" dirty="0"/>
+          </a:p>
+          <a:p>
+            <a:r>
+              <a:rPr lang="en-US" dirty="0" smtClean="0"/>
+              <a:t>Now, let’s go to the </a:t>
+            </a:r>
+            <a:r>
+              <a:rPr lang="en-US" dirty="0" err="1" smtClean="0"/>
+              <a:t>SublessonA</a:t>
+            </a:r>
+            <a:r>
+              <a:rPr lang="en-US" dirty="0" smtClean="0"/>
+              <a:t> folder and check the contents with “ls!”. </a:t>
+            </a:r>
+            <a:endParaRPr lang="en-US" dirty="0"/>
+          </a:p>
+          <a:p>
+            <a:r>
+              <a:rPr lang="en-US" dirty="0" smtClean="0"/>
+              <a:t>Interesting</a:t>
+            </a:r>
+            <a:r>
+              <a:rPr lang="en-US" dirty="0" smtClean="0"/>
+              <a:t>! We have an impostor! Let’s make it executable with </a:t>
+            </a:r>
+            <a:r>
+              <a:rPr lang="en-US" dirty="0" err="1" smtClean="0"/>
+              <a:t>chmod</a:t>
+            </a:r>
+            <a:r>
+              <a:rPr lang="en-US" dirty="0" smtClean="0"/>
+              <a:t>.</a:t>
+            </a:r>
+          </a:p>
+          <a:p>
+            <a:r>
+              <a:rPr lang="en-US" dirty="0" smtClean="0"/>
+              <a:t>Then, get your current directory and then add it to your path using the following command (without the parentheses!):</a:t>
+            </a:r>
+          </a:p>
+        </p:txBody>
+      </p:sp>
+      <p:pic>
+        <p:nvPicPr>
+          <p:cNvPr id="5" name="Picture 4"/>
+          <p:cNvPicPr>
+            <a:picLocks noChangeAspect="1"/>
+          </p:cNvPicPr>
+          <p:nvPr/>
+        </p:nvPicPr>
+        <p:blipFill>
+          <a:blip r:embed="rId2"/>
+          <a:stretch>
+            <a:fillRect/>
+          </a:stretch>
+        </p:blipFill>
+        <p:spPr>
+          <a:xfrm>
+            <a:off x="4427661" y="2307096"/>
+            <a:ext cx="3143250" cy="257175"/>
+          </a:xfrm>
+          <a:prstGeom prst="rect">
+            <a:avLst/>
+          </a:prstGeom>
+        </p:spPr>
+      </p:pic>
+      <p:pic>
+        <p:nvPicPr>
+          <p:cNvPr id="6" name="Picture 5"/>
+          <p:cNvPicPr>
+            <a:picLocks noChangeAspect="1"/>
+          </p:cNvPicPr>
+          <p:nvPr/>
+        </p:nvPicPr>
+        <p:blipFill>
+          <a:blip r:embed="rId3"/>
+          <a:stretch>
+            <a:fillRect/>
+          </a:stretch>
+        </p:blipFill>
+        <p:spPr>
+          <a:xfrm>
+            <a:off x="3183182" y="3301945"/>
+            <a:ext cx="6238875" cy="428625"/>
+          </a:xfrm>
+          <a:prstGeom prst="rect">
+            <a:avLst/>
+          </a:prstGeom>
+        </p:spPr>
+      </p:pic>
+      <p:pic>
+        <p:nvPicPr>
+          <p:cNvPr id="7" name="Picture 6"/>
+          <p:cNvPicPr>
+            <a:picLocks noChangeAspect="1"/>
+          </p:cNvPicPr>
+          <p:nvPr/>
+        </p:nvPicPr>
+        <p:blipFill>
+          <a:blip r:embed="rId4"/>
+          <a:stretch>
+            <a:fillRect/>
+          </a:stretch>
+        </p:blipFill>
+        <p:spPr>
+          <a:xfrm>
+            <a:off x="3878506" y="5489844"/>
+            <a:ext cx="4733925" cy="495300"/>
+          </a:xfrm>
+          <a:prstGeom prst="rect">
+            <a:avLst/>
+          </a:prstGeom>
+        </p:spPr>
+      </p:pic>
+      <p:pic>
+        <p:nvPicPr>
+          <p:cNvPr id="8" name="Picture 7"/>
+          <p:cNvPicPr>
+            <a:picLocks noChangeAspect="1"/>
+          </p:cNvPicPr>
+          <p:nvPr/>
+        </p:nvPicPr>
+        <p:blipFill>
+          <a:blip r:embed="rId5"/>
+          <a:stretch>
+            <a:fillRect/>
+          </a:stretch>
+        </p:blipFill>
+        <p:spPr>
+          <a:xfrm>
+            <a:off x="3878506" y="6288624"/>
+            <a:ext cx="4848225" cy="257175"/>
+          </a:xfrm>
+          <a:prstGeom prst="rect">
+            <a:avLst/>
+          </a:prstGeom>
+        </p:spPr>
+      </p:pic>
+    </p:spTree>
+    <p:extLst>
+      <p:ext uri="{BB962C8B-B14F-4D97-AF65-F5344CB8AC3E}">
+        <p14:creationId xmlns:p14="http://schemas.microsoft.com/office/powerpoint/2010/main" val="2070061812"/>
+      </p:ext>
+    </p:extLst>
+  </p:cSld>
+  <p:clrMapOvr>
+    <a:masterClrMapping/>
+  </p:clrMapOvr>
+  <p:timing>
+    <p:tnLst>
+      <p:par>
+        <p:cTn id="1" dur="indefinite" restart="never" nodeType="tmRoot">
+          <p:childTnLst>
+            <p:seq concurrent="1" nextAc="seek">
+              <p:cTn id="2" dur="indefinite" nodeType="mainSeq">
+                <p:childTnLst>
+                  <p:par>
+                    <p:cTn id="3" fill="hold">
+                      <p:stCondLst>
+                        <p:cond delay="indefinite"/>
+                      </p:stCondLst>
+                      <p:childTnLst>
+                        <p:par>
+                          <p:cTn id="4" fill="hold">
+                            <p:stCondLst>
+                              <p:cond delay="0"/>
+                            </p:stCondLst>
+                            <p:childTnLst>
+                              <p:par>
+                                <p:cTn id="5" presetID="1" presetClass="entr" presetSubtype="0" fill="hold" nodeType="clickEffect">
+                                  <p:stCondLst>
+                                    <p:cond delay="0"/>
+                                  </p:stCondLst>
+                                  <p:childTnLst>
+                                    <p:set>
+                                      <p:cBhvr>
+                                        <p:cTn id="6" dur="1" fill="hold">
+                                          <p:stCondLst>
+                                            <p:cond delay="0"/>
+                                          </p:stCondLst>
+                                        </p:cTn>
+                                        <p:tgtEl>
+                                          <p:spTgt spid="3">
+                                            <p:txEl>
+                                              <p:pRg st="3" end="3"/>
+                                            </p:txEl>
+                                          </p:spTgt>
+                                        </p:tgtEl>
+                                        <p:attrNameLst>
+                                          <p:attrName>style.visibility</p:attrName>
+                                        </p:attrNameLst>
+                                      </p:cBhvr>
+                                      <p:to>
+                                        <p:strVal val="visible"/>
+                                      </p:to>
+                                    </p:set>
+                                  </p:childTnLst>
+                                </p:cTn>
+                              </p:par>
+                              <p:par>
+                                <p:cTn id="7" presetID="1" presetClass="entr" presetSubtype="0" fill="hold" nodeType="withEffect">
+                                  <p:stCondLst>
+                                    <p:cond delay="0"/>
+                                  </p:stCondLst>
+                                  <p:childTnLst>
+                                    <p:set>
+                                      <p:cBhvr>
+                                        <p:cTn id="8" dur="1" fill="hold">
+                                          <p:stCondLst>
+                                            <p:cond delay="0"/>
+                                          </p:stCondLst>
+                                        </p:cTn>
+                                        <p:tgtEl>
+                                          <p:spTgt spid="3">
+                                            <p:txEl>
+                                              <p:pRg st="4" end="4"/>
+                                            </p:txEl>
+                                          </p:spTgt>
+                                        </p:tgtEl>
+                                        <p:attrNameLst>
+                                          <p:attrName>style.visibility</p:attrName>
+                                        </p:attrNameLst>
+                                      </p:cBhvr>
+                                      <p:to>
+                                        <p:strVal val="visible"/>
+                                      </p:to>
+                                    </p:set>
+                                  </p:childTnLst>
+                                </p:cTn>
+                              </p:par>
+                              <p:par>
+                                <p:cTn id="9" presetID="1" presetClass="entr" presetSubtype="0" fill="hold" nodeType="withEffect">
+                                  <p:stCondLst>
+                                    <p:cond delay="0"/>
+                                  </p:stCondLst>
+                                  <p:childTnLst>
+                                    <p:set>
+                                      <p:cBhvr>
+                                        <p:cTn id="10" dur="1" fill="hold">
+                                          <p:stCondLst>
+                                            <p:cond delay="0"/>
+                                          </p:stCondLst>
+                                        </p:cTn>
+                                        <p:tgtEl>
+                                          <p:spTgt spid="7"/>
+                                        </p:tgtEl>
+                                        <p:attrNameLst>
+                                          <p:attrName>style.visibility</p:attrName>
+                                        </p:attrNameLst>
+                                      </p:cBhvr>
+                                      <p:to>
+                                        <p:strVal val="visible"/>
+                                      </p:to>
+                                    </p:set>
+                                  </p:childTnLst>
+                                </p:cTn>
+                              </p:par>
+                              <p:par>
+                                <p:cTn id="11" presetID="1" presetClass="entr" presetSubtype="0" fill="hold" nodeType="withEffect">
+                                  <p:stCondLst>
+                                    <p:cond delay="0"/>
+                                  </p:stCondLst>
+                                  <p:childTnLst>
+                                    <p:set>
+                                      <p:cBhvr>
+                                        <p:cTn id="12" dur="1" fill="hold">
+                                          <p:stCondLst>
+                                            <p:cond delay="0"/>
+                                          </p:stCondLst>
+                                        </p:cTn>
+                                        <p:tgtEl>
+                                          <p:spTgt spid="8"/>
+                                        </p:tgtEl>
+                                        <p:attrNameLst>
+                                          <p:attrName>style.visibility</p:attrName>
+                                        </p:attrNameLst>
+                                      </p:cBhvr>
+                                      <p:to>
+                                        <p:strVal val="visible"/>
+                                      </p:to>
+                                    </p:set>
+                                  </p:childTnLst>
+                                </p:cTn>
+                              </p:par>
+                            </p:childTnLst>
+                          </p:cTn>
+                        </p:par>
+                      </p:childTnLst>
+                    </p:cTn>
+                  </p:par>
+                </p:childTnLst>
+              </p:cTn>
+              <p:prevCondLst>
+                <p:cond evt="onPrev" delay="0">
+                  <p:tgtEl>
+                    <p:sldTgt/>
+                  </p:tgtEl>
+                </p:cond>
+              </p:prevCondLst>
+              <p:nextCondLst>
+                <p:cond evt="onNext" delay="0">
+                  <p:tgtEl>
+                    <p:sldTgt/>
+                  </p:tgtEl>
+                </p:cond>
+              </p:nextCondLst>
+            </p:seq>
+          </p:childTnLst>
+        </p:cTn>
+      </p:par>
+    </p:tnLst>
+  </p:timing>
+</p:sld>
+</file>
+
+<file path=ppt/slides/slide7.xml><?xml version="1.0" encoding="utf-8"?>
+<p:sld xmlns:a="http://schemas.openxmlformats.org/drawingml/2006/main" xmlns:r="http://schemas.openxmlformats.org/officeDocument/2006/relationships" xmlns:p="http://schemas.openxmlformats.org/presentationml/2006/main">
+  <p:cSld>
+    <p:spTree>
+      <p:nvGrpSpPr>
+        <p:cNvPr id="1" name=""/>
+        <p:cNvGrpSpPr/>
+        <p:nvPr/>
+      </p:nvGrpSpPr>
+      <p:grpSpPr>
+        <a:xfrm>
+          <a:off x="0" y="0"/>
+          <a:ext cx="0" cy="0"/>
+          <a:chOff x="0" y="0"/>
+          <a:chExt cx="0" cy="0"/>
+        </a:xfrm>
+      </p:grpSpPr>
+      <p:sp>
+        <p:nvSpPr>
+          <p:cNvPr id="2" name="Title 1"/>
+          <p:cNvSpPr>
+            <a:spLocks noGrp="1"/>
+          </p:cNvSpPr>
+          <p:nvPr>
+            <p:ph type="title"/>
+          </p:nvPr>
+        </p:nvSpPr>
+        <p:spPr/>
+        <p:txBody>
+          <a:bodyPr/>
+          <a:lstStyle/>
+          <a:p>
+            <a:r>
+              <a:rPr lang="en-US" dirty="0" smtClean="0"/>
+              <a:t>Uh oh! Uh oh!</a:t>
             </a:r>
             <a:endParaRPr lang="en-US" dirty="0"/>
           </a:p>
@@ -15613,6 +17387,270 @@
           <a:p>
             <a:r>
               <a:rPr lang="en-US" dirty="0" smtClean="0"/>
+              <a:t>Now try an “ls!” </a:t>
+            </a:r>
+            <a:r>
+              <a:rPr lang="en-US" dirty="0" err="1" smtClean="0"/>
+              <a:t>Muwahahaha</a:t>
+            </a:r>
+            <a:r>
+              <a:rPr lang="en-US" dirty="0" smtClean="0"/>
+              <a:t>! Now you are blind and stuck in the terminal forever!</a:t>
+            </a:r>
+            <a:br>
+              <a:rPr lang="en-US" dirty="0" smtClean="0"/>
+            </a:br>
+            <a:endParaRPr lang="en-US" dirty="0" smtClean="0"/>
+          </a:p>
+          <a:p>
+            <a:r>
+              <a:rPr lang="en-US" dirty="0" smtClean="0"/>
+              <a:t>As you can see, it’s VERY easy to confuse your PATH and overwrite key functions! But you can dig yourself back out of this hole! Which of these options will help you reset your session?</a:t>
+            </a:r>
+          </a:p>
+        </p:txBody>
+      </p:sp>
+      <p:sp>
+        <p:nvSpPr>
+          <p:cNvPr id="5" name="TextBox 4"/>
+          <p:cNvSpPr txBox="1"/>
+          <p:nvPr/>
+        </p:nvSpPr>
+        <p:spPr>
+          <a:xfrm>
+            <a:off x="3941886" y="4557574"/>
+            <a:ext cx="3789485" cy="1754326"/>
+          </a:xfrm>
+          <a:prstGeom prst="rect">
+            <a:avLst/>
+          </a:prstGeom>
+          <a:noFill/>
+        </p:spPr>
+        <p:txBody>
+          <a:bodyPr wrap="square" rtlCol="0">
+            <a:spAutoFit/>
+          </a:bodyPr>
+          <a:lstStyle/>
+          <a:p>
+            <a:pPr marL="342900" indent="-342900">
+              <a:buFont typeface="+mj-lt"/>
+              <a:buAutoNum type="arabicPeriod"/>
+            </a:pPr>
+            <a:r>
+              <a:rPr lang="en-US" dirty="0"/>
+              <a:t>Log out and log back in</a:t>
+            </a:r>
+            <a:br>
+              <a:rPr lang="en-US" dirty="0"/>
+            </a:br>
+            <a:endParaRPr lang="en-US" dirty="0"/>
+          </a:p>
+          <a:p>
+            <a:pPr marL="342900" indent="-342900">
+              <a:buFont typeface="+mj-lt"/>
+              <a:buAutoNum type="arabicPeriod"/>
+            </a:pPr>
+            <a:r>
+              <a:rPr lang="en-US" dirty="0"/>
+              <a:t>Try an export of PATH that doesn’t contain the errant folder</a:t>
+            </a:r>
+            <a:br>
+              <a:rPr lang="en-US" dirty="0"/>
+            </a:br>
+            <a:endParaRPr lang="en-US" dirty="0"/>
+          </a:p>
+          <a:p>
+            <a:pPr marL="342900" indent="-342900">
+              <a:buFont typeface="+mj-lt"/>
+              <a:buAutoNum type="arabicPeriod"/>
+            </a:pPr>
+            <a:r>
+              <a:rPr lang="en-US" dirty="0"/>
+              <a:t>Cry like you’ve never cried before</a:t>
+            </a:r>
+            <a:endParaRPr lang="en-US" dirty="0"/>
+          </a:p>
+        </p:txBody>
+      </p:sp>
+    </p:spTree>
+    <p:extLst>
+      <p:ext uri="{BB962C8B-B14F-4D97-AF65-F5344CB8AC3E}">
+        <p14:creationId xmlns:p14="http://schemas.microsoft.com/office/powerpoint/2010/main" val="26304996"/>
+      </p:ext>
+    </p:extLst>
+  </p:cSld>
+  <p:clrMapOvr>
+    <a:masterClrMapping/>
+  </p:clrMapOvr>
+  <p:timing>
+    <p:tnLst>
+      <p:par>
+        <p:cTn id="1" dur="indefinite" restart="never" nodeType="tmRoot">
+          <p:childTnLst>
+            <p:seq concurrent="1" nextAc="seek">
+              <p:cTn id="2" dur="indefinite" nodeType="mainSeq">
+                <p:childTnLst>
+                  <p:par>
+                    <p:cTn id="3" fill="hold">
+                      <p:stCondLst>
+                        <p:cond delay="indefinite"/>
+                      </p:stCondLst>
+                      <p:childTnLst>
+                        <p:par>
+                          <p:cTn id="4" fill="hold">
+                            <p:stCondLst>
+                              <p:cond delay="0"/>
+                            </p:stCondLst>
+                            <p:childTnLst>
+                              <p:par>
+                                <p:cTn id="5" presetID="1" presetClass="entr" presetSubtype="0" fill="hold" nodeType="clickEffect">
+                                  <p:stCondLst>
+                                    <p:cond delay="0"/>
+                                  </p:stCondLst>
+                                  <p:childTnLst>
+                                    <p:set>
+                                      <p:cBhvr>
+                                        <p:cTn id="6" dur="1" fill="hold">
+                                          <p:stCondLst>
+                                            <p:cond delay="0"/>
+                                          </p:stCondLst>
+                                        </p:cTn>
+                                        <p:tgtEl>
+                                          <p:spTgt spid="3">
+                                            <p:txEl>
+                                              <p:pRg st="1" end="1"/>
+                                            </p:txEl>
+                                          </p:spTgt>
+                                        </p:tgtEl>
+                                        <p:attrNameLst>
+                                          <p:attrName>style.visibility</p:attrName>
+                                        </p:attrNameLst>
+                                      </p:cBhvr>
+                                      <p:to>
+                                        <p:strVal val="visible"/>
+                                      </p:to>
+                                    </p:set>
+                                  </p:childTnLst>
+                                </p:cTn>
+                              </p:par>
+                              <p:par>
+                                <p:cTn id="7" presetID="1" presetClass="entr" presetSubtype="0" fill="hold" grpId="0" nodeType="withEffect">
+                                  <p:stCondLst>
+                                    <p:cond delay="0"/>
+                                  </p:stCondLst>
+                                  <p:childTnLst>
+                                    <p:set>
+                                      <p:cBhvr>
+                                        <p:cTn id="8" dur="1" fill="hold">
+                                          <p:stCondLst>
+                                            <p:cond delay="0"/>
+                                          </p:stCondLst>
+                                        </p:cTn>
+                                        <p:tgtEl>
+                                          <p:spTgt spid="5"/>
+                                        </p:tgtEl>
+                                        <p:attrNameLst>
+                                          <p:attrName>style.visibility</p:attrName>
+                                        </p:attrNameLst>
+                                      </p:cBhvr>
+                                      <p:to>
+                                        <p:strVal val="visible"/>
+                                      </p:to>
+                                    </p:set>
+                                  </p:childTnLst>
+                                </p:cTn>
+                              </p:par>
+                            </p:childTnLst>
+                          </p:cTn>
+                        </p:par>
+                      </p:childTnLst>
+                    </p:cTn>
+                  </p:par>
+                </p:childTnLst>
+              </p:cTn>
+              <p:prevCondLst>
+                <p:cond evt="onPrev" delay="0">
+                  <p:tgtEl>
+                    <p:sldTgt/>
+                  </p:tgtEl>
+                </p:cond>
+              </p:prevCondLst>
+              <p:nextCondLst>
+                <p:cond evt="onNext" delay="0">
+                  <p:tgtEl>
+                    <p:sldTgt/>
+                  </p:tgtEl>
+                </p:cond>
+              </p:nextCondLst>
+            </p:seq>
+          </p:childTnLst>
+        </p:cTn>
+      </p:par>
+    </p:tnLst>
+    <p:bldLst>
+      <p:bldP spid="5" grpId="0"/>
+    </p:bldLst>
+  </p:timing>
+</p:sld>
+</file>
+
+<file path=ppt/slides/slide8.xml><?xml version="1.0" encoding="utf-8"?>
+<p:sld xmlns:a="http://schemas.openxmlformats.org/drawingml/2006/main" xmlns:r="http://schemas.openxmlformats.org/officeDocument/2006/relationships" xmlns:p="http://schemas.openxmlformats.org/presentationml/2006/main">
+  <p:cSld>
+    <p:spTree>
+      <p:nvGrpSpPr>
+        <p:cNvPr id="1" name=""/>
+        <p:cNvGrpSpPr/>
+        <p:nvPr/>
+      </p:nvGrpSpPr>
+      <p:grpSpPr>
+        <a:xfrm>
+          <a:off x="0" y="0"/>
+          <a:ext cx="0" cy="0"/>
+          <a:chOff x="0" y="0"/>
+          <a:chExt cx="0" cy="0"/>
+        </a:xfrm>
+      </p:grpSpPr>
+      <p:sp>
+        <p:nvSpPr>
+          <p:cNvPr id="2" name="Title 1"/>
+          <p:cNvSpPr>
+            <a:spLocks noGrp="1"/>
+          </p:cNvSpPr>
+          <p:nvPr>
+            <p:ph type="title"/>
+          </p:nvPr>
+        </p:nvSpPr>
+        <p:spPr/>
+        <p:txBody>
+          <a:bodyPr/>
+          <a:lstStyle/>
+          <a:p>
+            <a:r>
+              <a:rPr lang="en-US" dirty="0" smtClean="0"/>
+              <a:t>The module system: the rationale</a:t>
+            </a:r>
+            <a:endParaRPr lang="en-US" dirty="0"/>
+          </a:p>
+        </p:txBody>
+      </p:sp>
+      <p:sp>
+        <p:nvSpPr>
+          <p:cNvPr id="3" name="Content Placeholder 2"/>
+          <p:cNvSpPr>
+            <a:spLocks noGrp="1"/>
+          </p:cNvSpPr>
+          <p:nvPr>
+            <p:ph idx="1"/>
+          </p:nvPr>
+        </p:nvSpPr>
+        <p:spPr/>
+        <p:txBody>
+          <a:bodyPr/>
+          <a:lstStyle/>
+          <a:p>
+            <a:r>
+              <a:rPr lang="en-US" dirty="0" smtClean="0"/>
               <a:t>Now that I have given you this power, you must use it responsibly! If you set all folders on your system to $PATH, then you may run into a problem with name collisions. </a:t>
             </a:r>
             <a:r>
@@ -15630,7 +17668,15 @@
           <a:p>
             <a:r>
               <a:rPr lang="en-US" dirty="0" smtClean="0"/>
-              <a:t>To get around this, the admins at CERES implemented a “module” system to preferentially load programs into your $PATH. This way, you can load different versions of the same program (often with the same name!) that do not collide! To see which modules are available, just type “module avail” into the terminal:</a:t>
+              <a:t>To get around this, the admins </a:t>
+            </a:r>
+            <a:r>
+              <a:rPr lang="en-US" dirty="0" smtClean="0"/>
+              <a:t>in Iowa implemented </a:t>
+            </a:r>
+            <a:r>
+              <a:rPr lang="en-US" dirty="0" smtClean="0"/>
+              <a:t>a “module” system to preferentially load programs into your $PATH. This way, you can load different versions of the same program (often with the same name!) that do not collide! To see which modules are available, just type “module avail” into the terminal:</a:t>
             </a:r>
             <a:endParaRPr lang="en-US" dirty="0"/>
           </a:p>
@@ -15652,7 +17698,7 @@
         </p:blipFill>
         <p:spPr>
           <a:xfrm>
-            <a:off x="4398719" y="5125183"/>
+            <a:off x="4415497" y="6039583"/>
             <a:ext cx="2759463" cy="396387"/>
           </a:xfrm>
           <a:prstGeom prst="rect">
@@ -15797,7 +17843,7 @@
 </p:sld>
 </file>
 
-<file path=ppt/slides/slide7.xml><?xml version="1.0" encoding="utf-8"?>
+<file path=ppt/slides/slide9.xml><?xml version="1.0" encoding="utf-8"?>
 <p:sld xmlns:a="http://schemas.openxmlformats.org/drawingml/2006/main" xmlns:r="http://schemas.openxmlformats.org/officeDocument/2006/relationships" xmlns:p="http://schemas.openxmlformats.org/presentationml/2006/main">
   <p:cSld>
     <p:spTree>
@@ -15845,12 +17891,16 @@
           </p:cNvGraphicFramePr>
           <p:nvPr>
             <p:ph idx="1"/>
-            <p:extLst/>
+            <p:extLst>
+              <p:ext uri="{D42A27DB-BD31-4B8C-83A1-F6EECF244321}">
+                <p14:modId xmlns:p14="http://schemas.microsoft.com/office/powerpoint/2010/main" val="3674715112"/>
+              </p:ext>
+            </p:extLst>
           </p:nvPr>
         </p:nvGraphicFramePr>
         <p:xfrm>
-          <a:off x="2152650" y="2370749"/>
-          <a:ext cx="7886700" cy="3893869"/>
+          <a:off x="838200" y="1992680"/>
+          <a:ext cx="10293991" cy="4625389"/>
         </p:xfrm>
         <a:graphic>
           <a:graphicData uri="http://schemas.openxmlformats.org/drawingml/2006/table">
@@ -15859,14 +17909,14 @@
                 <a:tableStyleId>{073A0DAA-6AF3-43AB-8588-CEC1D06C72B9}</a:tableStyleId>
               </a:tblPr>
               <a:tblGrid>
-                <a:gridCol w="2694842">
+                <a:gridCol w="3517400">
                   <a:extLst>
                     <a:ext uri="{9D8B030D-6E8A-4147-A177-3AD203B41FA5}">
                       <a16:colId xmlns:a16="http://schemas.microsoft.com/office/drawing/2014/main" val="132530348"/>
                     </a:ext>
                   </a:extLst>
                 </a:gridCol>
-                <a:gridCol w="5191858">
+                <a:gridCol w="6776591">
                   <a:extLst>
                     <a:ext uri="{9D8B030D-6E8A-4147-A177-3AD203B41FA5}">
                       <a16:colId xmlns:a16="http://schemas.microsoft.com/office/drawing/2014/main" val="1011178699"/>
@@ -15881,10 +17931,10 @@
                     <a:lstStyle/>
                     <a:p>
                       <a:r>
-                        <a:rPr lang="en-US" sz="1600" dirty="0" smtClean="0"/>
+                        <a:rPr lang="en-US" sz="2000" dirty="0" smtClean="0"/>
                         <a:t>Module command</a:t>
                       </a:r>
-                      <a:endParaRPr lang="en-US" sz="1600" dirty="0"/>
+                      <a:endParaRPr lang="en-US" sz="2000" dirty="0"/>
                     </a:p>
                   </a:txBody>
                   <a:tcPr/>
@@ -15895,10 +17945,10 @@
                     <a:lstStyle/>
                     <a:p>
                       <a:r>
-                        <a:rPr lang="en-US" sz="1600" dirty="0" smtClean="0"/>
+                        <a:rPr lang="en-US" sz="2000" dirty="0" smtClean="0"/>
                         <a:t>Description</a:t>
                       </a:r>
-                      <a:endParaRPr lang="en-US" sz="1600" dirty="0"/>
+                      <a:endParaRPr lang="en-US" sz="2000" dirty="0"/>
                     </a:p>
                   </a:txBody>
                   <a:tcPr/>
@@ -15916,10 +17966,10 @@
                     <a:lstStyle/>
                     <a:p>
                       <a:r>
-                        <a:rPr lang="en-US" sz="1600" dirty="0" smtClean="0"/>
+                        <a:rPr lang="en-US" sz="2000" dirty="0" smtClean="0"/>
                         <a:t>avail</a:t>
                       </a:r>
-                      <a:endParaRPr lang="en-US" sz="1600" dirty="0"/>
+                      <a:endParaRPr lang="en-US" sz="2000" dirty="0"/>
                     </a:p>
                   </a:txBody>
                   <a:tcPr/>
@@ -15930,22 +17980,22 @@
                     <a:lstStyle/>
                     <a:p>
                       <a:r>
-                        <a:rPr lang="en-US" sz="1600" dirty="0" smtClean="0"/>
+                        <a:rPr lang="en-US" sz="2000" dirty="0" smtClean="0"/>
                         <a:t>Display</a:t>
                       </a:r>
                       <a:r>
-                        <a:rPr lang="en-US" sz="1600" baseline="0" dirty="0" smtClean="0"/>
+                        <a:rPr lang="en-US" sz="2000" baseline="0" dirty="0" smtClean="0"/>
                         <a:t> list of possible modules using the </a:t>
                       </a:r>
                       <a:r>
-                        <a:rPr lang="en-US" sz="1600" baseline="0" dirty="0" err="1" smtClean="0"/>
+                        <a:rPr lang="en-US" sz="2000" baseline="0" dirty="0" err="1" smtClean="0"/>
                         <a:t>unix</a:t>
                       </a:r>
                       <a:r>
-                        <a:rPr lang="en-US" sz="1600" baseline="0" dirty="0" smtClean="0"/>
+                        <a:rPr lang="en-US" sz="2000" baseline="0" dirty="0" smtClean="0"/>
                         <a:t> “more” command (‘q’ to exit)</a:t>
                       </a:r>
-                      <a:endParaRPr lang="en-US" sz="1600" dirty="0"/>
+                      <a:endParaRPr lang="en-US" sz="2000" dirty="0"/>
                     </a:p>
                   </a:txBody>
                   <a:tcPr/>
@@ -15963,14 +18013,14 @@
                     <a:lstStyle/>
                     <a:p>
                       <a:r>
-                        <a:rPr lang="en-US" sz="1600" dirty="0" smtClean="0"/>
+                        <a:rPr lang="en-US" sz="2000" dirty="0" smtClean="0"/>
                         <a:t>show</a:t>
                       </a:r>
                       <a:r>
-                        <a:rPr lang="en-US" sz="1600" baseline="0" dirty="0" smtClean="0"/>
+                        <a:rPr lang="en-US" sz="2000" baseline="0" dirty="0" smtClean="0"/>
                         <a:t> (module name)</a:t>
                       </a:r>
-                      <a:endParaRPr lang="en-US" sz="1600" dirty="0"/>
+                      <a:endParaRPr lang="en-US" sz="2000" dirty="0"/>
                     </a:p>
                   </a:txBody>
                   <a:tcPr/>
@@ -15981,14 +18031,14 @@
                     <a:lstStyle/>
                     <a:p>
                       <a:r>
-                        <a:rPr lang="en-US" sz="1600" dirty="0" smtClean="0"/>
+                        <a:rPr lang="en-US" sz="2000" dirty="0" smtClean="0"/>
                         <a:t>Show more information on the module, including</a:t>
                       </a:r>
                       <a:r>
-                        <a:rPr lang="en-US" sz="1600" baseline="0" dirty="0" smtClean="0"/>
+                        <a:rPr lang="en-US" sz="2000" baseline="0" dirty="0" smtClean="0"/>
                         <a:t> what it loads and a brief description of it.</a:t>
                       </a:r>
-                      <a:endParaRPr lang="en-US" sz="1600" dirty="0"/>
+                      <a:endParaRPr lang="en-US" sz="2000" dirty="0"/>
                     </a:p>
                   </a:txBody>
                   <a:tcPr/>
@@ -16006,14 +18056,14 @@
                     <a:lstStyle/>
                     <a:p>
                       <a:r>
-                        <a:rPr lang="en-US" sz="1600" dirty="0" smtClean="0"/>
+                        <a:rPr lang="en-US" sz="2000" dirty="0" smtClean="0"/>
                         <a:t>keywords</a:t>
                       </a:r>
                       <a:r>
-                        <a:rPr lang="en-US" sz="1600" baseline="0" dirty="0" smtClean="0"/>
+                        <a:rPr lang="en-US" sz="2000" baseline="0" dirty="0" smtClean="0"/>
                         <a:t> (text)</a:t>
                       </a:r>
-                      <a:endParaRPr lang="en-US" sz="1600" dirty="0"/>
+                      <a:endParaRPr lang="en-US" sz="2000" dirty="0"/>
                     </a:p>
                   </a:txBody>
                   <a:tcPr/>
@@ -16024,14 +18074,14 @@
                     <a:lstStyle/>
                     <a:p>
                       <a:r>
-                        <a:rPr lang="en-US" sz="1600" dirty="0" smtClean="0"/>
+                        <a:rPr lang="en-US" sz="2000" dirty="0" smtClean="0"/>
                         <a:t>Search for a module</a:t>
                       </a:r>
                       <a:r>
-                        <a:rPr lang="en-US" sz="1600" baseline="0" dirty="0" smtClean="0"/>
+                        <a:rPr lang="en-US" sz="2000" baseline="0" dirty="0" smtClean="0"/>
                         <a:t> that contains this text in the module name or description (faster than “avail” if you know what you’re looking for!).</a:t>
                       </a:r>
-                      <a:endParaRPr lang="en-US" sz="1600" dirty="0"/>
+                      <a:endParaRPr lang="en-US" sz="2000" dirty="0"/>
                     </a:p>
                   </a:txBody>
                   <a:tcPr/>
@@ -16049,14 +18099,14 @@
                     <a:lstStyle/>
                     <a:p>
                       <a:r>
-                        <a:rPr lang="en-US" sz="1600" dirty="0" smtClean="0"/>
+                        <a:rPr lang="en-US" sz="2000" dirty="0" smtClean="0"/>
                         <a:t>load</a:t>
                       </a:r>
                       <a:r>
-                        <a:rPr lang="en-US" sz="1600" baseline="0" dirty="0" smtClean="0"/>
+                        <a:rPr lang="en-US" sz="2000" baseline="0" dirty="0" smtClean="0"/>
                         <a:t> (module name) …</a:t>
                       </a:r>
-                      <a:endParaRPr lang="en-US" sz="1600" dirty="0"/>
+                      <a:endParaRPr lang="en-US" sz="2000" dirty="0"/>
                     </a:p>
                   </a:txBody>
                   <a:tcPr/>
@@ -16067,14 +18117,14 @@
                     <a:lstStyle/>
                     <a:p>
                       <a:r>
-                        <a:rPr lang="en-US" sz="1600" dirty="0" smtClean="0"/>
+                        <a:rPr lang="en-US" sz="2000" dirty="0" smtClean="0"/>
                         <a:t>Load one</a:t>
                       </a:r>
                       <a:r>
-                        <a:rPr lang="en-US" sz="1600" baseline="0" dirty="0" smtClean="0"/>
+                        <a:rPr lang="en-US" sz="2000" baseline="0" dirty="0" smtClean="0"/>
                         <a:t> (or more space delimited) modules into the current session. Note, these will be unloaded for your next terminal session!</a:t>
                       </a:r>
-                      <a:endParaRPr lang="en-US" sz="1600" dirty="0"/>
+                      <a:endParaRPr lang="en-US" sz="2000" dirty="0"/>
                     </a:p>
                   </a:txBody>
                   <a:tcPr/>
@@ -16092,14 +18142,14 @@
                     <a:lstStyle/>
                     <a:p>
                       <a:r>
-                        <a:rPr lang="en-US" sz="1600" dirty="0" smtClean="0"/>
+                        <a:rPr lang="en-US" sz="2000" dirty="0" smtClean="0"/>
                         <a:t>unload</a:t>
                       </a:r>
                       <a:r>
-                        <a:rPr lang="en-US" sz="1600" baseline="0" dirty="0" smtClean="0"/>
+                        <a:rPr lang="en-US" sz="2000" baseline="0" dirty="0" smtClean="0"/>
                         <a:t> (module name) …</a:t>
                       </a:r>
-                      <a:endParaRPr lang="en-US" sz="1600" dirty="0"/>
+                      <a:endParaRPr lang="en-US" sz="2000" dirty="0"/>
                     </a:p>
                   </a:txBody>
                   <a:tcPr/>
@@ -16110,14 +18160,14 @@
                     <a:lstStyle/>
                     <a:p>
                       <a:r>
-                        <a:rPr lang="en-US" sz="1600" dirty="0" smtClean="0"/>
+                        <a:rPr lang="en-US" sz="2000" dirty="0" smtClean="0"/>
                         <a:t>Remove</a:t>
                       </a:r>
                       <a:r>
-                        <a:rPr lang="en-US" sz="1600" baseline="0" dirty="0" smtClean="0"/>
+                        <a:rPr lang="en-US" sz="2000" baseline="0" dirty="0" smtClean="0"/>
                         <a:t> one (or more space delimited) modules from the current session. </a:t>
                       </a:r>
-                      <a:endParaRPr lang="en-US" sz="1600" dirty="0"/>
+                      <a:endParaRPr lang="en-US" sz="2000" dirty="0"/>
                     </a:p>
                   </a:txBody>
                   <a:tcPr/>
@@ -16158,7 +18208,6 @@
               <a:rPr lang="en-US" dirty="0"/>
               <a:t>There are more arguments than just “avail!” Here are the  most useful ones.</a:t>
             </a:r>
-            <a:endParaRPr lang="en-US" dirty="0"/>
           </a:p>
         </p:txBody>
       </p:sp>
@@ -16176,485 +18225,6 @@
     <p:tnLst>
       <p:par>
         <p:cTn id="1" dur="indefinite" restart="never" nodeType="tmRoot"/>
-      </p:par>
-    </p:tnLst>
-  </p:timing>
-</p:sld>
-</file>
-
-<file path=ppt/slides/slide8.xml><?xml version="1.0" encoding="utf-8"?>
-<p:sld xmlns:a="http://schemas.openxmlformats.org/drawingml/2006/main" xmlns:r="http://schemas.openxmlformats.org/officeDocument/2006/relationships" xmlns:p="http://schemas.openxmlformats.org/presentationml/2006/main">
-  <p:cSld>
-    <p:spTree>
-      <p:nvGrpSpPr>
-        <p:cNvPr id="1" name=""/>
-        <p:cNvGrpSpPr/>
-        <p:nvPr/>
-      </p:nvGrpSpPr>
-      <p:grpSpPr>
-        <a:xfrm>
-          <a:off x="0" y="0"/>
-          <a:ext cx="0" cy="0"/>
-          <a:chOff x="0" y="0"/>
-          <a:chExt cx="0" cy="0"/>
-        </a:xfrm>
-      </p:grpSpPr>
-      <p:sp>
-        <p:nvSpPr>
-          <p:cNvPr id="2" name="Title 1"/>
-          <p:cNvSpPr>
-            <a:spLocks noGrp="1"/>
-          </p:cNvSpPr>
-          <p:nvPr>
-            <p:ph type="title"/>
-          </p:nvPr>
-        </p:nvSpPr>
-        <p:spPr/>
-        <p:txBody>
-          <a:bodyPr/>
-          <a:lstStyle/>
-          <a:p>
-            <a:r>
-              <a:rPr lang="en-US" dirty="0" smtClean="0"/>
-              <a:t>To reinforce the lesson</a:t>
-            </a:r>
-            <a:endParaRPr lang="en-US" dirty="0"/>
-          </a:p>
-        </p:txBody>
-      </p:sp>
-      <p:sp>
-        <p:nvSpPr>
-          <p:cNvPr id="3" name="Content Placeholder 2"/>
-          <p:cNvSpPr>
-            <a:spLocks noGrp="1"/>
-          </p:cNvSpPr>
-          <p:nvPr>
-            <p:ph idx="1"/>
-          </p:nvPr>
-        </p:nvSpPr>
-        <p:spPr/>
-        <p:txBody>
-          <a:bodyPr/>
-          <a:lstStyle/>
-          <a:p>
-            <a:r>
-              <a:rPr lang="en-US" dirty="0" smtClean="0"/>
-              <a:t>Try typing the following command and read the text that follows:</a:t>
-            </a:r>
-          </a:p>
-          <a:p>
-            <a:endParaRPr lang="en-US" dirty="0"/>
-          </a:p>
-          <a:p>
-            <a:endParaRPr lang="en-US" dirty="0" smtClean="0"/>
-          </a:p>
-          <a:p>
-            <a:r>
-              <a:rPr lang="en-US" dirty="0" smtClean="0"/>
-              <a:t>What do you think that this command at the top is telling you? </a:t>
-            </a:r>
-            <a:endParaRPr lang="en-US" dirty="0"/>
-          </a:p>
-        </p:txBody>
-      </p:sp>
-      <p:pic>
-        <p:nvPicPr>
-          <p:cNvPr id="4" name="Picture 3"/>
-          <p:cNvPicPr>
-            <a:picLocks noChangeAspect="1"/>
-          </p:cNvPicPr>
-          <p:nvPr/>
-        </p:nvPicPr>
-        <p:blipFill>
-          <a:blip r:embed="rId2"/>
-          <a:stretch>
-            <a:fillRect/>
-          </a:stretch>
-        </p:blipFill>
-        <p:spPr>
-          <a:xfrm>
-            <a:off x="4728797" y="2319704"/>
-            <a:ext cx="2171700" cy="266700"/>
-          </a:xfrm>
-          <a:prstGeom prst="rect">
-            <a:avLst/>
-          </a:prstGeom>
-        </p:spPr>
-      </p:pic>
-      <p:pic>
-        <p:nvPicPr>
-          <p:cNvPr id="5" name="Picture 4"/>
-          <p:cNvPicPr>
-            <a:picLocks noChangeAspect="1"/>
-          </p:cNvPicPr>
-          <p:nvPr/>
-        </p:nvPicPr>
-        <p:blipFill rotWithShape="1">
-          <a:blip r:embed="rId3"/>
-          <a:srcRect b="55943"/>
-          <a:stretch/>
-        </p:blipFill>
-        <p:spPr>
-          <a:xfrm>
-            <a:off x="2846877" y="4001295"/>
-            <a:ext cx="6181725" cy="201429"/>
-          </a:xfrm>
-          <a:prstGeom prst="rect">
-            <a:avLst/>
-          </a:prstGeom>
-        </p:spPr>
-      </p:pic>
-    </p:spTree>
-    <p:extLst>
-      <p:ext uri="{BB962C8B-B14F-4D97-AF65-F5344CB8AC3E}">
-        <p14:creationId xmlns:p14="http://schemas.microsoft.com/office/powerpoint/2010/main" val="1102963511"/>
-      </p:ext>
-    </p:extLst>
-  </p:cSld>
-  <p:clrMapOvr>
-    <a:masterClrMapping/>
-  </p:clrMapOvr>
-  <p:timing>
-    <p:tnLst>
-      <p:par>
-        <p:cTn id="1" dur="indefinite" restart="never" nodeType="tmRoot"/>
-      </p:par>
-    </p:tnLst>
-  </p:timing>
-</p:sld>
-</file>
-
-<file path=ppt/slides/slide9.xml><?xml version="1.0" encoding="utf-8"?>
-<p:sld xmlns:a="http://schemas.openxmlformats.org/drawingml/2006/main" xmlns:r="http://schemas.openxmlformats.org/officeDocument/2006/relationships" xmlns:p="http://schemas.openxmlformats.org/presentationml/2006/main">
-  <p:cSld>
-    <p:spTree>
-      <p:nvGrpSpPr>
-        <p:cNvPr id="1" name=""/>
-        <p:cNvGrpSpPr/>
-        <p:nvPr/>
-      </p:nvGrpSpPr>
-      <p:grpSpPr>
-        <a:xfrm>
-          <a:off x="0" y="0"/>
-          <a:ext cx="0" cy="0"/>
-          <a:chOff x="0" y="0"/>
-          <a:chExt cx="0" cy="0"/>
-        </a:xfrm>
-      </p:grpSpPr>
-      <p:sp>
-        <p:nvSpPr>
-          <p:cNvPr id="2" name="Title 1"/>
-          <p:cNvSpPr>
-            <a:spLocks noGrp="1"/>
-          </p:cNvSpPr>
-          <p:nvPr>
-            <p:ph type="title"/>
-          </p:nvPr>
-        </p:nvSpPr>
-        <p:spPr/>
-        <p:txBody>
-          <a:bodyPr/>
-          <a:lstStyle/>
-          <a:p>
-            <a:r>
-              <a:rPr lang="en-US" dirty="0" smtClean="0"/>
-              <a:t>STDOUT, STDERR and STDIN</a:t>
-            </a:r>
-            <a:endParaRPr lang="en-US" dirty="0"/>
-          </a:p>
-        </p:txBody>
-      </p:sp>
-      <p:sp>
-        <p:nvSpPr>
-          <p:cNvPr id="3" name="Content Placeholder 2"/>
-          <p:cNvSpPr>
-            <a:spLocks noGrp="1"/>
-          </p:cNvSpPr>
-          <p:nvPr>
-            <p:ph idx="1"/>
-          </p:nvPr>
-        </p:nvSpPr>
-        <p:spPr/>
-        <p:txBody>
-          <a:bodyPr>
-            <a:normAutofit fontScale="92500" lnSpcReduction="20000"/>
-          </a:bodyPr>
-          <a:lstStyle/>
-          <a:p>
-            <a:r>
-              <a:rPr lang="en-US" dirty="0" smtClean="0"/>
-              <a:t>Now let’s talk about the text you saw floating by on the screen. You can automate this yourself by taking advantage of one of the three data streams that Unix allows. In this case it was the </a:t>
-            </a:r>
-            <a:r>
-              <a:rPr lang="en-US" dirty="0" smtClean="0">
-                <a:solidFill>
-                  <a:srgbClr val="FF0000"/>
-                </a:solidFill>
-              </a:rPr>
-              <a:t>STDOUT</a:t>
-            </a:r>
-            <a:r>
-              <a:rPr lang="en-US" dirty="0" smtClean="0"/>
-              <a:t> channel.</a:t>
-            </a:r>
-          </a:p>
-          <a:p>
-            <a:r>
-              <a:rPr lang="en-US" dirty="0" smtClean="0"/>
-              <a:t>Let’s test this out ourselves! Please copy and unpack the following lesson plans:</a:t>
-            </a:r>
-          </a:p>
-          <a:p>
-            <a:endParaRPr lang="en-US" dirty="0" smtClean="0"/>
-          </a:p>
-          <a:p>
-            <a:endParaRPr lang="en-US" dirty="0"/>
-          </a:p>
-          <a:p>
-            <a:r>
-              <a:rPr lang="en-US" dirty="0" smtClean="0"/>
-              <a:t>In the </a:t>
-            </a:r>
-            <a:r>
-              <a:rPr lang="en-US" dirty="0" err="1" smtClean="0"/>
-              <a:t>SublessonA</a:t>
-            </a:r>
-            <a:r>
-              <a:rPr lang="en-US" dirty="0" smtClean="0"/>
-              <a:t> folder you should see three text files, and each uses a different stream! Let’s start with “</a:t>
-            </a:r>
-            <a:r>
-              <a:rPr lang="en-US" dirty="0" smtClean="0">
-                <a:solidFill>
-                  <a:srgbClr val="0070C0"/>
-                </a:solidFill>
-              </a:rPr>
-              <a:t>i_print_stdout.sh</a:t>
-            </a:r>
-            <a:r>
-              <a:rPr lang="en-US" dirty="0" smtClean="0"/>
-              <a:t>”. Remember how to make the file executable? Do it! And then run it!</a:t>
-            </a:r>
-          </a:p>
-          <a:p>
-            <a:r>
-              <a:rPr lang="en-US" dirty="0" smtClean="0"/>
-              <a:t>To test out the next channel, </a:t>
-            </a:r>
-            <a:r>
-              <a:rPr lang="en-US" dirty="0" smtClean="0">
-                <a:solidFill>
-                  <a:srgbClr val="FF0000"/>
-                </a:solidFill>
-              </a:rPr>
-              <a:t>STDERR</a:t>
-            </a:r>
-            <a:r>
-              <a:rPr lang="en-US" dirty="0" smtClean="0"/>
-              <a:t>, do the same on the “</a:t>
-            </a:r>
-            <a:r>
-              <a:rPr lang="en-US" dirty="0" smtClean="0">
-                <a:solidFill>
-                  <a:srgbClr val="0070C0"/>
-                </a:solidFill>
-              </a:rPr>
-              <a:t>i_print_stderr.sh</a:t>
-            </a:r>
-            <a:r>
-              <a:rPr lang="en-US" dirty="0" smtClean="0"/>
-              <a:t>” script. </a:t>
-            </a:r>
-            <a:endParaRPr lang="en-US" dirty="0">
-              <a:solidFill>
-                <a:srgbClr val="FF0000"/>
-              </a:solidFill>
-            </a:endParaRPr>
-          </a:p>
-        </p:txBody>
-      </p:sp>
-      <p:pic>
-        <p:nvPicPr>
-          <p:cNvPr id="4" name="Picture 3"/>
-          <p:cNvPicPr>
-            <a:picLocks noChangeAspect="1"/>
-          </p:cNvPicPr>
-          <p:nvPr/>
-        </p:nvPicPr>
-        <p:blipFill rotWithShape="1">
-          <a:blip r:embed="rId2"/>
-          <a:srcRect l="30993" t="6699"/>
-          <a:stretch/>
-        </p:blipFill>
-        <p:spPr>
-          <a:xfrm>
-            <a:off x="1689614" y="3782902"/>
-            <a:ext cx="8978386" cy="196147"/>
-          </a:xfrm>
-          <a:prstGeom prst="rect">
-            <a:avLst/>
-          </a:prstGeom>
-        </p:spPr>
-      </p:pic>
-      <p:pic>
-        <p:nvPicPr>
-          <p:cNvPr id="6" name="Picture 5"/>
-          <p:cNvPicPr>
-            <a:picLocks noChangeAspect="1"/>
-          </p:cNvPicPr>
-          <p:nvPr/>
-        </p:nvPicPr>
-        <p:blipFill>
-          <a:blip r:embed="rId3"/>
-          <a:stretch>
-            <a:fillRect/>
-          </a:stretch>
-        </p:blipFill>
-        <p:spPr>
-          <a:xfrm>
-            <a:off x="3878648" y="4113985"/>
-            <a:ext cx="3901978" cy="333265"/>
-          </a:xfrm>
-          <a:prstGeom prst="rect">
-            <a:avLst/>
-          </a:prstGeom>
-        </p:spPr>
-      </p:pic>
-    </p:spTree>
-    <p:extLst>
-      <p:ext uri="{BB962C8B-B14F-4D97-AF65-F5344CB8AC3E}">
-        <p14:creationId xmlns:p14="http://schemas.microsoft.com/office/powerpoint/2010/main" val="896098646"/>
-      </p:ext>
-    </p:extLst>
-  </p:cSld>
-  <p:clrMapOvr>
-    <a:masterClrMapping/>
-  </p:clrMapOvr>
-  <p:timing>
-    <p:tnLst>
-      <p:par>
-        <p:cTn id="1" dur="indefinite" restart="never" nodeType="tmRoot">
-          <p:childTnLst>
-            <p:seq concurrent="1" nextAc="seek">
-              <p:cTn id="2" dur="indefinite" nodeType="mainSeq">
-                <p:childTnLst>
-                  <p:par>
-                    <p:cTn id="3" fill="hold">
-                      <p:stCondLst>
-                        <p:cond delay="indefinite"/>
-                      </p:stCondLst>
-                      <p:childTnLst>
-                        <p:par>
-                          <p:cTn id="4" fill="hold">
-                            <p:stCondLst>
-                              <p:cond delay="0"/>
-                            </p:stCondLst>
-                            <p:childTnLst>
-                              <p:par>
-                                <p:cTn id="5" presetID="1" presetClass="entr" presetSubtype="0" fill="hold" nodeType="clickEffect">
-                                  <p:stCondLst>
-                                    <p:cond delay="0"/>
-                                  </p:stCondLst>
-                                  <p:childTnLst>
-                                    <p:set>
-                                      <p:cBhvr>
-                                        <p:cTn id="6" dur="1" fill="hold">
-                                          <p:stCondLst>
-                                            <p:cond delay="0"/>
-                                          </p:stCondLst>
-                                        </p:cTn>
-                                        <p:tgtEl>
-                                          <p:spTgt spid="3">
-                                            <p:txEl>
-                                              <p:pRg st="4" end="4"/>
-                                            </p:txEl>
-                                          </p:spTgt>
-                                        </p:tgtEl>
-                                        <p:attrNameLst>
-                                          <p:attrName>style.visibility</p:attrName>
-                                        </p:attrNameLst>
-                                      </p:cBhvr>
-                                      <p:to>
-                                        <p:strVal val="visible"/>
-                                      </p:to>
-                                    </p:set>
-                                  </p:childTnLst>
-                                </p:cTn>
-                              </p:par>
-                            </p:childTnLst>
-                          </p:cTn>
-                        </p:par>
-                      </p:childTnLst>
-                    </p:cTn>
-                  </p:par>
-                  <p:par>
-                    <p:cTn id="7" fill="hold">
-                      <p:stCondLst>
-                        <p:cond delay="indefinite"/>
-                      </p:stCondLst>
-                      <p:childTnLst>
-                        <p:par>
-                          <p:cTn id="8" fill="hold">
-                            <p:stCondLst>
-                              <p:cond delay="0"/>
-                            </p:stCondLst>
-                            <p:childTnLst>
-                              <p:par>
-                                <p:cTn id="9" presetID="1" presetClass="entr" presetSubtype="0" fill="hold" nodeType="clickEffect">
-                                  <p:stCondLst>
-                                    <p:cond delay="0"/>
-                                  </p:stCondLst>
-                                  <p:childTnLst>
-                                    <p:set>
-                                      <p:cBhvr>
-                                        <p:cTn id="10" dur="1" fill="hold">
-                                          <p:stCondLst>
-                                            <p:cond delay="0"/>
-                                          </p:stCondLst>
-                                        </p:cTn>
-                                        <p:tgtEl>
-                                          <p:spTgt spid="3">
-                                            <p:txEl>
-                                              <p:pRg st="5" end="5"/>
-                                            </p:txEl>
-                                          </p:spTgt>
-                                        </p:tgtEl>
-                                        <p:attrNameLst>
-                                          <p:attrName>style.visibility</p:attrName>
-                                        </p:attrNameLst>
-                                      </p:cBhvr>
-                                      <p:to>
-                                        <p:strVal val="visible"/>
-                                      </p:to>
-                                    </p:set>
-                                  </p:childTnLst>
-                                </p:cTn>
-                              </p:par>
-                            </p:childTnLst>
-                          </p:cTn>
-                        </p:par>
-                      </p:childTnLst>
-                    </p:cTn>
-                  </p:par>
-                </p:childTnLst>
-              </p:cTn>
-              <p:prevCondLst>
-                <p:cond evt="onPrev" delay="0">
-                  <p:tgtEl>
-                    <p:sldTgt/>
-                  </p:tgtEl>
-                </p:cond>
-              </p:prevCondLst>
-              <p:nextCondLst>
-                <p:cond evt="onNext" delay="0">
-                  <p:tgtEl>
-                    <p:sldTgt/>
-                  </p:tgtEl>
-                </p:cond>
-              </p:nextCondLst>
-            </p:seq>
-          </p:childTnLst>
-        </p:cTn>
       </p:par>
     </p:tnLst>
   </p:timing>
